--- a/presentations/v3/FE571_Final_Presentation_v3.pptx
+++ b/presentations/v3/FE571_Final_Presentation_v3.pptx
@@ -4,31 +4,34 @@
   <p:sldMasterIdLst>
     <p:sldMasterId id="2147483648" r:id="rId1"/>
   </p:sldMasterIdLst>
+  <p:notesMasterIdLst>
+    <p:notesMasterId r:id="rId24"/>
+  </p:notesMasterIdLst>
   <p:sldIdLst>
-    <p:sldId id="256" r:id="rId7"/>
-    <p:sldId id="257" r:id="rId9"/>
-    <p:sldId id="258" r:id="rId10"/>
-    <p:sldId id="259" r:id="rId11"/>
-    <p:sldId id="260" r:id="rId12"/>
-    <p:sldId id="261" r:id="rId13"/>
-    <p:sldId id="262" r:id="rId14"/>
-    <p:sldId id="263" r:id="rId15"/>
-    <p:sldId id="264" r:id="rId16"/>
-    <p:sldId id="265" r:id="rId17"/>
-    <p:sldId id="266" r:id="rId18"/>
-    <p:sldId id="267" r:id="rId19"/>
-    <p:sldId id="268" r:id="rId20"/>
-    <p:sldId id="269" r:id="rId21"/>
-    <p:sldId id="270" r:id="rId22"/>
-    <p:sldId id="271" r:id="rId23"/>
-    <p:sldId id="272" r:id="rId24"/>
-    <p:sldId id="273" r:id="rId25"/>
-    <p:sldId id="274" r:id="rId26"/>
-    <p:sldId id="275" r:id="rId27"/>
-    <p:sldId id="276" r:id="rId28"/>
-    <p:sldId id="277" r:id="rId29"/>
+    <p:sldId id="256" r:id="rId2"/>
+    <p:sldId id="257" r:id="rId3"/>
+    <p:sldId id="258" r:id="rId4"/>
+    <p:sldId id="259" r:id="rId5"/>
+    <p:sldId id="260" r:id="rId6"/>
+    <p:sldId id="261" r:id="rId7"/>
+    <p:sldId id="262" r:id="rId8"/>
+    <p:sldId id="263" r:id="rId9"/>
+    <p:sldId id="264" r:id="rId10"/>
+    <p:sldId id="265" r:id="rId11"/>
+    <p:sldId id="266" r:id="rId12"/>
+    <p:sldId id="267" r:id="rId13"/>
+    <p:sldId id="268" r:id="rId14"/>
+    <p:sldId id="269" r:id="rId15"/>
+    <p:sldId id="270" r:id="rId16"/>
+    <p:sldId id="271" r:id="rId17"/>
+    <p:sldId id="272" r:id="rId18"/>
+    <p:sldId id="273" r:id="rId19"/>
+    <p:sldId id="274" r:id="rId20"/>
+    <p:sldId id="275" r:id="rId21"/>
+    <p:sldId id="276" r:id="rId22"/>
+    <p:sldId id="277" r:id="rId23"/>
   </p:sldIdLst>
-  <p:sldSz cx="9144000" cy="5143500" type="screen4x3"/>
+  <p:sldSz cx="9144000" cy="5143500" type="screen16x9"/>
   <p:notesSz cx="6858000" cy="9144000"/>
   <p:defaultTextStyle>
     <a:defPPr>
@@ -125,11 +128,27 @@
       </a:defRPr>
     </a:lvl9pPr>
   </p:defaultTextStyle>
+  <p:extLst>
+    <p:ext uri="{EFAFB233-063F-42B5-8137-9DF3F51BA10A}">
+      <p15:sldGuideLst xmlns:p15="http://schemas.microsoft.com/office/powerpoint/2012/main">
+        <p15:guide id="1" orient="horz" pos="2160">
+          <p15:clr>
+            <a:srgbClr val="A4A3A4"/>
+          </p15:clr>
+        </p15:guide>
+        <p15:guide id="2" pos="2880">
+          <p15:clr>
+            <a:srgbClr val="A4A3A4"/>
+          </p15:clr>
+        </p15:guide>
+      </p15:sldGuideLst>
+    </p:ext>
+  </p:extLst>
 </p:presentation>
 </file>
 
 <file path=ppt/notesMasters/notesMaster1.xml><?xml version="1.0" encoding="utf-8"?>
-<p:notesMaster xmlns:a="http://schemas.openxmlformats.org/drawingml/2006/main" xmlns:p="http://schemas.openxmlformats.org/presentationml/2006/main" xmlns:r="http://schemas.openxmlformats.org/officeDocument/2006/relationships">
+<p:notesMaster xmlns:a="http://schemas.openxmlformats.org/drawingml/2006/main" xmlns:r="http://schemas.openxmlformats.org/officeDocument/2006/relationships" xmlns:p="http://schemas.openxmlformats.org/presentationml/2006/main">
   <p:cSld>
     <p:bg>
       <p:bgRef idx="1001">
@@ -150,241 +169,16 @@
           <a:chExt cx="0" cy="0"/>
         </a:xfrm>
       </p:grpSpPr>
-      <p:sp>
-        <p:nvSpPr>
-          <p:cNvPr id="2" name="Header Placeholder 1"/>
-          <p:cNvSpPr>
-            <a:spLocks noGrp="1"/>
-          </p:cNvSpPr>
-          <p:nvPr>
-            <p:ph type="hdr" sz="quarter"/>
-          </p:nvPr>
-        </p:nvSpPr>
-        <p:spPr>
-          <a:xfrm>
-            <a:off x="0" y="0"/>
-            <a:ext cx="2971800" cy="457200"/>
-          </a:xfrm>
-          <a:prstGeom prst="rect">
-            <a:avLst/>
-          </a:prstGeom>
-        </p:spPr>
-        <p:txBody>
-          <a:bodyPr vert="horz" lIns="91440" tIns="45720" rIns="91440" bIns="45720" rtlCol="0"/>
-          <a:lstStyle>
-            <a:lvl1pPr algn="l">
-              <a:defRPr sz="1200"/>
-            </a:lvl1pPr>
-          </a:lstStyle>
-          <a:p>
-            <a:endParaRPr lang="en-US"/>
-          </a:p>
-        </p:txBody>
-      </p:sp>
-      <p:sp>
-        <p:nvSpPr>
-          <p:cNvPr id="3" name="Date Placeholder 2"/>
-          <p:cNvSpPr>
-            <a:spLocks noGrp="1"/>
-          </p:cNvSpPr>
-          <p:nvPr>
-            <p:ph type="dt" idx="1"/>
-          </p:nvPr>
-        </p:nvSpPr>
-        <p:spPr>
-          <a:xfrm>
-            <a:off x="3884613" y="0"/>
-            <a:ext cx="2971800" cy="457200"/>
-          </a:xfrm>
-          <a:prstGeom prst="rect">
-            <a:avLst/>
-          </a:prstGeom>
-        </p:spPr>
-        <p:txBody>
-          <a:bodyPr vert="horz" lIns="91440" tIns="45720" rIns="91440" bIns="45720" rtlCol="0"/>
-          <a:lstStyle>
-            <a:lvl1pPr algn="r">
-              <a:defRPr sz="1200"/>
-            </a:lvl1pPr>
-          </a:lstStyle>
-          <a:p>
-            <a:fld id="{0F89C1C7-3DCD-1040-A9CF-14679D8B5DDD}" type="datetimeFigureOut">
-              <a:rPr lang="en-US" smtClean="0"/>
-              <a:t>10/17/16</a:t>
-            </a:fld>
-            <a:endParaRPr lang="en-US"/>
-          </a:p>
-        </p:txBody>
-      </p:sp>
-      <p:sp>
-        <p:nvSpPr>
-          <p:cNvPr id="4" name="Slide Image Placeholder 3"/>
-          <p:cNvSpPr>
-            <a:spLocks noGrp="1" noRot="1" noChangeAspect="1"/>
-          </p:cNvSpPr>
-          <p:nvPr>
-            <p:ph type="sldImg" idx="2"/>
-          </p:nvPr>
-        </p:nvSpPr>
-        <p:spPr>
-          <a:xfrm>
-            <a:off x="1143000" y="685800"/>
-            <a:ext cx="4572000" cy="3429000"/>
-          </a:xfrm>
-          <a:prstGeom prst="rect">
-            <a:avLst/>
-          </a:prstGeom>
-          <a:noFill/>
-          <a:ln w="12700">
-            <a:solidFill>
-              <a:prstClr val="black"/>
-            </a:solidFill>
-          </a:ln>
-        </p:spPr>
-        <p:txBody>
-          <a:bodyPr vert="horz" lIns="91440" tIns="45720" rIns="91440" bIns="45720" rtlCol="0" anchor="ctr"/>
-          <a:lstStyle/>
-          <a:p>
-            <a:endParaRPr lang="en-US"/>
-          </a:p>
-        </p:txBody>
-      </p:sp>
-      <p:sp>
-        <p:nvSpPr>
-          <p:cNvPr id="5" name="Notes Placeholder 4"/>
-          <p:cNvSpPr>
-            <a:spLocks noGrp="1"/>
-          </p:cNvSpPr>
-          <p:nvPr>
-            <p:ph type="body" sz="quarter" idx="3"/>
-          </p:nvPr>
-        </p:nvSpPr>
-        <p:spPr>
-          <a:xfrm>
-            <a:off x="685800" y="4343400"/>
-            <a:ext cx="5486400" cy="4114800"/>
-          </a:xfrm>
-          <a:prstGeom prst="rect">
-            <a:avLst/>
-          </a:prstGeom>
-        </p:spPr>
-        <p:txBody>
-          <a:bodyPr vert="horz" lIns="91440" tIns="45720" rIns="91440" bIns="45720" rtlCol="0"/>
-          <a:lstStyle/>
-          <a:p>
-            <a:pPr lvl="0"/>
-            <a:r>
-              <a:rPr lang="en-US" smtClean="0"/>
-              <a:t>Click to edit Master text styles</a:t>
-            </a:r>
-          </a:p>
-          <a:p>
-            <a:pPr lvl="1"/>
-            <a:r>
-              <a:rPr lang="en-US" smtClean="0"/>
-              <a:t>Second level</a:t>
-            </a:r>
-          </a:p>
-          <a:p>
-            <a:pPr lvl="2"/>
-            <a:r>
-              <a:rPr lang="en-US" smtClean="0"/>
-              <a:t>Third level</a:t>
-            </a:r>
-          </a:p>
-          <a:p>
-            <a:pPr lvl="3"/>
-            <a:r>
-              <a:rPr lang="en-US" smtClean="0"/>
-              <a:t>Fourth level</a:t>
-            </a:r>
-          </a:p>
-          <a:p>
-            <a:pPr lvl="4"/>
-            <a:r>
-              <a:rPr lang="en-US" smtClean="0"/>
-              <a:t>Fifth level</a:t>
-            </a:r>
-            <a:endParaRPr lang="en-US"/>
-          </a:p>
-        </p:txBody>
-      </p:sp>
-      <p:sp>
-        <p:nvSpPr>
-          <p:cNvPr id="6" name="Footer Placeholder 5"/>
-          <p:cNvSpPr>
-            <a:spLocks noGrp="1"/>
-          </p:cNvSpPr>
-          <p:nvPr>
-            <p:ph type="ftr" sz="quarter" idx="4"/>
-          </p:nvPr>
-        </p:nvSpPr>
-        <p:spPr>
-          <a:xfrm>
-            <a:off x="0" y="8685213"/>
-            <a:ext cx="2971800" cy="457200"/>
-          </a:xfrm>
-          <a:prstGeom prst="rect">
-            <a:avLst/>
-          </a:prstGeom>
-        </p:spPr>
-        <p:txBody>
-          <a:bodyPr vert="horz" lIns="91440" tIns="45720" rIns="91440" bIns="45720" rtlCol="0" anchor="b"/>
-          <a:lstStyle>
-            <a:lvl1pPr algn="l">
-              <a:defRPr sz="1200"/>
-            </a:lvl1pPr>
-          </a:lstStyle>
-          <a:p>
-            <a:endParaRPr lang="en-US"/>
-          </a:p>
-        </p:txBody>
-      </p:sp>
-      <p:sp>
-        <p:nvSpPr>
-          <p:cNvPr id="7" name="Slide Number Placeholder 6"/>
-          <p:cNvSpPr>
-            <a:spLocks noGrp="1"/>
-          </p:cNvSpPr>
-          <p:nvPr>
-            <p:ph type="sldNum" sz="quarter" idx="5"/>
-          </p:nvPr>
-        </p:nvSpPr>
-        <p:spPr>
-          <a:xfrm>
-            <a:off x="3884613" y="8685213"/>
-            <a:ext cx="2971800" cy="457200"/>
-          </a:xfrm>
-          <a:prstGeom prst="rect">
-            <a:avLst/>
-          </a:prstGeom>
-        </p:spPr>
-        <p:txBody>
-          <a:bodyPr vert="horz" lIns="91440" tIns="45720" rIns="91440" bIns="45720" rtlCol="0" anchor="b"/>
-          <a:lstStyle>
-            <a:lvl1pPr algn="r">
-              <a:defRPr sz="1200"/>
-            </a:lvl1pPr>
-          </a:lstStyle>
-          <a:p>
-            <a:fld id="{BB5E49A5-4136-284D-997B-48E1D791AD67}" type="slidenum">
-              <a:rPr lang="en-US" smtClean="0"/>
-              <a:t>‹#›</a:t>
-            </a:fld>
-            <a:endParaRPr lang="en-US"/>
-          </a:p>
-        </p:txBody>
-      </p:sp>
     </p:spTree>
     <p:extLst>
       <p:ext uri="{BB962C8B-B14F-4D97-AF65-F5344CB8AC3E}">
-        <p14:creationId xmlns:p14="http://schemas.microsoft.com/office/powerpoint/2010/main" val="2623252185"/>
+        <p14:creationId xmlns:p14="http://schemas.microsoft.com/office/powerpoint/2010/main" val="4052579477"/>
       </p:ext>
     </p:extLst>
   </p:cSld>
   <p:clrMap bg1="lt1" tx1="dk1" bg2="lt2" tx2="dk2" accent1="accent1" accent2="accent2" accent3="accent3" accent4="accent4" accent5="accent5" accent6="accent6" hlink="hlink" folHlink="folHlink"/>
   <p:notesStyle>
-    <a:lvl1pPr marL="0" algn="l" defTabSz="457200" rtl="0" eaLnBrk="1" latinLnBrk="0" hangingPunct="1">
+    <a:lvl1pPr marL="0" algn="l" defTabSz="914400" rtl="0" eaLnBrk="1" latinLnBrk="0" hangingPunct="1">
       <a:defRPr sz="1200" kern="1200">
         <a:solidFill>
           <a:schemeClr val="tx1"/>
@@ -394,7 +188,7 @@
         <a:cs typeface="+mn-cs"/>
       </a:defRPr>
     </a:lvl1pPr>
-    <a:lvl2pPr marL="457200" algn="l" defTabSz="457200" rtl="0" eaLnBrk="1" latinLnBrk="0" hangingPunct="1">
+    <a:lvl2pPr marL="457200" algn="l" defTabSz="914400" rtl="0" eaLnBrk="1" latinLnBrk="0" hangingPunct="1">
       <a:defRPr sz="1200" kern="1200">
         <a:solidFill>
           <a:schemeClr val="tx1"/>
@@ -404,7 +198,7 @@
         <a:cs typeface="+mn-cs"/>
       </a:defRPr>
     </a:lvl2pPr>
-    <a:lvl3pPr marL="914400" algn="l" defTabSz="457200" rtl="0" eaLnBrk="1" latinLnBrk="0" hangingPunct="1">
+    <a:lvl3pPr marL="914400" algn="l" defTabSz="914400" rtl="0" eaLnBrk="1" latinLnBrk="0" hangingPunct="1">
       <a:defRPr sz="1200" kern="1200">
         <a:solidFill>
           <a:schemeClr val="tx1"/>
@@ -414,7 +208,7 @@
         <a:cs typeface="+mn-cs"/>
       </a:defRPr>
     </a:lvl3pPr>
-    <a:lvl4pPr marL="1371600" algn="l" defTabSz="457200" rtl="0" eaLnBrk="1" latinLnBrk="0" hangingPunct="1">
+    <a:lvl4pPr marL="1371600" algn="l" defTabSz="914400" rtl="0" eaLnBrk="1" latinLnBrk="0" hangingPunct="1">
       <a:defRPr sz="1200" kern="1200">
         <a:solidFill>
           <a:schemeClr val="tx1"/>
@@ -424,7 +218,7 @@
         <a:cs typeface="+mn-cs"/>
       </a:defRPr>
     </a:lvl4pPr>
-    <a:lvl5pPr marL="1828800" algn="l" defTabSz="457200" rtl="0" eaLnBrk="1" latinLnBrk="0" hangingPunct="1">
+    <a:lvl5pPr marL="1828800" algn="l" defTabSz="914400" rtl="0" eaLnBrk="1" latinLnBrk="0" hangingPunct="1">
       <a:defRPr sz="1200" kern="1200">
         <a:solidFill>
           <a:schemeClr val="tx1"/>
@@ -434,7 +228,7 @@
         <a:cs typeface="+mn-cs"/>
       </a:defRPr>
     </a:lvl5pPr>
-    <a:lvl6pPr marL="2286000" algn="l" defTabSz="457200" rtl="0" eaLnBrk="1" latinLnBrk="0" hangingPunct="1">
+    <a:lvl6pPr marL="2286000" algn="l" defTabSz="914400" rtl="0" eaLnBrk="1" latinLnBrk="0" hangingPunct="1">
       <a:defRPr sz="1200" kern="1200">
         <a:solidFill>
           <a:schemeClr val="tx1"/>
@@ -444,7 +238,7 @@
         <a:cs typeface="+mn-cs"/>
       </a:defRPr>
     </a:lvl6pPr>
-    <a:lvl7pPr marL="2743200" algn="l" defTabSz="457200" rtl="0" eaLnBrk="1" latinLnBrk="0" hangingPunct="1">
+    <a:lvl7pPr marL="2743200" algn="l" defTabSz="914400" rtl="0" eaLnBrk="1" latinLnBrk="0" hangingPunct="1">
       <a:defRPr sz="1200" kern="1200">
         <a:solidFill>
           <a:schemeClr val="tx1"/>
@@ -454,7 +248,7 @@
         <a:cs typeface="+mn-cs"/>
       </a:defRPr>
     </a:lvl7pPr>
-    <a:lvl8pPr marL="3200400" algn="l" defTabSz="457200" rtl="0" eaLnBrk="1" latinLnBrk="0" hangingPunct="1">
+    <a:lvl8pPr marL="3200400" algn="l" defTabSz="914400" rtl="0" eaLnBrk="1" latinLnBrk="0" hangingPunct="1">
       <a:defRPr sz="1200" kern="1200">
         <a:solidFill>
           <a:schemeClr val="tx1"/>
@@ -464,7 +258,7 @@
         <a:cs typeface="+mn-cs"/>
       </a:defRPr>
     </a:lvl8pPr>
-    <a:lvl9pPr marL="3657600" algn="l" defTabSz="457200" rtl="0" eaLnBrk="1" latinLnBrk="0" hangingPunct="1">
+    <a:lvl9pPr marL="3657600" algn="l" defTabSz="914400" rtl="0" eaLnBrk="1" latinLnBrk="0" hangingPunct="1">
       <a:defRPr sz="1200" kern="1200">
         <a:solidFill>
           <a:schemeClr val="tx1"/>
@@ -479,7 +273,7 @@
 </file>
 
 <file path=ppt/notesSlides/notesSlide1.xml><?xml version="1.0" encoding="utf-8"?>
-<p:notes xmlns:a="http://schemas.openxmlformats.org/drawingml/2006/main" xmlns:p="http://schemas.openxmlformats.org/presentationml/2006/main" xmlns:r="http://schemas.openxmlformats.org/officeDocument/2006/relationships">
+<p:notes xmlns:a="http://schemas.openxmlformats.org/drawingml/2006/main" xmlns:r="http://schemas.openxmlformats.org/officeDocument/2006/relationships" xmlns:p="http://schemas.openxmlformats.org/presentationml/2006/main">
   <p:cSld>
     <p:spTree>
       <p:nvGrpSpPr>
@@ -499,53 +293,53 @@
         <p:nvSpPr>
           <p:cNvPr id="2" name="Slide Image Placeholder 1"/>
           <p:cNvSpPr>
+            <a:spLocks noGrp="1" noRot="1" noChangeAspect="1"/>
+          </p:cNvSpPr>
+          <p:nvPr>
+            <p:ph type="sldImg" idx="2"/>
+          </p:nvPr>
+        </p:nvSpPr>
+        <p:spPr/>
+      </p:sp>
+      <p:sp>
+        <p:nvSpPr>
+          <p:cNvPr id="3" name="Notes Placeholder 2"/>
+          <p:cNvSpPr>
             <a:spLocks noGrp="1"/>
           </p:cNvSpPr>
           <p:nvPr>
-            <p:ph type="sldImg" idx="2"/>
+            <p:ph type="body" sz="quarter" idx="3"/>
           </p:nvPr>
         </p:nvSpPr>
         <p:spPr/>
-      </p:sp>
-      <p:sp>
-        <p:nvSpPr>
-          <p:cNvPr id="3" name="Notes Placeholder 2"/>
+        <p:txBody>
+          <a:bodyPr/>
+          <a:lstStyle/>
+          <a:p>
+            <a:r>
+              <a:t>• This project evolved from a simple pairs trading idea into a full quantitative research exercise</a:t>
+            </a:r>
+          </a:p>
+          <a:p>
+            <a:r>
+              <a:t>• We'll walk through our methodology, what worked, what didn't, and the lessons learned along the way</a:t>
+            </a:r>
+          </a:p>
+          <a:p>
+            <a:r>
+              <a:t>• The code is fully reproducible on GitHub — we welcome questions at the end</a:t>
+            </a:r>
+          </a:p>
+        </p:txBody>
+      </p:sp>
+      <p:sp>
+        <p:nvSpPr>
+          <p:cNvPr id="4" name="Slide Number Placeholder 3"/>
           <p:cNvSpPr>
             <a:spLocks noGrp="1"/>
           </p:cNvSpPr>
           <p:nvPr>
-            <p:ph type="body" idx="3" sz="quarter"/>
-          </p:nvPr>
-        </p:nvSpPr>
-        <p:spPr/>
-        <p:txBody>
-          <a:bodyPr/>
-          <a:lstStyle/>
-          <a:p>
-            <a:r>
-              <a:t>• This project evolved from a simple pairs trading idea into a full quantitative research exercise</a:t>
-            </a:r>
-          </a:p>
-          <a:p>
-            <a:r>
-              <a:t>• We'll walk through our methodology, what worked, what didn't, and the lessons learned along the way</a:t>
-            </a:r>
-          </a:p>
-          <a:p>
-            <a:r>
-              <a:t>• The code is fully reproducible on GitHub — we welcome questions at the end</a:t>
-            </a:r>
-          </a:p>
-        </p:txBody>
-      </p:sp>
-      <p:sp>
-        <p:nvSpPr>
-          <p:cNvPr id="4" name="Slide Number Placeholder 3"/>
-          <p:cNvSpPr>
-            <a:spLocks noGrp="1"/>
-          </p:cNvSpPr>
-          <p:nvPr>
-            <p:ph type="sldNum" idx="5" sz="quarter"/>
+            <p:ph type="sldNum" sz="quarter" idx="5"/>
           </p:nvPr>
         </p:nvSpPr>
         <p:spPr/>
@@ -559,7 +353,7 @@
 </file>
 
 <file path=ppt/notesSlides/notesSlide10.xml><?xml version="1.0" encoding="utf-8"?>
-<p:notes xmlns:a="http://schemas.openxmlformats.org/drawingml/2006/main" xmlns:p="http://schemas.openxmlformats.org/presentationml/2006/main" xmlns:r="http://schemas.openxmlformats.org/officeDocument/2006/relationships">
+<p:notes xmlns:a="http://schemas.openxmlformats.org/drawingml/2006/main" xmlns:r="http://schemas.openxmlformats.org/officeDocument/2006/relationships" xmlns:p="http://schemas.openxmlformats.org/presentationml/2006/main">
   <p:cSld>
     <p:spTree>
       <p:nvGrpSpPr>
@@ -579,53 +373,53 @@
         <p:nvSpPr>
           <p:cNvPr id="2" name="Slide Image Placeholder 1"/>
           <p:cNvSpPr>
+            <a:spLocks noGrp="1" noRot="1" noChangeAspect="1"/>
+          </p:cNvSpPr>
+          <p:nvPr>
+            <p:ph type="sldImg" idx="2"/>
+          </p:nvPr>
+        </p:nvSpPr>
+        <p:spPr/>
+      </p:sp>
+      <p:sp>
+        <p:nvSpPr>
+          <p:cNvPr id="3" name="Notes Placeholder 2"/>
+          <p:cNvSpPr>
             <a:spLocks noGrp="1"/>
           </p:cNvSpPr>
           <p:nvPr>
-            <p:ph type="sldImg" idx="2"/>
+            <p:ph type="body" sz="quarter" idx="3"/>
           </p:nvPr>
         </p:nvSpPr>
         <p:spPr/>
-      </p:sp>
-      <p:sp>
-        <p:nvSpPr>
-          <p:cNvPr id="3" name="Notes Placeholder 2"/>
+        <p:txBody>
+          <a:bodyPr/>
+          <a:lstStyle/>
+          <a:p>
+            <a:r>
+              <a:t>• Tech vs Mega Cap pair has the best risk-adjusted profile of all four pairs</a:t>
+            </a:r>
+          </a:p>
+          <a:p>
+            <a:r>
+              <a:t>• Staples vs Discretionary shows high volatility with persistently negative Sharpe</a:t>
+            </a:r>
+          </a:p>
+          <a:p>
+            <a:r>
+              <a:t>• The goal is portfolio diversification, not beating SPY — low correlation is the value</a:t>
+            </a:r>
+          </a:p>
+        </p:txBody>
+      </p:sp>
+      <p:sp>
+        <p:nvSpPr>
+          <p:cNvPr id="4" name="Slide Number Placeholder 3"/>
           <p:cNvSpPr>
             <a:spLocks noGrp="1"/>
           </p:cNvSpPr>
           <p:nvPr>
-            <p:ph type="body" idx="3" sz="quarter"/>
-          </p:nvPr>
-        </p:nvSpPr>
-        <p:spPr/>
-        <p:txBody>
-          <a:bodyPr/>
-          <a:lstStyle/>
-          <a:p>
-            <a:r>
-              <a:t>• Tech vs Mega Cap pair has the best risk-adjusted profile of all four pairs</a:t>
-            </a:r>
-          </a:p>
-          <a:p>
-            <a:r>
-              <a:t>• Staples vs Discretionary shows high volatility with persistently negative Sharpe</a:t>
-            </a:r>
-          </a:p>
-          <a:p>
-            <a:r>
-              <a:t>• The goal is portfolio diversification, not beating SPY — low correlation is the value</a:t>
-            </a:r>
-          </a:p>
-        </p:txBody>
-      </p:sp>
-      <p:sp>
-        <p:nvSpPr>
-          <p:cNvPr id="4" name="Slide Number Placeholder 3"/>
-          <p:cNvSpPr>
-            <a:spLocks noGrp="1"/>
-          </p:cNvSpPr>
-          <p:nvPr>
-            <p:ph type="sldNum" idx="5" sz="quarter"/>
+            <p:ph type="sldNum" sz="quarter" idx="5"/>
           </p:nvPr>
         </p:nvSpPr>
         <p:spPr/>
@@ -639,7 +433,7 @@
 </file>
 
 <file path=ppt/notesSlides/notesSlide11.xml><?xml version="1.0" encoding="utf-8"?>
-<p:notes xmlns:a="http://schemas.openxmlformats.org/drawingml/2006/main" xmlns:p="http://schemas.openxmlformats.org/presentationml/2006/main" xmlns:r="http://schemas.openxmlformats.org/officeDocument/2006/relationships">
+<p:notes xmlns:a="http://schemas.openxmlformats.org/drawingml/2006/main" xmlns:r="http://schemas.openxmlformats.org/officeDocument/2006/relationships" xmlns:p="http://schemas.openxmlformats.org/presentationml/2006/main">
   <p:cSld>
     <p:spTree>
       <p:nvGrpSpPr>
@@ -659,53 +453,53 @@
         <p:nvSpPr>
           <p:cNvPr id="2" name="Slide Image Placeholder 1"/>
           <p:cNvSpPr>
+            <a:spLocks noGrp="1" noRot="1" noChangeAspect="1"/>
+          </p:cNvSpPr>
+          <p:nvPr>
+            <p:ph type="sldImg" idx="2"/>
+          </p:nvPr>
+        </p:nvSpPr>
+        <p:spPr/>
+      </p:sp>
+      <p:sp>
+        <p:nvSpPr>
+          <p:cNvPr id="3" name="Notes Placeholder 2"/>
+          <p:cNvSpPr>
             <a:spLocks noGrp="1"/>
           </p:cNvSpPr>
           <p:nvPr>
-            <p:ph type="sldImg" idx="2"/>
+            <p:ph type="body" sz="quarter" idx="3"/>
           </p:nvPr>
         </p:nvSpPr>
         <p:spPr/>
-      </p:sp>
-      <p:sp>
-        <p:nvSpPr>
-          <p:cNvPr id="3" name="Notes Placeholder 2"/>
+        <p:txBody>
+          <a:bodyPr/>
+          <a:lstStyle/>
+          <a:p>
+            <a:r>
+              <a:t>• Semiconductors and Energy both experienced 50% peak-to-trough drawdowns</a:t>
+            </a:r>
+          </a:p>
+          <a:p>
+            <a:r>
+              <a:t>• These occurred during market stress periods when correlations spiked to 1</a:t>
+            </a:r>
+          </a:p>
+          <a:p>
+            <a:r>
+              <a:t>• This is why we recommend only 5-10% portfolio allocation maximum</a:t>
+            </a:r>
+          </a:p>
+        </p:txBody>
+      </p:sp>
+      <p:sp>
+        <p:nvSpPr>
+          <p:cNvPr id="4" name="Slide Number Placeholder 3"/>
           <p:cNvSpPr>
             <a:spLocks noGrp="1"/>
           </p:cNvSpPr>
           <p:nvPr>
-            <p:ph type="body" idx="3" sz="quarter"/>
-          </p:nvPr>
-        </p:nvSpPr>
-        <p:spPr/>
-        <p:txBody>
-          <a:bodyPr/>
-          <a:lstStyle/>
-          <a:p>
-            <a:r>
-              <a:t>• Semiconductors and Energy both experienced 50% peak-to-trough drawdowns</a:t>
-            </a:r>
-          </a:p>
-          <a:p>
-            <a:r>
-              <a:t>• These occurred during market stress periods when correlations spiked to 1</a:t>
-            </a:r>
-          </a:p>
-          <a:p>
-            <a:r>
-              <a:t>• This is why we recommend only 5-10% portfolio allocation maximum</a:t>
-            </a:r>
-          </a:p>
-        </p:txBody>
-      </p:sp>
-      <p:sp>
-        <p:nvSpPr>
-          <p:cNvPr id="4" name="Slide Number Placeholder 3"/>
-          <p:cNvSpPr>
-            <a:spLocks noGrp="1"/>
-          </p:cNvSpPr>
-          <p:nvPr>
-            <p:ph type="sldNum" idx="5" sz="quarter"/>
+            <p:ph type="sldNum" sz="quarter" idx="5"/>
           </p:nvPr>
         </p:nvSpPr>
         <p:spPr/>
@@ -719,7 +513,7 @@
 </file>
 
 <file path=ppt/notesSlides/notesSlide12.xml><?xml version="1.0" encoding="utf-8"?>
-<p:notes xmlns:a="http://schemas.openxmlformats.org/drawingml/2006/main" xmlns:p="http://schemas.openxmlformats.org/presentationml/2006/main" xmlns:r="http://schemas.openxmlformats.org/officeDocument/2006/relationships">
+<p:notes xmlns:a="http://schemas.openxmlformats.org/drawingml/2006/main" xmlns:r="http://schemas.openxmlformats.org/officeDocument/2006/relationships" xmlns:p="http://schemas.openxmlformats.org/presentationml/2006/main">
   <p:cSld>
     <p:spTree>
       <p:nvGrpSpPr>
@@ -739,53 +533,53 @@
         <p:nvSpPr>
           <p:cNvPr id="2" name="Slide Image Placeholder 1"/>
           <p:cNvSpPr>
+            <a:spLocks noGrp="1" noRot="1" noChangeAspect="1"/>
+          </p:cNvSpPr>
+          <p:nvPr>
+            <p:ph type="sldImg" idx="2"/>
+          </p:nvPr>
+        </p:nvSpPr>
+        <p:spPr/>
+      </p:sp>
+      <p:sp>
+        <p:nvSpPr>
+          <p:cNvPr id="3" name="Notes Placeholder 2"/>
+          <p:cNvSpPr>
             <a:spLocks noGrp="1"/>
           </p:cNvSpPr>
           <p:nvPr>
-            <p:ph type="sldImg" idx="2"/>
+            <p:ph type="body" sz="quarter" idx="3"/>
           </p:nvPr>
         </p:nvSpPr>
         <p:spPr/>
-      </p:sp>
-      <p:sp>
-        <p:nvSpPr>
-          <p:cNvPr id="3" name="Notes Placeholder 2"/>
+        <p:txBody>
+          <a:bodyPr/>
+          <a:lstStyle/>
+          <a:p>
+            <a:r>
+              <a:t>• Tech vs Mega pair shows best risk profile with only 26% max drawdown</a:t>
+            </a:r>
+          </a:p>
+          <a:p>
+            <a:r>
+              <a:t>• Staples vs Discretionary experiences 43% drawdown despite negative returns</a:t>
+            </a:r>
+          </a:p>
+          <a:p>
+            <a:r>
+              <a:t>• Drawdown clustering around 2020 COVID crash is notable across all pairs</a:t>
+            </a:r>
+          </a:p>
+        </p:txBody>
+      </p:sp>
+      <p:sp>
+        <p:nvSpPr>
+          <p:cNvPr id="4" name="Slide Number Placeholder 3"/>
           <p:cNvSpPr>
             <a:spLocks noGrp="1"/>
           </p:cNvSpPr>
           <p:nvPr>
-            <p:ph type="body" idx="3" sz="quarter"/>
-          </p:nvPr>
-        </p:nvSpPr>
-        <p:spPr/>
-        <p:txBody>
-          <a:bodyPr/>
-          <a:lstStyle/>
-          <a:p>
-            <a:r>
-              <a:t>• Tech vs Mega pair shows best risk profile with only 26% max drawdown</a:t>
-            </a:r>
-          </a:p>
-          <a:p>
-            <a:r>
-              <a:t>• Staples vs Discretionary experiences 43% drawdown despite negative returns</a:t>
-            </a:r>
-          </a:p>
-          <a:p>
-            <a:r>
-              <a:t>• Drawdown clustering around 2020 COVID crash is notable across all pairs</a:t>
-            </a:r>
-          </a:p>
-        </p:txBody>
-      </p:sp>
-      <p:sp>
-        <p:nvSpPr>
-          <p:cNvPr id="4" name="Slide Number Placeholder 3"/>
-          <p:cNvSpPr>
-            <a:spLocks noGrp="1"/>
-          </p:cNvSpPr>
-          <p:nvPr>
-            <p:ph type="sldNum" idx="5" sz="quarter"/>
+            <p:ph type="sldNum" sz="quarter" idx="5"/>
           </p:nvPr>
         </p:nvSpPr>
         <p:spPr/>
@@ -799,7 +593,7 @@
 </file>
 
 <file path=ppt/notesSlides/notesSlide13.xml><?xml version="1.0" encoding="utf-8"?>
-<p:notes xmlns:a="http://schemas.openxmlformats.org/drawingml/2006/main" xmlns:p="http://schemas.openxmlformats.org/presentationml/2006/main" xmlns:r="http://schemas.openxmlformats.org/officeDocument/2006/relationships">
+<p:notes xmlns:a="http://schemas.openxmlformats.org/drawingml/2006/main" xmlns:r="http://schemas.openxmlformats.org/officeDocument/2006/relationships" xmlns:p="http://schemas.openxmlformats.org/presentationml/2006/main">
   <p:cSld>
     <p:spTree>
       <p:nvGrpSpPr>
@@ -819,53 +613,53 @@
         <p:nvSpPr>
           <p:cNvPr id="2" name="Slide Image Placeholder 1"/>
           <p:cNvSpPr>
+            <a:spLocks noGrp="1" noRot="1" noChangeAspect="1"/>
+          </p:cNvSpPr>
+          <p:nvPr>
+            <p:ph type="sldImg" idx="2"/>
+          </p:nvPr>
+        </p:nvSpPr>
+        <p:spPr/>
+      </p:sp>
+      <p:sp>
+        <p:nvSpPr>
+          <p:cNvPr id="3" name="Notes Placeholder 2"/>
+          <p:cNvSpPr>
             <a:spLocks noGrp="1"/>
           </p:cNvSpPr>
           <p:nvPr>
-            <p:ph type="sldImg" idx="2"/>
+            <p:ph type="body" sz="quarter" idx="3"/>
           </p:nvPr>
         </p:nvSpPr>
         <p:spPr/>
-      </p:sp>
-      <p:sp>
-        <p:nvSpPr>
-          <p:cNvPr id="3" name="Notes Placeholder 2"/>
+        <p:txBody>
+          <a:bodyPr/>
+          <a:lstStyle/>
+          <a:p>
+            <a:r>
+              <a:t>• Sharpe ratios near zero tell us this isn't a standalone alpha strategy — but that's okay for a hedge</a:t>
+            </a:r>
+          </a:p>
+          <a:p>
+            <a:r>
+              <a:t>• The ML improved Semiconductors significantly — from negative to positive Sharpe with 20% less drawdown</a:t>
+            </a:r>
+          </a:p>
+          <a:p>
+            <a:r>
+              <a:t>• Staples vs Discretionary is our worst performer — the relationship may be too noisy for mean-reversion</a:t>
+            </a:r>
+          </a:p>
+        </p:txBody>
+      </p:sp>
+      <p:sp>
+        <p:nvSpPr>
+          <p:cNvPr id="4" name="Slide Number Placeholder 3"/>
           <p:cNvSpPr>
             <a:spLocks noGrp="1"/>
           </p:cNvSpPr>
           <p:nvPr>
-            <p:ph type="body" idx="3" sz="quarter"/>
-          </p:nvPr>
-        </p:nvSpPr>
-        <p:spPr/>
-        <p:txBody>
-          <a:bodyPr/>
-          <a:lstStyle/>
-          <a:p>
-            <a:r>
-              <a:t>• Sharpe ratios near zero tell us this isn't a standalone alpha strategy — but that's okay for a hedge</a:t>
-            </a:r>
-          </a:p>
-          <a:p>
-            <a:r>
-              <a:t>• The ML improved Semiconductors significantly — from negative to positive Sharpe with 20% less drawdown</a:t>
-            </a:r>
-          </a:p>
-          <a:p>
-            <a:r>
-              <a:t>• Staples vs Discretionary is our worst performer — the relationship may be too noisy for mean-reversion</a:t>
-            </a:r>
-          </a:p>
-        </p:txBody>
-      </p:sp>
-      <p:sp>
-        <p:nvSpPr>
-          <p:cNvPr id="4" name="Slide Number Placeholder 3"/>
-          <p:cNvSpPr>
-            <a:spLocks noGrp="1"/>
-          </p:cNvSpPr>
-          <p:nvPr>
-            <p:ph type="sldNum" idx="5" sz="quarter"/>
+            <p:ph type="sldNum" sz="quarter" idx="5"/>
           </p:nvPr>
         </p:nvSpPr>
         <p:spPr/>
@@ -879,7 +673,7 @@
 </file>
 
 <file path=ppt/notesSlides/notesSlide14.xml><?xml version="1.0" encoding="utf-8"?>
-<p:notes xmlns:a="http://schemas.openxmlformats.org/drawingml/2006/main" xmlns:p="http://schemas.openxmlformats.org/presentationml/2006/main" xmlns:r="http://schemas.openxmlformats.org/officeDocument/2006/relationships">
+<p:notes xmlns:a="http://schemas.openxmlformats.org/drawingml/2006/main" xmlns:r="http://schemas.openxmlformats.org/officeDocument/2006/relationships" xmlns:p="http://schemas.openxmlformats.org/presentationml/2006/main">
   <p:cSld>
     <p:spTree>
       <p:nvGrpSpPr>
@@ -899,53 +693,53 @@
         <p:nvSpPr>
           <p:cNvPr id="2" name="Slide Image Placeholder 1"/>
           <p:cNvSpPr>
+            <a:spLocks noGrp="1" noRot="1" noChangeAspect="1"/>
+          </p:cNvSpPr>
+          <p:nvPr>
+            <p:ph type="sldImg" idx="2"/>
+          </p:nvPr>
+        </p:nvSpPr>
+        <p:spPr/>
+      </p:sp>
+      <p:sp>
+        <p:nvSpPr>
+          <p:cNvPr id="3" name="Notes Placeholder 2"/>
+          <p:cNvSpPr>
             <a:spLocks noGrp="1"/>
           </p:cNvSpPr>
           <p:nvPr>
-            <p:ph type="sldImg" idx="2"/>
+            <p:ph type="body" sz="quarter" idx="3"/>
           </p:nvPr>
         </p:nvSpPr>
         <p:spPr/>
-      </p:sp>
-      <p:sp>
-        <p:nvSpPr>
-          <p:cNvPr id="3" name="Notes Placeholder 2"/>
+        <p:txBody>
+          <a:bodyPr/>
+          <a:lstStyle/>
+          <a:p>
+            <a:r>
+              <a:t>• The wide swings between positive and negative Sharpe show this strategy requires patience and conviction</a:t>
+            </a:r>
+          </a:p>
+          <a:p>
+            <a:r>
+              <a:t>• You can see periods where the strategy works well (2018, 2022) and periods where it struggles (2020-2021)</a:t>
+            </a:r>
+          </a:p>
+          <a:p>
+            <a:r>
+              <a:t>• This volatility in performance is why we don't recommend this as a primary strategy — it's supplemental</a:t>
+            </a:r>
+          </a:p>
+        </p:txBody>
+      </p:sp>
+      <p:sp>
+        <p:nvSpPr>
+          <p:cNvPr id="4" name="Slide Number Placeholder 3"/>
           <p:cNvSpPr>
             <a:spLocks noGrp="1"/>
           </p:cNvSpPr>
           <p:nvPr>
-            <p:ph type="body" idx="3" sz="quarter"/>
-          </p:nvPr>
-        </p:nvSpPr>
-        <p:spPr/>
-        <p:txBody>
-          <a:bodyPr/>
-          <a:lstStyle/>
-          <a:p>
-            <a:r>
-              <a:t>• The wide swings between positive and negative Sharpe show this strategy requires patience and conviction</a:t>
-            </a:r>
-          </a:p>
-          <a:p>
-            <a:r>
-              <a:t>• You can see periods where the strategy works well (2018, 2022) and periods where it struggles (2020-2021)</a:t>
-            </a:r>
-          </a:p>
-          <a:p>
-            <a:r>
-              <a:t>• This volatility in performance is why we don't recommend this as a primary strategy — it's supplemental</a:t>
-            </a:r>
-          </a:p>
-        </p:txBody>
-      </p:sp>
-      <p:sp>
-        <p:nvSpPr>
-          <p:cNvPr id="4" name="Slide Number Placeholder 3"/>
-          <p:cNvSpPr>
-            <a:spLocks noGrp="1"/>
-          </p:cNvSpPr>
-          <p:nvPr>
-            <p:ph type="sldNum" idx="5" sz="quarter"/>
+            <p:ph type="sldNum" sz="quarter" idx="5"/>
           </p:nvPr>
         </p:nvSpPr>
         <p:spPr/>
@@ -959,7 +753,7 @@
 </file>
 
 <file path=ppt/notesSlides/notesSlide15.xml><?xml version="1.0" encoding="utf-8"?>
-<p:notes xmlns:a="http://schemas.openxmlformats.org/drawingml/2006/main" xmlns:p="http://schemas.openxmlformats.org/presentationml/2006/main" xmlns:r="http://schemas.openxmlformats.org/officeDocument/2006/relationships">
+<p:notes xmlns:a="http://schemas.openxmlformats.org/drawingml/2006/main" xmlns:r="http://schemas.openxmlformats.org/officeDocument/2006/relationships" xmlns:p="http://schemas.openxmlformats.org/presentationml/2006/main">
   <p:cSld>
     <p:spTree>
       <p:nvGrpSpPr>
@@ -979,53 +773,53 @@
         <p:nvSpPr>
           <p:cNvPr id="2" name="Slide Image Placeholder 1"/>
           <p:cNvSpPr>
+            <a:spLocks noGrp="1" noRot="1" noChangeAspect="1"/>
+          </p:cNvSpPr>
+          <p:nvPr>
+            <p:ph type="sldImg" idx="2"/>
+          </p:nvPr>
+        </p:nvSpPr>
+        <p:spPr/>
+      </p:sp>
+      <p:sp>
+        <p:nvSpPr>
+          <p:cNvPr id="3" name="Notes Placeholder 2"/>
+          <p:cNvSpPr>
             <a:spLocks noGrp="1"/>
           </p:cNvSpPr>
           <p:nvPr>
-            <p:ph type="sldImg" idx="2"/>
+            <p:ph type="body" sz="quarter" idx="3"/>
           </p:nvPr>
         </p:nvSpPr>
         <p:spPr/>
-      </p:sp>
-      <p:sp>
-        <p:nvSpPr>
-          <p:cNvPr id="3" name="Notes Placeholder 2"/>
+        <p:txBody>
+          <a:bodyPr/>
+          <a:lstStyle/>
+          <a:p>
+            <a:r>
+              <a:t>• Beta near zero across all pairs confirms the strategy is truly market-neutral — it won't move with SPY</a:t>
+            </a:r>
+          </a:p>
+          <a:p>
+            <a:r>
+              <a:t>• Negative correlation is actually desirable — it means this strategy can hedge equity exposure in a portfolio</a:t>
+            </a:r>
+          </a:p>
+          <a:p>
+            <a:r>
+              <a:t>• The -0.07 portfolio correlation means adding this to a 60/40 portfolio would reduce overall volatility</a:t>
+            </a:r>
+          </a:p>
+        </p:txBody>
+      </p:sp>
+      <p:sp>
+        <p:nvSpPr>
+          <p:cNvPr id="4" name="Slide Number Placeholder 3"/>
           <p:cNvSpPr>
             <a:spLocks noGrp="1"/>
           </p:cNvSpPr>
           <p:nvPr>
-            <p:ph type="body" idx="3" sz="quarter"/>
-          </p:nvPr>
-        </p:nvSpPr>
-        <p:spPr/>
-        <p:txBody>
-          <a:bodyPr/>
-          <a:lstStyle/>
-          <a:p>
-            <a:r>
-              <a:t>• Beta near zero across all pairs confirms the strategy is truly market-neutral — it won't move with SPY</a:t>
-            </a:r>
-          </a:p>
-          <a:p>
-            <a:r>
-              <a:t>• Negative correlation is actually desirable — it means this strategy can hedge equity exposure in a portfolio</a:t>
-            </a:r>
-          </a:p>
-          <a:p>
-            <a:r>
-              <a:t>• The -0.07 portfolio correlation means adding this to a 60/40 portfolio would reduce overall volatility</a:t>
-            </a:r>
-          </a:p>
-        </p:txBody>
-      </p:sp>
-      <p:sp>
-        <p:nvSpPr>
-          <p:cNvPr id="4" name="Slide Number Placeholder 3"/>
-          <p:cNvSpPr>
-            <a:spLocks noGrp="1"/>
-          </p:cNvSpPr>
-          <p:nvPr>
-            <p:ph type="sldNum" idx="5" sz="quarter"/>
+            <p:ph type="sldNum" sz="quarter" idx="5"/>
           </p:nvPr>
         </p:nvSpPr>
         <p:spPr/>
@@ -1039,7 +833,7 @@
 </file>
 
 <file path=ppt/notesSlides/notesSlide16.xml><?xml version="1.0" encoding="utf-8"?>
-<p:notes xmlns:a="http://schemas.openxmlformats.org/drawingml/2006/main" xmlns:p="http://schemas.openxmlformats.org/presentationml/2006/main" xmlns:r="http://schemas.openxmlformats.org/officeDocument/2006/relationships">
+<p:notes xmlns:a="http://schemas.openxmlformats.org/drawingml/2006/main" xmlns:r="http://schemas.openxmlformats.org/officeDocument/2006/relationships" xmlns:p="http://schemas.openxmlformats.org/presentationml/2006/main">
   <p:cSld>
     <p:spTree>
       <p:nvGrpSpPr>
@@ -1059,53 +853,53 @@
         <p:nvSpPr>
           <p:cNvPr id="2" name="Slide Image Placeholder 1"/>
           <p:cNvSpPr>
+            <a:spLocks noGrp="1" noRot="1" noChangeAspect="1"/>
+          </p:cNvSpPr>
+          <p:nvPr>
+            <p:ph type="sldImg" idx="2"/>
+          </p:nvPr>
+        </p:nvSpPr>
+        <p:spPr/>
+      </p:sp>
+      <p:sp>
+        <p:nvSpPr>
+          <p:cNvPr id="3" name="Notes Placeholder 2"/>
+          <p:cNvSpPr>
             <a:spLocks noGrp="1"/>
           </p:cNvSpPr>
           <p:nvPr>
-            <p:ph type="sldImg" idx="2"/>
+            <p:ph type="body" sz="quarter" idx="3"/>
           </p:nvPr>
         </p:nvSpPr>
         <p:spPr/>
-      </p:sp>
-      <p:sp>
-        <p:nvSpPr>
-          <p:cNvPr id="3" name="Notes Placeholder 2"/>
+        <p:txBody>
+          <a:bodyPr/>
+          <a:lstStyle/>
+          <a:p>
+            <a:r>
+              <a:t>• We looked for monthly patterns like 'sell in May' but found no consistent seasonality in our returns</a:t>
+            </a:r>
+          </a:p>
+          <a:p>
+            <a:r>
+              <a:t>• The lack of seasonality is actually good — it means returns aren't driven by calendar effects that could disappear</a:t>
+            </a:r>
+          </a:p>
+          <a:p>
+            <a:r>
+              <a:t>• You can see the red cluster in early 2020 — that's the COVID crash where mean-reversion completely failed</a:t>
+            </a:r>
+          </a:p>
+        </p:txBody>
+      </p:sp>
+      <p:sp>
+        <p:nvSpPr>
+          <p:cNvPr id="4" name="Slide Number Placeholder 3"/>
           <p:cNvSpPr>
             <a:spLocks noGrp="1"/>
           </p:cNvSpPr>
           <p:nvPr>
-            <p:ph type="body" idx="3" sz="quarter"/>
-          </p:nvPr>
-        </p:nvSpPr>
-        <p:spPr/>
-        <p:txBody>
-          <a:bodyPr/>
-          <a:lstStyle/>
-          <a:p>
-            <a:r>
-              <a:t>• We looked for monthly patterns like 'sell in May' but found no consistent seasonality in our returns</a:t>
-            </a:r>
-          </a:p>
-          <a:p>
-            <a:r>
-              <a:t>• The lack of seasonality is actually good — it means returns aren't driven by calendar effects that could disappear</a:t>
-            </a:r>
-          </a:p>
-          <a:p>
-            <a:r>
-              <a:t>• You can see the red cluster in early 2020 — that's the COVID crash where mean-reversion completely failed</a:t>
-            </a:r>
-          </a:p>
-        </p:txBody>
-      </p:sp>
-      <p:sp>
-        <p:nvSpPr>
-          <p:cNvPr id="4" name="Slide Number Placeholder 3"/>
-          <p:cNvSpPr>
-            <a:spLocks noGrp="1"/>
-          </p:cNvSpPr>
-          <p:nvPr>
-            <p:ph type="sldNum" idx="5" sz="quarter"/>
+            <p:ph type="sldNum" sz="quarter" idx="5"/>
           </p:nvPr>
         </p:nvSpPr>
         <p:spPr/>
@@ -1119,7 +913,7 @@
 </file>
 
 <file path=ppt/notesSlides/notesSlide17.xml><?xml version="1.0" encoding="utf-8"?>
-<p:notes xmlns:a="http://schemas.openxmlformats.org/drawingml/2006/main" xmlns:p="http://schemas.openxmlformats.org/presentationml/2006/main" xmlns:r="http://schemas.openxmlformats.org/officeDocument/2006/relationships">
+<p:notes xmlns:a="http://schemas.openxmlformats.org/drawingml/2006/main" xmlns:r="http://schemas.openxmlformats.org/officeDocument/2006/relationships" xmlns:p="http://schemas.openxmlformats.org/presentationml/2006/main">
   <p:cSld>
     <p:spTree>
       <p:nvGrpSpPr>
@@ -1139,53 +933,53 @@
         <p:nvSpPr>
           <p:cNvPr id="2" name="Slide Image Placeholder 1"/>
           <p:cNvSpPr>
+            <a:spLocks noGrp="1" noRot="1" noChangeAspect="1"/>
+          </p:cNvSpPr>
+          <p:nvPr>
+            <p:ph type="sldImg" idx="2"/>
+          </p:nvPr>
+        </p:nvSpPr>
+        <p:spPr/>
+      </p:sp>
+      <p:sp>
+        <p:nvSpPr>
+          <p:cNvPr id="3" name="Notes Placeholder 2"/>
+          <p:cNvSpPr>
             <a:spLocks noGrp="1"/>
           </p:cNvSpPr>
           <p:nvPr>
-            <p:ph type="sldImg" idx="2"/>
+            <p:ph type="body" sz="quarter" idx="3"/>
           </p:nvPr>
         </p:nvSpPr>
         <p:spPr/>
-      </p:sp>
-      <p:sp>
-        <p:nvSpPr>
-          <p:cNvPr id="3" name="Notes Placeholder 2"/>
+        <p:txBody>
+          <a:bodyPr/>
+          <a:lstStyle/>
+          <a:p>
+            <a:r>
+              <a:t>• This is the key insight: we outperform when SPY is negative (2018, 2022) and underperform in bull markets</a:t>
+            </a:r>
+          </a:p>
+          <a:p>
+            <a:r>
+              <a:t>• 2020 was our worst year because COVID caused correlations to spike to 1 — everything fell together</a:t>
+            </a:r>
+          </a:p>
+          <a:p>
+            <a:r>
+              <a:t>• If you already own SPY, adding this strategy provides insurance in down years at the cost of bull market returns</a:t>
+            </a:r>
+          </a:p>
+        </p:txBody>
+      </p:sp>
+      <p:sp>
+        <p:nvSpPr>
+          <p:cNvPr id="4" name="Slide Number Placeholder 3"/>
           <p:cNvSpPr>
             <a:spLocks noGrp="1"/>
           </p:cNvSpPr>
           <p:nvPr>
-            <p:ph type="body" idx="3" sz="quarter"/>
-          </p:nvPr>
-        </p:nvSpPr>
-        <p:spPr/>
-        <p:txBody>
-          <a:bodyPr/>
-          <a:lstStyle/>
-          <a:p>
-            <a:r>
-              <a:t>• This is the key insight: we outperform when SPY is negative (2018, 2022) and underperform in bull markets</a:t>
-            </a:r>
-          </a:p>
-          <a:p>
-            <a:r>
-              <a:t>• 2020 was our worst year because COVID caused correlations to spike to 1 — everything fell together</a:t>
-            </a:r>
-          </a:p>
-          <a:p>
-            <a:r>
-              <a:t>• If you already own SPY, adding this strategy provides insurance in down years at the cost of bull market returns</a:t>
-            </a:r>
-          </a:p>
-        </p:txBody>
-      </p:sp>
-      <p:sp>
-        <p:nvSpPr>
-          <p:cNvPr id="4" name="Slide Number Placeholder 3"/>
-          <p:cNvSpPr>
-            <a:spLocks noGrp="1"/>
-          </p:cNvSpPr>
-          <p:nvPr>
-            <p:ph type="sldNum" idx="5" sz="quarter"/>
+            <p:ph type="sldNum" sz="quarter" idx="5"/>
           </p:nvPr>
         </p:nvSpPr>
         <p:spPr/>
@@ -1199,7 +993,7 @@
 </file>
 
 <file path=ppt/notesSlides/notesSlide18.xml><?xml version="1.0" encoding="utf-8"?>
-<p:notes xmlns:a="http://schemas.openxmlformats.org/drawingml/2006/main" xmlns:p="http://schemas.openxmlformats.org/presentationml/2006/main" xmlns:r="http://schemas.openxmlformats.org/officeDocument/2006/relationships">
+<p:notes xmlns:a="http://schemas.openxmlformats.org/drawingml/2006/main" xmlns:r="http://schemas.openxmlformats.org/officeDocument/2006/relationships" xmlns:p="http://schemas.openxmlformats.org/presentationml/2006/main">
   <p:cSld>
     <p:spTree>
       <p:nvGrpSpPr>
@@ -1219,53 +1013,53 @@
         <p:nvSpPr>
           <p:cNvPr id="2" name="Slide Image Placeholder 1"/>
           <p:cNvSpPr>
+            <a:spLocks noGrp="1" noRot="1" noChangeAspect="1"/>
+          </p:cNvSpPr>
+          <p:nvPr>
+            <p:ph type="sldImg" idx="2"/>
+          </p:nvPr>
+        </p:nvSpPr>
+        <p:spPr/>
+      </p:sp>
+      <p:sp>
+        <p:nvSpPr>
+          <p:cNvPr id="3" name="Notes Placeholder 2"/>
+          <p:cNvSpPr>
             <a:spLocks noGrp="1"/>
           </p:cNvSpPr>
           <p:nvPr>
-            <p:ph type="sldImg" idx="2"/>
+            <p:ph type="body" sz="quarter" idx="3"/>
           </p:nvPr>
         </p:nvSpPr>
         <p:spPr/>
-      </p:sp>
-      <p:sp>
-        <p:nvSpPr>
-          <p:cNvPr id="3" name="Notes Placeholder 2"/>
+        <p:txBody>
+          <a:bodyPr/>
+          <a:lstStyle/>
+          <a:p>
+            <a:r>
+              <a:t>• Each pair trades independently — semiconductors don't predict energy, tech doesn't predict staples</a:t>
+            </a:r>
+          </a:p>
+          <a:p>
+            <a:r>
+              <a:t>• This low cross-correlation is powerful: combining all 4 pairs reduces volatility without reducing expected return</a:t>
+            </a:r>
+          </a:p>
+          <a:p>
+            <a:r>
+              <a:t>• In portfolio theory terms, we get diversification benefit from running multiple uncorrelated sub-strategies</a:t>
+            </a:r>
+          </a:p>
+        </p:txBody>
+      </p:sp>
+      <p:sp>
+        <p:nvSpPr>
+          <p:cNvPr id="4" name="Slide Number Placeholder 3"/>
           <p:cNvSpPr>
             <a:spLocks noGrp="1"/>
           </p:cNvSpPr>
           <p:nvPr>
-            <p:ph type="body" idx="3" sz="quarter"/>
-          </p:nvPr>
-        </p:nvSpPr>
-        <p:spPr/>
-        <p:txBody>
-          <a:bodyPr/>
-          <a:lstStyle/>
-          <a:p>
-            <a:r>
-              <a:t>• Each pair trades independently — semiconductors don't predict energy, tech doesn't predict staples</a:t>
-            </a:r>
-          </a:p>
-          <a:p>
-            <a:r>
-              <a:t>• This low cross-correlation is powerful: combining all 4 pairs reduces volatility without reducing expected return</a:t>
-            </a:r>
-          </a:p>
-          <a:p>
-            <a:r>
-              <a:t>• In portfolio theory terms, we get diversification benefit from running multiple uncorrelated sub-strategies</a:t>
-            </a:r>
-          </a:p>
-        </p:txBody>
-      </p:sp>
-      <p:sp>
-        <p:nvSpPr>
-          <p:cNvPr id="4" name="Slide Number Placeholder 3"/>
-          <p:cNvSpPr>
-            <a:spLocks noGrp="1"/>
-          </p:cNvSpPr>
-          <p:nvPr>
-            <p:ph type="sldNum" idx="5" sz="quarter"/>
+            <p:ph type="sldNum" sz="quarter" idx="5"/>
           </p:nvPr>
         </p:nvSpPr>
         <p:spPr/>
@@ -1279,7 +1073,7 @@
 </file>
 
 <file path=ppt/notesSlides/notesSlide19.xml><?xml version="1.0" encoding="utf-8"?>
-<p:notes xmlns:a="http://schemas.openxmlformats.org/drawingml/2006/main" xmlns:p="http://schemas.openxmlformats.org/presentationml/2006/main" xmlns:r="http://schemas.openxmlformats.org/officeDocument/2006/relationships">
+<p:notes xmlns:a="http://schemas.openxmlformats.org/drawingml/2006/main" xmlns:r="http://schemas.openxmlformats.org/officeDocument/2006/relationships" xmlns:p="http://schemas.openxmlformats.org/presentationml/2006/main">
   <p:cSld>
     <p:spTree>
       <p:nvGrpSpPr>
@@ -1299,53 +1093,53 @@
         <p:nvSpPr>
           <p:cNvPr id="2" name="Slide Image Placeholder 1"/>
           <p:cNvSpPr>
+            <a:spLocks noGrp="1" noRot="1" noChangeAspect="1"/>
+          </p:cNvSpPr>
+          <p:nvPr>
+            <p:ph type="sldImg" idx="2"/>
+          </p:nvPr>
+        </p:nvSpPr>
+        <p:spPr/>
+      </p:sp>
+      <p:sp>
+        <p:nvSpPr>
+          <p:cNvPr id="3" name="Notes Placeholder 2"/>
+          <p:cNvSpPr>
             <a:spLocks noGrp="1"/>
           </p:cNvSpPr>
           <p:nvPr>
-            <p:ph type="sldImg" idx="2"/>
+            <p:ph type="body" sz="quarter" idx="3"/>
           </p:nvPr>
         </p:nvSpPr>
         <p:spPr/>
-      </p:sp>
-      <p:sp>
-        <p:nvSpPr>
-          <p:cNvPr id="3" name="Notes Placeholder 2"/>
+        <p:txBody>
+          <a:bodyPr/>
+          <a:lstStyle/>
+          <a:p>
+            <a:r>
+              <a:t>• 50% max drawdown means you need strong conviction — most investors would abandon the strategy mid-drawdown</a:t>
+            </a:r>
+          </a:p>
+          <a:p>
+            <a:r>
+              <a:t>• VaR and CVaR tell us on a bad day (5% worst days), we lose 1-3% which is manageable with proper sizing</a:t>
+            </a:r>
+          </a:p>
+          <a:p>
+            <a:r>
+              <a:t>• Win rate near 50% means profits come from winners being bigger than losers, not from winning more often</a:t>
+            </a:r>
+          </a:p>
+        </p:txBody>
+      </p:sp>
+      <p:sp>
+        <p:nvSpPr>
+          <p:cNvPr id="4" name="Slide Number Placeholder 3"/>
           <p:cNvSpPr>
             <a:spLocks noGrp="1"/>
           </p:cNvSpPr>
           <p:nvPr>
-            <p:ph type="body" idx="3" sz="quarter"/>
-          </p:nvPr>
-        </p:nvSpPr>
-        <p:spPr/>
-        <p:txBody>
-          <a:bodyPr/>
-          <a:lstStyle/>
-          <a:p>
-            <a:r>
-              <a:t>• 50% max drawdown means you need strong conviction — most investors would abandon the strategy mid-drawdown</a:t>
-            </a:r>
-          </a:p>
-          <a:p>
-            <a:r>
-              <a:t>• VaR and CVaR tell us on a bad day (5% worst days), we lose 1-3% which is manageable with proper sizing</a:t>
-            </a:r>
-          </a:p>
-          <a:p>
-            <a:r>
-              <a:t>• Win rate near 50% means profits come from winners being bigger than losers, not from winning more often</a:t>
-            </a:r>
-          </a:p>
-        </p:txBody>
-      </p:sp>
-      <p:sp>
-        <p:nvSpPr>
-          <p:cNvPr id="4" name="Slide Number Placeholder 3"/>
-          <p:cNvSpPr>
-            <a:spLocks noGrp="1"/>
-          </p:cNvSpPr>
-          <p:nvPr>
-            <p:ph type="sldNum" idx="5" sz="quarter"/>
+            <p:ph type="sldNum" sz="quarter" idx="5"/>
           </p:nvPr>
         </p:nvSpPr>
         <p:spPr/>
@@ -1359,7 +1153,7 @@
 </file>
 
 <file path=ppt/notesSlides/notesSlide2.xml><?xml version="1.0" encoding="utf-8"?>
-<p:notes xmlns:a="http://schemas.openxmlformats.org/drawingml/2006/main" xmlns:p="http://schemas.openxmlformats.org/presentationml/2006/main" xmlns:r="http://schemas.openxmlformats.org/officeDocument/2006/relationships">
+<p:notes xmlns:a="http://schemas.openxmlformats.org/drawingml/2006/main" xmlns:r="http://schemas.openxmlformats.org/officeDocument/2006/relationships" xmlns:p="http://schemas.openxmlformats.org/presentationml/2006/main">
   <p:cSld>
     <p:spTree>
       <p:nvGrpSpPr>
@@ -1379,53 +1173,53 @@
         <p:nvSpPr>
           <p:cNvPr id="2" name="Slide Image Placeholder 1"/>
           <p:cNvSpPr>
+            <a:spLocks noGrp="1" noRot="1" noChangeAspect="1"/>
+          </p:cNvSpPr>
+          <p:nvPr>
+            <p:ph type="sldImg" idx="2"/>
+          </p:nvPr>
+        </p:nvSpPr>
+        <p:spPr/>
+      </p:sp>
+      <p:sp>
+        <p:nvSpPr>
+          <p:cNvPr id="3" name="Notes Placeholder 2"/>
+          <p:cNvSpPr>
             <a:spLocks noGrp="1"/>
           </p:cNvSpPr>
           <p:nvPr>
-            <p:ph type="sldImg" idx="2"/>
+            <p:ph type="body" sz="quarter" idx="3"/>
           </p:nvPr>
         </p:nvSpPr>
         <p:spPr/>
-      </p:sp>
-      <p:sp>
-        <p:nvSpPr>
-          <p:cNvPr id="3" name="Notes Placeholder 2"/>
+        <p:txBody>
+          <a:bodyPr/>
+          <a:lstStyle/>
+          <a:p>
+            <a:r>
+              <a:t>• We're being upfront: this strategy doesn't generate consistent alpha, but that's actually an important finding</a:t>
+            </a:r>
+          </a:p>
+          <a:p>
+            <a:r>
+              <a:t>• The real value is in the process — building a rigorous backtesting framework with proper bias controls</a:t>
+            </a:r>
+          </a:p>
+          <a:p>
+            <a:r>
+              <a:t>• Market neutrality is valuable even without alpha — it provides diversification benefits in a portfolio</a:t>
+            </a:r>
+          </a:p>
+        </p:txBody>
+      </p:sp>
+      <p:sp>
+        <p:nvSpPr>
+          <p:cNvPr id="4" name="Slide Number Placeholder 3"/>
           <p:cNvSpPr>
             <a:spLocks noGrp="1"/>
           </p:cNvSpPr>
           <p:nvPr>
-            <p:ph type="body" idx="3" sz="quarter"/>
-          </p:nvPr>
-        </p:nvSpPr>
-        <p:spPr/>
-        <p:txBody>
-          <a:bodyPr/>
-          <a:lstStyle/>
-          <a:p>
-            <a:r>
-              <a:t>• We're being upfront: this strategy doesn't generate consistent alpha, but that's actually an important finding</a:t>
-            </a:r>
-          </a:p>
-          <a:p>
-            <a:r>
-              <a:t>• The real value is in the process — building a rigorous backtesting framework with proper bias controls</a:t>
-            </a:r>
-          </a:p>
-          <a:p>
-            <a:r>
-              <a:t>• Market neutrality is valuable even without alpha — it provides diversification benefits in a portfolio</a:t>
-            </a:r>
-          </a:p>
-        </p:txBody>
-      </p:sp>
-      <p:sp>
-        <p:nvSpPr>
-          <p:cNvPr id="4" name="Slide Number Placeholder 3"/>
-          <p:cNvSpPr>
-            <a:spLocks noGrp="1"/>
-          </p:cNvSpPr>
-          <p:nvPr>
-            <p:ph type="sldNum" idx="5" sz="quarter"/>
+            <p:ph type="sldNum" sz="quarter" idx="5"/>
           </p:nvPr>
         </p:nvSpPr>
         <p:spPr/>
@@ -1439,7 +1233,7 @@
 </file>
 
 <file path=ppt/notesSlides/notesSlide20.xml><?xml version="1.0" encoding="utf-8"?>
-<p:notes xmlns:a="http://schemas.openxmlformats.org/drawingml/2006/main" xmlns:p="http://schemas.openxmlformats.org/presentationml/2006/main" xmlns:r="http://schemas.openxmlformats.org/officeDocument/2006/relationships">
+<p:notes xmlns:a="http://schemas.openxmlformats.org/drawingml/2006/main" xmlns:r="http://schemas.openxmlformats.org/officeDocument/2006/relationships" xmlns:p="http://schemas.openxmlformats.org/presentationml/2006/main">
   <p:cSld>
     <p:spTree>
       <p:nvGrpSpPr>
@@ -1459,53 +1253,53 @@
         <p:nvSpPr>
           <p:cNvPr id="2" name="Slide Image Placeholder 1"/>
           <p:cNvSpPr>
+            <a:spLocks noGrp="1" noRot="1" noChangeAspect="1"/>
+          </p:cNvSpPr>
+          <p:nvPr>
+            <p:ph type="sldImg" idx="2"/>
+          </p:nvPr>
+        </p:nvSpPr>
+        <p:spPr/>
+      </p:sp>
+      <p:sp>
+        <p:nvSpPr>
+          <p:cNvPr id="3" name="Notes Placeholder 2"/>
+          <p:cNvSpPr>
             <a:spLocks noGrp="1"/>
           </p:cNvSpPr>
           <p:nvPr>
-            <p:ph type="sldImg" idx="2"/>
+            <p:ph type="body" sz="quarter" idx="3"/>
           </p:nvPr>
         </p:nvSpPr>
         <p:spPr/>
-      </p:sp>
-      <p:sp>
-        <p:nvSpPr>
-          <p:cNvPr id="3" name="Notes Placeholder 2"/>
+        <p:txBody>
+          <a:bodyPr/>
+          <a:lstStyle/>
+          <a:p>
+            <a:r>
+              <a:t>• Our initial backtest showed 2+ Sharpe ratio — after fixing biases, we got near-zero. That's a humbling lesson.</a:t>
+            </a:r>
+          </a:p>
+          <a:p>
+            <a:r>
+              <a:t>• Look-ahead bias is the #1 killer of academic trading strategies — we used next-day signals accidentally</a:t>
+            </a:r>
+          </a:p>
+          <a:p>
+            <a:r>
+              <a:t>• The fact that we found and fixed these issues is actually the most valuable part of this project</a:t>
+            </a:r>
+          </a:p>
+        </p:txBody>
+      </p:sp>
+      <p:sp>
+        <p:nvSpPr>
+          <p:cNvPr id="4" name="Slide Number Placeholder 3"/>
           <p:cNvSpPr>
             <a:spLocks noGrp="1"/>
           </p:cNvSpPr>
           <p:nvPr>
-            <p:ph type="body" idx="3" sz="quarter"/>
-          </p:nvPr>
-        </p:nvSpPr>
-        <p:spPr/>
-        <p:txBody>
-          <a:bodyPr/>
-          <a:lstStyle/>
-          <a:p>
-            <a:r>
-              <a:t>• Our initial backtest showed 2+ Sharpe ratio — after fixing biases, we got near-zero. That's a humbling lesson.</a:t>
-            </a:r>
-          </a:p>
-          <a:p>
-            <a:r>
-              <a:t>• Look-ahead bias is the #1 killer of academic trading strategies — we used next-day signals accidentally</a:t>
-            </a:r>
-          </a:p>
-          <a:p>
-            <a:r>
-              <a:t>• The fact that we found and fixed these issues is actually the most valuable part of this project</a:t>
-            </a:r>
-          </a:p>
-        </p:txBody>
-      </p:sp>
-      <p:sp>
-        <p:nvSpPr>
-          <p:cNvPr id="4" name="Slide Number Placeholder 3"/>
-          <p:cNvSpPr>
-            <a:spLocks noGrp="1"/>
-          </p:cNvSpPr>
-          <p:nvPr>
-            <p:ph type="sldNum" idx="5" sz="quarter"/>
+            <p:ph type="sldNum" sz="quarter" idx="5"/>
           </p:nvPr>
         </p:nvSpPr>
         <p:spPr/>
@@ -1519,7 +1313,7 @@
 </file>
 
 <file path=ppt/notesSlides/notesSlide21.xml><?xml version="1.0" encoding="utf-8"?>
-<p:notes xmlns:a="http://schemas.openxmlformats.org/drawingml/2006/main" xmlns:p="http://schemas.openxmlformats.org/presentationml/2006/main" xmlns:r="http://schemas.openxmlformats.org/officeDocument/2006/relationships">
+<p:notes xmlns:a="http://schemas.openxmlformats.org/drawingml/2006/main" xmlns:r="http://schemas.openxmlformats.org/officeDocument/2006/relationships" xmlns:p="http://schemas.openxmlformats.org/presentationml/2006/main">
   <p:cSld>
     <p:spTree>
       <p:nvGrpSpPr>
@@ -1539,53 +1333,53 @@
         <p:nvSpPr>
           <p:cNvPr id="2" name="Slide Image Placeholder 1"/>
           <p:cNvSpPr>
+            <a:spLocks noGrp="1" noRot="1" noChangeAspect="1"/>
+          </p:cNvSpPr>
+          <p:nvPr>
+            <p:ph type="sldImg" idx="2"/>
+          </p:nvPr>
+        </p:nvSpPr>
+        <p:spPr/>
+      </p:sp>
+      <p:sp>
+        <p:nvSpPr>
+          <p:cNvPr id="3" name="Notes Placeholder 2"/>
+          <p:cNvSpPr>
             <a:spLocks noGrp="1"/>
           </p:cNvSpPr>
           <p:nvPr>
-            <p:ph type="sldImg" idx="2"/>
+            <p:ph type="body" sz="quarter" idx="3"/>
           </p:nvPr>
         </p:nvSpPr>
         <p:spPr/>
-      </p:sp>
-      <p:sp>
-        <p:nvSpPr>
-          <p:cNvPr id="3" name="Notes Placeholder 2"/>
+        <p:txBody>
+          <a:bodyPr/>
+          <a:lstStyle/>
+          <a:p>
+            <a:r>
+              <a:t>• We're not claiming this is an alpha machine — we're being honest about what it is: a diversification tool</a:t>
+            </a:r>
+          </a:p>
+          <a:p>
+            <a:r>
+              <a:t>• The 5-10% allocation recommendation comes from balancing hedge benefit against opportunity cost in bull markets</a:t>
+            </a:r>
+          </a:p>
+          <a:p>
+            <a:r>
+              <a:t>• For a family office or pension fund, this type of uncorrelated strategy has real value even at low Sharpe</a:t>
+            </a:r>
+          </a:p>
+        </p:txBody>
+      </p:sp>
+      <p:sp>
+        <p:nvSpPr>
+          <p:cNvPr id="4" name="Slide Number Placeholder 3"/>
           <p:cNvSpPr>
             <a:spLocks noGrp="1"/>
           </p:cNvSpPr>
           <p:nvPr>
-            <p:ph type="body" idx="3" sz="quarter"/>
-          </p:nvPr>
-        </p:nvSpPr>
-        <p:spPr/>
-        <p:txBody>
-          <a:bodyPr/>
-          <a:lstStyle/>
-          <a:p>
-            <a:r>
-              <a:t>• We're not claiming this is an alpha machine — we're being honest about what it is: a diversification tool</a:t>
-            </a:r>
-          </a:p>
-          <a:p>
-            <a:r>
-              <a:t>• The 5-10% allocation recommendation comes from balancing hedge benefit against opportunity cost in bull markets</a:t>
-            </a:r>
-          </a:p>
-          <a:p>
-            <a:r>
-              <a:t>• For a family office or pension fund, this type of uncorrelated strategy has real value even at low Sharpe</a:t>
-            </a:r>
-          </a:p>
-        </p:txBody>
-      </p:sp>
-      <p:sp>
-        <p:nvSpPr>
-          <p:cNvPr id="4" name="Slide Number Placeholder 3"/>
-          <p:cNvSpPr>
-            <a:spLocks noGrp="1"/>
-          </p:cNvSpPr>
-          <p:nvPr>
-            <p:ph type="sldNum" idx="5" sz="quarter"/>
+            <p:ph type="sldNum" sz="quarter" idx="5"/>
           </p:nvPr>
         </p:nvSpPr>
         <p:spPr/>
@@ -1599,7 +1393,7 @@
 </file>
 
 <file path=ppt/notesSlides/notesSlide22.xml><?xml version="1.0" encoding="utf-8"?>
-<p:notes xmlns:a="http://schemas.openxmlformats.org/drawingml/2006/main" xmlns:p="http://schemas.openxmlformats.org/presentationml/2006/main" xmlns:r="http://schemas.openxmlformats.org/officeDocument/2006/relationships">
+<p:notes xmlns:a="http://schemas.openxmlformats.org/drawingml/2006/main" xmlns:r="http://schemas.openxmlformats.org/officeDocument/2006/relationships" xmlns:p="http://schemas.openxmlformats.org/presentationml/2006/main">
   <p:cSld>
     <p:spTree>
       <p:nvGrpSpPr>
@@ -1619,53 +1413,53 @@
         <p:nvSpPr>
           <p:cNvPr id="2" name="Slide Image Placeholder 1"/>
           <p:cNvSpPr>
+            <a:spLocks noGrp="1" noRot="1" noChangeAspect="1"/>
+          </p:cNvSpPr>
+          <p:nvPr>
+            <p:ph type="sldImg" idx="2"/>
+          </p:nvPr>
+        </p:nvSpPr>
+        <p:spPr/>
+      </p:sp>
+      <p:sp>
+        <p:nvSpPr>
+          <p:cNvPr id="3" name="Notes Placeholder 2"/>
+          <p:cNvSpPr>
             <a:spLocks noGrp="1"/>
           </p:cNvSpPr>
           <p:nvPr>
-            <p:ph type="sldImg" idx="2"/>
+            <p:ph type="body" sz="quarter" idx="3"/>
           </p:nvPr>
         </p:nvSpPr>
         <p:spPr/>
-      </p:sp>
-      <p:sp>
-        <p:nvSpPr>
-          <p:cNvPr id="3" name="Notes Placeholder 2"/>
+        <p:txBody>
+          <a:bodyPr/>
+          <a:lstStyle/>
+          <a:p>
+            <a:r>
+              <a:t>• Thank you for your attention — all code is available on GitHub for you to reproduce our results</a:t>
+            </a:r>
+          </a:p>
+          <a:p>
+            <a:r>
+              <a:t>• We welcome questions about methodology, the ML approach, or how this could fit in a real portfolio</a:t>
+            </a:r>
+          </a:p>
+          <a:p>
+            <a:r>
+              <a:t>• This project taught us more about proper backtesting than any textbook — happy to discuss the technical details</a:t>
+            </a:r>
+          </a:p>
+        </p:txBody>
+      </p:sp>
+      <p:sp>
+        <p:nvSpPr>
+          <p:cNvPr id="4" name="Slide Number Placeholder 3"/>
           <p:cNvSpPr>
             <a:spLocks noGrp="1"/>
           </p:cNvSpPr>
           <p:nvPr>
-            <p:ph type="body" idx="3" sz="quarter"/>
-          </p:nvPr>
-        </p:nvSpPr>
-        <p:spPr/>
-        <p:txBody>
-          <a:bodyPr/>
-          <a:lstStyle/>
-          <a:p>
-            <a:r>
-              <a:t>• Thank you for your attention — all code is available on GitHub for you to reproduce our results</a:t>
-            </a:r>
-          </a:p>
-          <a:p>
-            <a:r>
-              <a:t>• We welcome questions about methodology, the ML approach, or how this could fit in a real portfolio</a:t>
-            </a:r>
-          </a:p>
-          <a:p>
-            <a:r>
-              <a:t>• This project taught us more about proper backtesting than any textbook — happy to discuss the technical details</a:t>
-            </a:r>
-          </a:p>
-        </p:txBody>
-      </p:sp>
-      <p:sp>
-        <p:nvSpPr>
-          <p:cNvPr id="4" name="Slide Number Placeholder 3"/>
-          <p:cNvSpPr>
-            <a:spLocks noGrp="1"/>
-          </p:cNvSpPr>
-          <p:nvPr>
-            <p:ph type="sldNum" idx="5" sz="quarter"/>
+            <p:ph type="sldNum" sz="quarter" idx="5"/>
           </p:nvPr>
         </p:nvSpPr>
         <p:spPr/>
@@ -1679,7 +1473,7 @@
 </file>
 
 <file path=ppt/notesSlides/notesSlide3.xml><?xml version="1.0" encoding="utf-8"?>
-<p:notes xmlns:a="http://schemas.openxmlformats.org/drawingml/2006/main" xmlns:p="http://schemas.openxmlformats.org/presentationml/2006/main" xmlns:r="http://schemas.openxmlformats.org/officeDocument/2006/relationships">
+<p:notes xmlns:a="http://schemas.openxmlformats.org/drawingml/2006/main" xmlns:r="http://schemas.openxmlformats.org/officeDocument/2006/relationships" xmlns:p="http://schemas.openxmlformats.org/presentationml/2006/main">
   <p:cSld>
     <p:spTree>
       <p:nvGrpSpPr>
@@ -1699,53 +1493,53 @@
         <p:nvSpPr>
           <p:cNvPr id="2" name="Slide Image Placeholder 1"/>
           <p:cNvSpPr>
+            <a:spLocks noGrp="1" noRot="1" noChangeAspect="1"/>
+          </p:cNvSpPr>
+          <p:nvPr>
+            <p:ph type="sldImg" idx="2"/>
+          </p:nvPr>
+        </p:nvSpPr>
+        <p:spPr/>
+      </p:sp>
+      <p:sp>
+        <p:nvSpPr>
+          <p:cNvPr id="3" name="Notes Placeholder 2"/>
+          <p:cNvSpPr>
             <a:spLocks noGrp="1"/>
           </p:cNvSpPr>
           <p:nvPr>
-            <p:ph type="sldImg" idx="2"/>
+            <p:ph type="body" sz="quarter" idx="3"/>
           </p:nvPr>
         </p:nvSpPr>
         <p:spPr/>
-      </p:sp>
-      <p:sp>
-        <p:nvSpPr>
-          <p:cNvPr id="3" name="Notes Placeholder 2"/>
+        <p:txBody>
+          <a:bodyPr/>
+          <a:lstStyle/>
+          <a:p>
+            <a:r>
+              <a:t>• Think of ASML and NVIDIA — both are in semiconductors, but ASML makes the machines that make the chips</a:t>
+            </a:r>
+          </a:p>
+          <a:p>
+            <a:r>
+              <a:t>• When fear hits the sector, they often move together, but sometimes one overreacts relative to the other</a:t>
+            </a:r>
+          </a:p>
+          <a:p>
+            <a:r>
+              <a:t>• The key insight is that we're not betting on direction — we're betting on the relationship normalizing</a:t>
+            </a:r>
+          </a:p>
+        </p:txBody>
+      </p:sp>
+      <p:sp>
+        <p:nvSpPr>
+          <p:cNvPr id="4" name="Slide Number Placeholder 3"/>
           <p:cNvSpPr>
             <a:spLocks noGrp="1"/>
           </p:cNvSpPr>
           <p:nvPr>
-            <p:ph type="body" idx="3" sz="quarter"/>
-          </p:nvPr>
-        </p:nvSpPr>
-        <p:spPr/>
-        <p:txBody>
-          <a:bodyPr/>
-          <a:lstStyle/>
-          <a:p>
-            <a:r>
-              <a:t>• Think of ASML and NVIDIA — both are in semiconductors, but ASML makes the machines that make the chips</a:t>
-            </a:r>
-          </a:p>
-          <a:p>
-            <a:r>
-              <a:t>• When fear hits the sector, they often move together, but sometimes one overreacts relative to the other</a:t>
-            </a:r>
-          </a:p>
-          <a:p>
-            <a:r>
-              <a:t>• The key insight is that we're not betting on direction — we're betting on the relationship normalizing</a:t>
-            </a:r>
-          </a:p>
-        </p:txBody>
-      </p:sp>
-      <p:sp>
-        <p:nvSpPr>
-          <p:cNvPr id="4" name="Slide Number Placeholder 3"/>
-          <p:cNvSpPr>
-            <a:spLocks noGrp="1"/>
-          </p:cNvSpPr>
-          <p:nvPr>
-            <p:ph type="sldNum" idx="5" sz="quarter"/>
+            <p:ph type="sldNum" sz="quarter" idx="5"/>
           </p:nvPr>
         </p:nvSpPr>
         <p:spPr/>
@@ -1759,7 +1553,7 @@
 </file>
 
 <file path=ppt/notesSlides/notesSlide4.xml><?xml version="1.0" encoding="utf-8"?>
-<p:notes xmlns:a="http://schemas.openxmlformats.org/drawingml/2006/main" xmlns:p="http://schemas.openxmlformats.org/presentationml/2006/main" xmlns:r="http://schemas.openxmlformats.org/officeDocument/2006/relationships">
+<p:notes xmlns:a="http://schemas.openxmlformats.org/drawingml/2006/main" xmlns:r="http://schemas.openxmlformats.org/officeDocument/2006/relationships" xmlns:p="http://schemas.openxmlformats.org/presentationml/2006/main">
   <p:cSld>
     <p:spTree>
       <p:nvGrpSpPr>
@@ -1779,53 +1573,53 @@
         <p:nvSpPr>
           <p:cNvPr id="2" name="Slide Image Placeholder 1"/>
           <p:cNvSpPr>
+            <a:spLocks noGrp="1" noRot="1" noChangeAspect="1"/>
+          </p:cNvSpPr>
+          <p:nvPr>
+            <p:ph type="sldImg" idx="2"/>
+          </p:nvPr>
+        </p:nvSpPr>
+        <p:spPr/>
+      </p:sp>
+      <p:sp>
+        <p:nvSpPr>
+          <p:cNvPr id="3" name="Notes Placeholder 2"/>
+          <p:cNvSpPr>
             <a:spLocks noGrp="1"/>
           </p:cNvSpPr>
           <p:nvPr>
-            <p:ph type="sldImg" idx="2"/>
+            <p:ph type="body" sz="quarter" idx="3"/>
           </p:nvPr>
         </p:nvSpPr>
         <p:spPr/>
-      </p:sp>
-      <p:sp>
-        <p:nvSpPr>
-          <p:cNvPr id="3" name="Notes Placeholder 2"/>
+        <p:txBody>
+          <a:bodyPr/>
+          <a:lstStyle/>
+          <a:p>
+            <a:r>
+              <a:t>• We chose these pairs because they have fundamental economic relationships, not just statistical correlation</a:t>
+            </a:r>
+          </a:p>
+          <a:p>
+            <a:r>
+              <a:t>• The long basket typically has lower volatility — equipment makers, integrated majors, broader ETFs</a:t>
+            </a:r>
+          </a:p>
+          <a:p>
+            <a:r>
+              <a:t>• Using baskets instead of single stocks reduces idiosyncratic risk from earnings surprises or company-specific news</a:t>
+            </a:r>
+          </a:p>
+        </p:txBody>
+      </p:sp>
+      <p:sp>
+        <p:nvSpPr>
+          <p:cNvPr id="4" name="Slide Number Placeholder 3"/>
           <p:cNvSpPr>
             <a:spLocks noGrp="1"/>
           </p:cNvSpPr>
           <p:nvPr>
-            <p:ph type="body" idx="3" sz="quarter"/>
-          </p:nvPr>
-        </p:nvSpPr>
-        <p:spPr/>
-        <p:txBody>
-          <a:bodyPr/>
-          <a:lstStyle/>
-          <a:p>
-            <a:r>
-              <a:t>• We chose these pairs because they have fundamental economic relationships, not just statistical correlation</a:t>
-            </a:r>
-          </a:p>
-          <a:p>
-            <a:r>
-              <a:t>• The long basket typically has lower volatility — equipment makers, integrated majors, broader ETFs</a:t>
-            </a:r>
-          </a:p>
-          <a:p>
-            <a:r>
-              <a:t>• Using baskets instead of single stocks reduces idiosyncratic risk from earnings surprises or company-specific news</a:t>
-            </a:r>
-          </a:p>
-        </p:txBody>
-      </p:sp>
-      <p:sp>
-        <p:nvSpPr>
-          <p:cNvPr id="4" name="Slide Number Placeholder 3"/>
-          <p:cNvSpPr>
-            <a:spLocks noGrp="1"/>
-          </p:cNvSpPr>
-          <p:nvPr>
-            <p:ph type="sldNum" idx="5" sz="quarter"/>
+            <p:ph type="sldNum" sz="quarter" idx="5"/>
           </p:nvPr>
         </p:nvSpPr>
         <p:spPr/>
@@ -1839,7 +1633,7 @@
 </file>
 
 <file path=ppt/notesSlides/notesSlide5.xml><?xml version="1.0" encoding="utf-8"?>
-<p:notes xmlns:a="http://schemas.openxmlformats.org/drawingml/2006/main" xmlns:p="http://schemas.openxmlformats.org/presentationml/2006/main" xmlns:r="http://schemas.openxmlformats.org/officeDocument/2006/relationships">
+<p:notes xmlns:a="http://schemas.openxmlformats.org/drawingml/2006/main" xmlns:r="http://schemas.openxmlformats.org/officeDocument/2006/relationships" xmlns:p="http://schemas.openxmlformats.org/presentationml/2006/main">
   <p:cSld>
     <p:spTree>
       <p:nvGrpSpPr>
@@ -1859,53 +1653,53 @@
         <p:nvSpPr>
           <p:cNvPr id="2" name="Slide Image Placeholder 1"/>
           <p:cNvSpPr>
+            <a:spLocks noGrp="1" noRot="1" noChangeAspect="1"/>
+          </p:cNvSpPr>
+          <p:nvPr>
+            <p:ph type="sldImg" idx="2"/>
+          </p:nvPr>
+        </p:nvSpPr>
+        <p:spPr/>
+      </p:sp>
+      <p:sp>
+        <p:nvSpPr>
+          <p:cNvPr id="3" name="Notes Placeholder 2"/>
+          <p:cNvSpPr>
             <a:spLocks noGrp="1"/>
           </p:cNvSpPr>
           <p:nvPr>
-            <p:ph type="sldImg" idx="2"/>
+            <p:ph type="body" sz="quarter" idx="3"/>
           </p:nvPr>
         </p:nvSpPr>
         <p:spPr/>
-      </p:sp>
-      <p:sp>
-        <p:nvSpPr>
-          <p:cNvPr id="3" name="Notes Placeholder 2"/>
+        <p:txBody>
+          <a:bodyPr/>
+          <a:lstStyle/>
+          <a:p>
+            <a:r>
+              <a:t>• The 2-sigma threshold is a balance — tighter means more trades with lower conviction, wider means fewer opportunities</a:t>
+            </a:r>
+          </a:p>
+          <a:p>
+            <a:r>
+              <a:t>• VIX filter is crucial — we learned that trading during crisis periods (like March 2020) destroys returns</a:t>
+            </a:r>
+          </a:p>
+          <a:p>
+            <a:r>
+              <a:t>• The 7% stop-loss was added after our backtest audit revealed we were letting losers run too long</a:t>
+            </a:r>
+          </a:p>
+        </p:txBody>
+      </p:sp>
+      <p:sp>
+        <p:nvSpPr>
+          <p:cNvPr id="4" name="Slide Number Placeholder 3"/>
           <p:cNvSpPr>
             <a:spLocks noGrp="1"/>
           </p:cNvSpPr>
           <p:nvPr>
-            <p:ph type="body" idx="3" sz="quarter"/>
-          </p:nvPr>
-        </p:nvSpPr>
-        <p:spPr/>
-        <p:txBody>
-          <a:bodyPr/>
-          <a:lstStyle/>
-          <a:p>
-            <a:r>
-              <a:t>• The 2-sigma threshold is a balance — tighter means more trades with lower conviction, wider means fewer opportunities</a:t>
-            </a:r>
-          </a:p>
-          <a:p>
-            <a:r>
-              <a:t>• VIX filter is crucial — we learned that trading during crisis periods (like March 2020) destroys returns</a:t>
-            </a:r>
-          </a:p>
-          <a:p>
-            <a:r>
-              <a:t>• The 7% stop-loss was added after our backtest audit revealed we were letting losers run too long</a:t>
-            </a:r>
-          </a:p>
-        </p:txBody>
-      </p:sp>
-      <p:sp>
-        <p:nvSpPr>
-          <p:cNvPr id="4" name="Slide Number Placeholder 3"/>
-          <p:cNvSpPr>
-            <a:spLocks noGrp="1"/>
-          </p:cNvSpPr>
-          <p:nvPr>
-            <p:ph type="sldNum" idx="5" sz="quarter"/>
+            <p:ph type="sldNum" sz="quarter" idx="5"/>
           </p:nvPr>
         </p:nvSpPr>
         <p:spPr/>
@@ -1919,7 +1713,7 @@
 </file>
 
 <file path=ppt/notesSlides/notesSlide6.xml><?xml version="1.0" encoding="utf-8"?>
-<p:notes xmlns:a="http://schemas.openxmlformats.org/drawingml/2006/main" xmlns:p="http://schemas.openxmlformats.org/presentationml/2006/main" xmlns:r="http://schemas.openxmlformats.org/officeDocument/2006/relationships">
+<p:notes xmlns:a="http://schemas.openxmlformats.org/drawingml/2006/main" xmlns:r="http://schemas.openxmlformats.org/officeDocument/2006/relationships" xmlns:p="http://schemas.openxmlformats.org/presentationml/2006/main">
   <p:cSld>
     <p:spTree>
       <p:nvGrpSpPr>
@@ -1939,53 +1733,53 @@
         <p:nvSpPr>
           <p:cNvPr id="2" name="Slide Image Placeholder 1"/>
           <p:cNvSpPr>
+            <a:spLocks noGrp="1" noRot="1" noChangeAspect="1"/>
+          </p:cNvSpPr>
+          <p:nvPr>
+            <p:ph type="sldImg" idx="2"/>
+          </p:nvPr>
+        </p:nvSpPr>
+        <p:spPr/>
+      </p:sp>
+      <p:sp>
+        <p:nvSpPr>
+          <p:cNvPr id="3" name="Notes Placeholder 2"/>
+          <p:cNvSpPr>
             <a:spLocks noGrp="1"/>
           </p:cNvSpPr>
           <p:nvPr>
-            <p:ph type="sldImg" idx="2"/>
+            <p:ph type="body" sz="quarter" idx="3"/>
           </p:nvPr>
         </p:nvSpPr>
         <p:spPr/>
-      </p:sp>
-      <p:sp>
-        <p:nvSpPr>
-          <p:cNvPr id="3" name="Notes Placeholder 2"/>
+        <p:txBody>
+          <a:bodyPr/>
+          <a:lstStyle/>
+          <a:p>
+            <a:r>
+              <a:t>• We tried 40+ features initially but found that simpler models with 8 core features performed better out-of-sample</a:t>
+            </a:r>
+          </a:p>
+          <a:p>
+            <a:r>
+              <a:t>• The 30-day embargo prevents data leakage — autocorrelation in returns can inflate backtest performance</a:t>
+            </a:r>
+          </a:p>
+          <a:p>
+            <a:r>
+              <a:t>• Random Forest was chosen for interpretability — we can see which features matter, unlike neural networks</a:t>
+            </a:r>
+          </a:p>
+        </p:txBody>
+      </p:sp>
+      <p:sp>
+        <p:nvSpPr>
+          <p:cNvPr id="4" name="Slide Number Placeholder 3"/>
           <p:cNvSpPr>
             <a:spLocks noGrp="1"/>
           </p:cNvSpPr>
           <p:nvPr>
-            <p:ph type="body" idx="3" sz="quarter"/>
-          </p:nvPr>
-        </p:nvSpPr>
-        <p:spPr/>
-        <p:txBody>
-          <a:bodyPr/>
-          <a:lstStyle/>
-          <a:p>
-            <a:r>
-              <a:t>• We tried 40+ features initially but found that simpler models with 8 core features performed better out-of-sample</a:t>
-            </a:r>
-          </a:p>
-          <a:p>
-            <a:r>
-              <a:t>• The 30-day embargo prevents data leakage — autocorrelation in returns can inflate backtest performance</a:t>
-            </a:r>
-          </a:p>
-          <a:p>
-            <a:r>
-              <a:t>• Random Forest was chosen for interpretability — we can see which features matter, unlike neural networks</a:t>
-            </a:r>
-          </a:p>
-        </p:txBody>
-      </p:sp>
-      <p:sp>
-        <p:nvSpPr>
-          <p:cNvPr id="4" name="Slide Number Placeholder 3"/>
-          <p:cNvSpPr>
-            <a:spLocks noGrp="1"/>
-          </p:cNvSpPr>
-          <p:nvPr>
-            <p:ph type="sldNum" idx="5" sz="quarter"/>
+            <p:ph type="sldNum" sz="quarter" idx="5"/>
           </p:nvPr>
         </p:nvSpPr>
         <p:spPr/>
@@ -1999,7 +1793,7 @@
 </file>
 
 <file path=ppt/notesSlides/notesSlide7.xml><?xml version="1.0" encoding="utf-8"?>
-<p:notes xmlns:a="http://schemas.openxmlformats.org/drawingml/2006/main" xmlns:p="http://schemas.openxmlformats.org/presentationml/2006/main" xmlns:r="http://schemas.openxmlformats.org/officeDocument/2006/relationships">
+<p:notes xmlns:a="http://schemas.openxmlformats.org/drawingml/2006/main" xmlns:r="http://schemas.openxmlformats.org/officeDocument/2006/relationships" xmlns:p="http://schemas.openxmlformats.org/presentationml/2006/main">
   <p:cSld>
     <p:spTree>
       <p:nvGrpSpPr>
@@ -2019,53 +1813,53 @@
         <p:nvSpPr>
           <p:cNvPr id="2" name="Slide Image Placeholder 1"/>
           <p:cNvSpPr>
+            <a:spLocks noGrp="1" noRot="1" noChangeAspect="1"/>
+          </p:cNvSpPr>
+          <p:nvPr>
+            <p:ph type="sldImg" idx="2"/>
+          </p:nvPr>
+        </p:nvSpPr>
+        <p:spPr/>
+      </p:sp>
+      <p:sp>
+        <p:nvSpPr>
+          <p:cNvPr id="3" name="Notes Placeholder 2"/>
+          <p:cNvSpPr>
             <a:spLocks noGrp="1"/>
           </p:cNvSpPr>
           <p:nvPr>
-            <p:ph type="sldImg" idx="2"/>
+            <p:ph type="body" sz="quarter" idx="3"/>
           </p:nvPr>
         </p:nvSpPr>
         <p:spPr/>
-      </p:sp>
-      <p:sp>
-        <p:nvSpPr>
-          <p:cNvPr id="3" name="Notes Placeholder 2"/>
+        <p:txBody>
+          <a:bodyPr/>
+          <a:lstStyle/>
+          <a:p>
+            <a:r>
+              <a:t>• Notice that the z-score itself is most important — the ML is essentially learning when z-score signals are reliable</a:t>
+            </a:r>
+          </a:p>
+          <a:p>
+            <a:r>
+              <a:t>• Momentum matters because mean-reversion strategies fail when there's a true regime shift happening</a:t>
+            </a:r>
+          </a:p>
+          <a:p>
+            <a:r>
+              <a:t>• VIX level helps the model avoid trading during extreme market stress when correlations break down</a:t>
+            </a:r>
+          </a:p>
+        </p:txBody>
+      </p:sp>
+      <p:sp>
+        <p:nvSpPr>
+          <p:cNvPr id="4" name="Slide Number Placeholder 3"/>
           <p:cNvSpPr>
             <a:spLocks noGrp="1"/>
           </p:cNvSpPr>
           <p:nvPr>
-            <p:ph type="body" idx="3" sz="quarter"/>
-          </p:nvPr>
-        </p:nvSpPr>
-        <p:spPr/>
-        <p:txBody>
-          <a:bodyPr/>
-          <a:lstStyle/>
-          <a:p>
-            <a:r>
-              <a:t>• Notice that the z-score itself is most important — the ML is essentially learning when z-score signals are reliable</a:t>
-            </a:r>
-          </a:p>
-          <a:p>
-            <a:r>
-              <a:t>• Momentum matters because mean-reversion strategies fail when there's a true regime shift happening</a:t>
-            </a:r>
-          </a:p>
-          <a:p>
-            <a:r>
-              <a:t>• VIX level helps the model avoid trading during extreme market stress when correlations break down</a:t>
-            </a:r>
-          </a:p>
-        </p:txBody>
-      </p:sp>
-      <p:sp>
-        <p:nvSpPr>
-          <p:cNvPr id="4" name="Slide Number Placeholder 3"/>
-          <p:cNvSpPr>
-            <a:spLocks noGrp="1"/>
-          </p:cNvSpPr>
-          <p:nvPr>
-            <p:ph type="sldNum" idx="5" sz="quarter"/>
+            <p:ph type="sldNum" sz="quarter" idx="5"/>
           </p:nvPr>
         </p:nvSpPr>
         <p:spPr/>
@@ -2079,7 +1873,7 @@
 </file>
 
 <file path=ppt/notesSlides/notesSlide8.xml><?xml version="1.0" encoding="utf-8"?>
-<p:notes xmlns:a="http://schemas.openxmlformats.org/drawingml/2006/main" xmlns:p="http://schemas.openxmlformats.org/presentationml/2006/main" xmlns:r="http://schemas.openxmlformats.org/officeDocument/2006/relationships">
+<p:notes xmlns:a="http://schemas.openxmlformats.org/drawingml/2006/main" xmlns:r="http://schemas.openxmlformats.org/officeDocument/2006/relationships" xmlns:p="http://schemas.openxmlformats.org/presentationml/2006/main">
   <p:cSld>
     <p:spTree>
       <p:nvGrpSpPr>
@@ -2099,53 +1893,53 @@
         <p:nvSpPr>
           <p:cNvPr id="2" name="Slide Image Placeholder 1"/>
           <p:cNvSpPr>
+            <a:spLocks noGrp="1" noRot="1" noChangeAspect="1"/>
+          </p:cNvSpPr>
+          <p:nvPr>
+            <p:ph type="sldImg" idx="2"/>
+          </p:nvPr>
+        </p:nvSpPr>
+        <p:spPr/>
+      </p:sp>
+      <p:sp>
+        <p:nvSpPr>
+          <p:cNvPr id="3" name="Notes Placeholder 2"/>
+          <p:cNvSpPr>
             <a:spLocks noGrp="1"/>
           </p:cNvSpPr>
           <p:nvPr>
-            <p:ph type="sldImg" idx="2"/>
+            <p:ph type="body" sz="quarter" idx="3"/>
           </p:nvPr>
         </p:nvSpPr>
         <p:spPr/>
-      </p:sp>
-      <p:sp>
-        <p:nvSpPr>
-          <p:cNvPr id="3" name="Notes Placeholder 2"/>
+        <p:txBody>
+          <a:bodyPr/>
+          <a:lstStyle/>
+          <a:p>
+            <a:r>
+              <a:t>• We actually found and fixed look-ahead bias during our audit — initial results looked much better before we fixed it</a:t>
+            </a:r>
+          </a:p>
+          <a:p>
+            <a:r>
+              <a:t>• 10 bps round-trip is conservative for liquid stocks but accounts for market impact on larger positions</a:t>
+            </a:r>
+          </a:p>
+          <a:p>
+            <a:r>
+              <a:t>• Walk-forward testing is harder to implement but critical — static train/test splits overfit to specific market regimes</a:t>
+            </a:r>
+          </a:p>
+        </p:txBody>
+      </p:sp>
+      <p:sp>
+        <p:nvSpPr>
+          <p:cNvPr id="4" name="Slide Number Placeholder 3"/>
           <p:cNvSpPr>
             <a:spLocks noGrp="1"/>
           </p:cNvSpPr>
           <p:nvPr>
-            <p:ph type="body" idx="3" sz="quarter"/>
-          </p:nvPr>
-        </p:nvSpPr>
-        <p:spPr/>
-        <p:txBody>
-          <a:bodyPr/>
-          <a:lstStyle/>
-          <a:p>
-            <a:r>
-              <a:t>• We actually found and fixed look-ahead bias during our audit — initial results looked much better before we fixed it</a:t>
-            </a:r>
-          </a:p>
-          <a:p>
-            <a:r>
-              <a:t>• 10 bps round-trip is conservative for liquid stocks but accounts for market impact on larger positions</a:t>
-            </a:r>
-          </a:p>
-          <a:p>
-            <a:r>
-              <a:t>• Walk-forward testing is harder to implement but critical — static train/test splits overfit to specific market regimes</a:t>
-            </a:r>
-          </a:p>
-        </p:txBody>
-      </p:sp>
-      <p:sp>
-        <p:nvSpPr>
-          <p:cNvPr id="4" name="Slide Number Placeholder 3"/>
-          <p:cNvSpPr>
-            <a:spLocks noGrp="1"/>
-          </p:cNvSpPr>
-          <p:nvPr>
-            <p:ph type="sldNum" idx="5" sz="quarter"/>
+            <p:ph type="sldNum" sz="quarter" idx="5"/>
           </p:nvPr>
         </p:nvSpPr>
         <p:spPr/>
@@ -2159,7 +1953,7 @@
 </file>
 
 <file path=ppt/notesSlides/notesSlide9.xml><?xml version="1.0" encoding="utf-8"?>
-<p:notes xmlns:a="http://schemas.openxmlformats.org/drawingml/2006/main" xmlns:p="http://schemas.openxmlformats.org/presentationml/2006/main" xmlns:r="http://schemas.openxmlformats.org/officeDocument/2006/relationships">
+<p:notes xmlns:a="http://schemas.openxmlformats.org/drawingml/2006/main" xmlns:r="http://schemas.openxmlformats.org/officeDocument/2006/relationships" xmlns:p="http://schemas.openxmlformats.org/presentationml/2006/main">
   <p:cSld>
     <p:spTree>
       <p:nvGrpSpPr>
@@ -2179,53 +1973,53 @@
         <p:nvSpPr>
           <p:cNvPr id="2" name="Slide Image Placeholder 1"/>
           <p:cNvSpPr>
+            <a:spLocks noGrp="1" noRot="1" noChangeAspect="1"/>
+          </p:cNvSpPr>
+          <p:nvPr>
+            <p:ph type="sldImg" idx="2"/>
+          </p:nvPr>
+        </p:nvSpPr>
+        <p:spPr/>
+      </p:sp>
+      <p:sp>
+        <p:nvSpPr>
+          <p:cNvPr id="3" name="Notes Placeholder 2"/>
+          <p:cNvSpPr>
             <a:spLocks noGrp="1"/>
           </p:cNvSpPr>
           <p:nvPr>
-            <p:ph type="sldImg" idx="2"/>
+            <p:ph type="body" sz="quarter" idx="3"/>
           </p:nvPr>
         </p:nvSpPr>
         <p:spPr/>
-      </p:sp>
-      <p:sp>
-        <p:nvSpPr>
-          <p:cNvPr id="3" name="Notes Placeholder 2"/>
+        <p:txBody>
+          <a:bodyPr/>
+          <a:lstStyle/>
+          <a:p>
+            <a:r>
+              <a:t>• Semiconductors shows ML improvement from negative to positive Sharpe with reduced drawdown</a:t>
+            </a:r>
+          </a:p>
+          <a:p>
+            <a:r>
+              <a:t>• Energy pair struggles but ML still provides some risk reduction</a:t>
+            </a:r>
+          </a:p>
+          <a:p>
+            <a:r>
+              <a:t>• Both compared against SPY benchmark for context on market-neutral performance</a:t>
+            </a:r>
+          </a:p>
+        </p:txBody>
+      </p:sp>
+      <p:sp>
+        <p:nvSpPr>
+          <p:cNvPr id="4" name="Slide Number Placeholder 3"/>
           <p:cNvSpPr>
             <a:spLocks noGrp="1"/>
           </p:cNvSpPr>
           <p:nvPr>
-            <p:ph type="body" idx="3" sz="quarter"/>
-          </p:nvPr>
-        </p:nvSpPr>
-        <p:spPr/>
-        <p:txBody>
-          <a:bodyPr/>
-          <a:lstStyle/>
-          <a:p>
-            <a:r>
-              <a:t>• Semiconductors shows ML improvement from negative to positive Sharpe with reduced drawdown</a:t>
-            </a:r>
-          </a:p>
-          <a:p>
-            <a:r>
-              <a:t>• Energy pair struggles but ML still provides some risk reduction</a:t>
-            </a:r>
-          </a:p>
-          <a:p>
-            <a:r>
-              <a:t>• Both compared against SPY benchmark for context on market-neutral performance</a:t>
-            </a:r>
-          </a:p>
-        </p:txBody>
-      </p:sp>
-      <p:sp>
-        <p:nvSpPr>
-          <p:cNvPr id="4" name="Slide Number Placeholder 3"/>
-          <p:cNvSpPr>
-            <a:spLocks noGrp="1"/>
-          </p:cNvSpPr>
-          <p:nvPr>
-            <p:ph type="sldNum" idx="5" sz="quarter"/>
+            <p:ph type="sldNum" sz="quarter" idx="5"/>
           </p:nvPr>
         </p:nvSpPr>
         <p:spPr/>
@@ -2276,10 +2070,9 @@
           <a:lstStyle/>
           <a:p>
             <a:r>
-              <a:rPr lang="en-US" smtClean="0"/>
+              <a:rPr lang="en-US"/>
               <a:t>Click to edit Master title style</a:t>
             </a:r>
-            <a:endParaRPr lang="en-US"/>
           </a:p>
         </p:txBody>
       </p:sp>
@@ -2395,10 +2188,9 @@
           </a:lstStyle>
           <a:p>
             <a:r>
-              <a:rPr lang="en-US" smtClean="0"/>
+              <a:rPr lang="en-US"/>
               <a:t>Click to edit Master subtitle style</a:t>
             </a:r>
-            <a:endParaRPr lang="en-US"/>
           </a:p>
         </p:txBody>
       </p:sp>
@@ -2419,7 +2211,7 @@
           <a:p>
             <a:fld id="{5BCAD085-E8A6-8845-BD4E-CB4CCA059FC4}" type="datetimeFigureOut">
               <a:rPr lang="en-US" smtClean="0"/>
-              <a:t>1/27/13</a:t>
+              <a:t>12/8/25</a:t>
             </a:fld>
             <a:endParaRPr lang="en-US"/>
           </a:p>
@@ -2513,10 +2305,9 @@
           <a:lstStyle/>
           <a:p>
             <a:r>
-              <a:rPr lang="en-US" smtClean="0"/>
+              <a:rPr lang="en-US"/>
               <a:t>Click to edit Master title style</a:t>
             </a:r>
-            <a:endParaRPr lang="en-US"/>
           </a:p>
         </p:txBody>
       </p:sp>
@@ -2537,38 +2328,37 @@
           <a:p>
             <a:pPr lvl="0"/>
             <a:r>
-              <a:rPr lang="en-US" smtClean="0"/>
+              <a:rPr lang="en-US"/>
               <a:t>Click to edit Master text styles</a:t>
             </a:r>
           </a:p>
           <a:p>
             <a:pPr lvl="1"/>
             <a:r>
-              <a:rPr lang="en-US" smtClean="0"/>
+              <a:rPr lang="en-US"/>
               <a:t>Second level</a:t>
             </a:r>
           </a:p>
           <a:p>
             <a:pPr lvl="2"/>
             <a:r>
-              <a:rPr lang="en-US" smtClean="0"/>
+              <a:rPr lang="en-US"/>
               <a:t>Third level</a:t>
             </a:r>
           </a:p>
           <a:p>
             <a:pPr lvl="3"/>
             <a:r>
-              <a:rPr lang="en-US" smtClean="0"/>
+              <a:rPr lang="en-US"/>
               <a:t>Fourth level</a:t>
             </a:r>
           </a:p>
           <a:p>
             <a:pPr lvl="4"/>
             <a:r>
-              <a:rPr lang="en-US" smtClean="0"/>
+              <a:rPr lang="en-US"/>
               <a:t>Fifth level</a:t>
             </a:r>
-            <a:endParaRPr lang="en-US"/>
           </a:p>
         </p:txBody>
       </p:sp>
@@ -2589,7 +2379,7 @@
           <a:p>
             <a:fld id="{5BCAD085-E8A6-8845-BD4E-CB4CCA059FC4}" type="datetimeFigureOut">
               <a:rPr lang="en-US" smtClean="0"/>
-              <a:t>1/27/13</a:t>
+              <a:t>12/8/25</a:t>
             </a:fld>
             <a:endParaRPr lang="en-US"/>
           </a:p>
@@ -2688,10 +2478,9 @@
           <a:lstStyle/>
           <a:p>
             <a:r>
-              <a:rPr lang="en-US" smtClean="0"/>
+              <a:rPr lang="en-US"/>
               <a:t>Click to edit Master title style</a:t>
             </a:r>
-            <a:endParaRPr lang="en-US"/>
           </a:p>
         </p:txBody>
       </p:sp>
@@ -2717,38 +2506,37 @@
           <a:p>
             <a:pPr lvl="0"/>
             <a:r>
-              <a:rPr lang="en-US" smtClean="0"/>
+              <a:rPr lang="en-US"/>
               <a:t>Click to edit Master text styles</a:t>
             </a:r>
           </a:p>
           <a:p>
             <a:pPr lvl="1"/>
             <a:r>
-              <a:rPr lang="en-US" smtClean="0"/>
+              <a:rPr lang="en-US"/>
               <a:t>Second level</a:t>
             </a:r>
           </a:p>
           <a:p>
             <a:pPr lvl="2"/>
             <a:r>
-              <a:rPr lang="en-US" smtClean="0"/>
+              <a:rPr lang="en-US"/>
               <a:t>Third level</a:t>
             </a:r>
           </a:p>
           <a:p>
             <a:pPr lvl="3"/>
             <a:r>
-              <a:rPr lang="en-US" smtClean="0"/>
+              <a:rPr lang="en-US"/>
               <a:t>Fourth level</a:t>
             </a:r>
           </a:p>
           <a:p>
             <a:pPr lvl="4"/>
             <a:r>
-              <a:rPr lang="en-US" smtClean="0"/>
+              <a:rPr lang="en-US"/>
               <a:t>Fifth level</a:t>
             </a:r>
-            <a:endParaRPr lang="en-US"/>
           </a:p>
         </p:txBody>
       </p:sp>
@@ -2769,7 +2557,7 @@
           <a:p>
             <a:fld id="{5BCAD085-E8A6-8845-BD4E-CB4CCA059FC4}" type="datetimeFigureOut">
               <a:rPr lang="en-US" smtClean="0"/>
-              <a:t>1/27/13</a:t>
+              <a:t>12/8/25</a:t>
             </a:fld>
             <a:endParaRPr lang="en-US"/>
           </a:p>
@@ -2863,10 +2651,9 @@
           <a:lstStyle/>
           <a:p>
             <a:r>
-              <a:rPr lang="en-US" smtClean="0"/>
+              <a:rPr lang="en-US"/>
               <a:t>Click to edit Master title style</a:t>
             </a:r>
-            <a:endParaRPr lang="en-US"/>
           </a:p>
         </p:txBody>
       </p:sp>
@@ -2887,38 +2674,37 @@
           <a:p>
             <a:pPr lvl="0"/>
             <a:r>
-              <a:rPr lang="en-US" smtClean="0"/>
+              <a:rPr lang="en-US"/>
               <a:t>Click to edit Master text styles</a:t>
             </a:r>
           </a:p>
           <a:p>
             <a:pPr lvl="1"/>
             <a:r>
-              <a:rPr lang="en-US" smtClean="0"/>
+              <a:rPr lang="en-US"/>
               <a:t>Second level</a:t>
             </a:r>
           </a:p>
           <a:p>
             <a:pPr lvl="2"/>
             <a:r>
-              <a:rPr lang="en-US" smtClean="0"/>
+              <a:rPr lang="en-US"/>
               <a:t>Third level</a:t>
             </a:r>
           </a:p>
           <a:p>
             <a:pPr lvl="3"/>
             <a:r>
-              <a:rPr lang="en-US" smtClean="0"/>
+              <a:rPr lang="en-US"/>
               <a:t>Fourth level</a:t>
             </a:r>
           </a:p>
           <a:p>
             <a:pPr lvl="4"/>
             <a:r>
-              <a:rPr lang="en-US" smtClean="0"/>
+              <a:rPr lang="en-US"/>
               <a:t>Fifth level</a:t>
             </a:r>
-            <a:endParaRPr lang="en-US"/>
           </a:p>
         </p:txBody>
       </p:sp>
@@ -2939,7 +2725,7 @@
           <a:p>
             <a:fld id="{5BCAD085-E8A6-8845-BD4E-CB4CCA059FC4}" type="datetimeFigureOut">
               <a:rPr lang="en-US" smtClean="0"/>
-              <a:t>1/27/13</a:t>
+              <a:t>12/8/25</a:t>
             </a:fld>
             <a:endParaRPr lang="en-US"/>
           </a:p>
@@ -3042,10 +2828,9 @@
           </a:lstStyle>
           <a:p>
             <a:r>
-              <a:rPr lang="en-US" smtClean="0"/>
+              <a:rPr lang="en-US"/>
               <a:t>Click to edit Master title style</a:t>
             </a:r>
-            <a:endParaRPr lang="en-US"/>
           </a:p>
         </p:txBody>
       </p:sp>
@@ -3162,7 +2947,7 @@
           <a:p>
             <a:pPr lvl="0"/>
             <a:r>
-              <a:rPr lang="en-US" smtClean="0"/>
+              <a:rPr lang="en-US"/>
               <a:t>Click to edit Master text styles</a:t>
             </a:r>
           </a:p>
@@ -3185,7 +2970,7 @@
           <a:p>
             <a:fld id="{5BCAD085-E8A6-8845-BD4E-CB4CCA059FC4}" type="datetimeFigureOut">
               <a:rPr lang="en-US" smtClean="0"/>
-              <a:t>1/27/13</a:t>
+              <a:t>12/8/25</a:t>
             </a:fld>
             <a:endParaRPr lang="en-US"/>
           </a:p>
@@ -3279,10 +3064,9 @@
           <a:lstStyle/>
           <a:p>
             <a:r>
-              <a:rPr lang="en-US" smtClean="0"/>
+              <a:rPr lang="en-US"/>
               <a:t>Click to edit Master title style</a:t>
             </a:r>
-            <a:endParaRPr lang="en-US"/>
           </a:p>
         </p:txBody>
       </p:sp>
@@ -3336,38 +3120,37 @@
           <a:p>
             <a:pPr lvl="0"/>
             <a:r>
-              <a:rPr lang="en-US" smtClean="0"/>
+              <a:rPr lang="en-US"/>
               <a:t>Click to edit Master text styles</a:t>
             </a:r>
           </a:p>
           <a:p>
             <a:pPr lvl="1"/>
             <a:r>
-              <a:rPr lang="en-US" smtClean="0"/>
+              <a:rPr lang="en-US"/>
               <a:t>Second level</a:t>
             </a:r>
           </a:p>
           <a:p>
             <a:pPr lvl="2"/>
             <a:r>
-              <a:rPr lang="en-US" smtClean="0"/>
+              <a:rPr lang="en-US"/>
               <a:t>Third level</a:t>
             </a:r>
           </a:p>
           <a:p>
             <a:pPr lvl="3"/>
             <a:r>
-              <a:rPr lang="en-US" smtClean="0"/>
+              <a:rPr lang="en-US"/>
               <a:t>Fourth level</a:t>
             </a:r>
           </a:p>
           <a:p>
             <a:pPr lvl="4"/>
             <a:r>
-              <a:rPr lang="en-US" smtClean="0"/>
+              <a:rPr lang="en-US"/>
               <a:t>Fifth level</a:t>
             </a:r>
-            <a:endParaRPr lang="en-US"/>
           </a:p>
         </p:txBody>
       </p:sp>
@@ -3421,38 +3204,37 @@
           <a:p>
             <a:pPr lvl="0"/>
             <a:r>
-              <a:rPr lang="en-US" smtClean="0"/>
+              <a:rPr lang="en-US"/>
               <a:t>Click to edit Master text styles</a:t>
             </a:r>
           </a:p>
           <a:p>
             <a:pPr lvl="1"/>
             <a:r>
-              <a:rPr lang="en-US" smtClean="0"/>
+              <a:rPr lang="en-US"/>
               <a:t>Second level</a:t>
             </a:r>
           </a:p>
           <a:p>
             <a:pPr lvl="2"/>
             <a:r>
-              <a:rPr lang="en-US" smtClean="0"/>
+              <a:rPr lang="en-US"/>
               <a:t>Third level</a:t>
             </a:r>
           </a:p>
           <a:p>
             <a:pPr lvl="3"/>
             <a:r>
-              <a:rPr lang="en-US" smtClean="0"/>
+              <a:rPr lang="en-US"/>
               <a:t>Fourth level</a:t>
             </a:r>
           </a:p>
           <a:p>
             <a:pPr lvl="4"/>
             <a:r>
-              <a:rPr lang="en-US" smtClean="0"/>
+              <a:rPr lang="en-US"/>
               <a:t>Fifth level</a:t>
             </a:r>
-            <a:endParaRPr lang="en-US"/>
           </a:p>
         </p:txBody>
       </p:sp>
@@ -3473,7 +3255,7 @@
           <a:p>
             <a:fld id="{5BCAD085-E8A6-8845-BD4E-CB4CCA059FC4}" type="datetimeFigureOut">
               <a:rPr lang="en-US" smtClean="0"/>
-              <a:t>1/27/13</a:t>
+              <a:t>12/8/25</a:t>
             </a:fld>
             <a:endParaRPr lang="en-US"/>
           </a:p>
@@ -3571,10 +3353,9 @@
           </a:lstStyle>
           <a:p>
             <a:r>
-              <a:rPr lang="en-US" smtClean="0"/>
+              <a:rPr lang="en-US"/>
               <a:t>Click to edit Master title style</a:t>
             </a:r>
-            <a:endParaRPr lang="en-US"/>
           </a:p>
         </p:txBody>
       </p:sp>
@@ -3637,7 +3418,7 @@
           <a:p>
             <a:pPr lvl="0"/>
             <a:r>
-              <a:rPr lang="en-US" smtClean="0"/>
+              <a:rPr lang="en-US"/>
               <a:t>Click to edit Master text styles</a:t>
             </a:r>
           </a:p>
@@ -3693,38 +3474,37 @@
           <a:p>
             <a:pPr lvl="0"/>
             <a:r>
-              <a:rPr lang="en-US" smtClean="0"/>
+              <a:rPr lang="en-US"/>
               <a:t>Click to edit Master text styles</a:t>
             </a:r>
           </a:p>
           <a:p>
             <a:pPr lvl="1"/>
             <a:r>
-              <a:rPr lang="en-US" smtClean="0"/>
+              <a:rPr lang="en-US"/>
               <a:t>Second level</a:t>
             </a:r>
           </a:p>
           <a:p>
             <a:pPr lvl="2"/>
             <a:r>
-              <a:rPr lang="en-US" smtClean="0"/>
+              <a:rPr lang="en-US"/>
               <a:t>Third level</a:t>
             </a:r>
           </a:p>
           <a:p>
             <a:pPr lvl="3"/>
             <a:r>
-              <a:rPr lang="en-US" smtClean="0"/>
+              <a:rPr lang="en-US"/>
               <a:t>Fourth level</a:t>
             </a:r>
           </a:p>
           <a:p>
             <a:pPr lvl="4"/>
             <a:r>
-              <a:rPr lang="en-US" smtClean="0"/>
+              <a:rPr lang="en-US"/>
               <a:t>Fifth level</a:t>
             </a:r>
-            <a:endParaRPr lang="en-US"/>
           </a:p>
         </p:txBody>
       </p:sp>
@@ -3787,7 +3567,7 @@
           <a:p>
             <a:pPr lvl="0"/>
             <a:r>
-              <a:rPr lang="en-US" smtClean="0"/>
+              <a:rPr lang="en-US"/>
               <a:t>Click to edit Master text styles</a:t>
             </a:r>
           </a:p>
@@ -3843,38 +3623,37 @@
           <a:p>
             <a:pPr lvl="0"/>
             <a:r>
-              <a:rPr lang="en-US" smtClean="0"/>
+              <a:rPr lang="en-US"/>
               <a:t>Click to edit Master text styles</a:t>
             </a:r>
           </a:p>
           <a:p>
             <a:pPr lvl="1"/>
             <a:r>
-              <a:rPr lang="en-US" smtClean="0"/>
+              <a:rPr lang="en-US"/>
               <a:t>Second level</a:t>
             </a:r>
           </a:p>
           <a:p>
             <a:pPr lvl="2"/>
             <a:r>
-              <a:rPr lang="en-US" smtClean="0"/>
+              <a:rPr lang="en-US"/>
               <a:t>Third level</a:t>
             </a:r>
           </a:p>
           <a:p>
             <a:pPr lvl="3"/>
             <a:r>
-              <a:rPr lang="en-US" smtClean="0"/>
+              <a:rPr lang="en-US"/>
               <a:t>Fourth level</a:t>
             </a:r>
           </a:p>
           <a:p>
             <a:pPr lvl="4"/>
             <a:r>
-              <a:rPr lang="en-US" smtClean="0"/>
+              <a:rPr lang="en-US"/>
               <a:t>Fifth level</a:t>
             </a:r>
-            <a:endParaRPr lang="en-US"/>
           </a:p>
         </p:txBody>
       </p:sp>
@@ -3895,7 +3674,7 @@
           <a:p>
             <a:fld id="{5BCAD085-E8A6-8845-BD4E-CB4CCA059FC4}" type="datetimeFigureOut">
               <a:rPr lang="en-US" smtClean="0"/>
-              <a:t>1/27/13</a:t>
+              <a:t>12/8/25</a:t>
             </a:fld>
             <a:endParaRPr lang="en-US"/>
           </a:p>
@@ -3989,10 +3768,9 @@
           <a:lstStyle/>
           <a:p>
             <a:r>
-              <a:rPr lang="en-US" smtClean="0"/>
+              <a:rPr lang="en-US"/>
               <a:t>Click to edit Master title style</a:t>
             </a:r>
-            <a:endParaRPr lang="en-US"/>
           </a:p>
         </p:txBody>
       </p:sp>
@@ -4013,7 +3791,7 @@
           <a:p>
             <a:fld id="{5BCAD085-E8A6-8845-BD4E-CB4CCA059FC4}" type="datetimeFigureOut">
               <a:rPr lang="en-US" smtClean="0"/>
-              <a:t>1/27/13</a:t>
+              <a:t>12/8/25</a:t>
             </a:fld>
             <a:endParaRPr lang="en-US"/>
           </a:p>
@@ -4108,7 +3886,7 @@
           <a:p>
             <a:fld id="{5BCAD085-E8A6-8845-BD4E-CB4CCA059FC4}" type="datetimeFigureOut">
               <a:rPr lang="en-US" smtClean="0"/>
-              <a:t>1/27/13</a:t>
+              <a:t>12/8/25</a:t>
             </a:fld>
             <a:endParaRPr lang="en-US"/>
           </a:p>
@@ -4211,10 +3989,9 @@
           </a:lstStyle>
           <a:p>
             <a:r>
-              <a:rPr lang="en-US" smtClean="0"/>
+              <a:rPr lang="en-US"/>
               <a:t>Click to edit Master title style</a:t>
             </a:r>
-            <a:endParaRPr lang="en-US"/>
           </a:p>
         </p:txBody>
       </p:sp>
@@ -4268,38 +4045,37 @@
           <a:p>
             <a:pPr lvl="0"/>
             <a:r>
-              <a:rPr lang="en-US" smtClean="0"/>
+              <a:rPr lang="en-US"/>
               <a:t>Click to edit Master text styles</a:t>
             </a:r>
           </a:p>
           <a:p>
             <a:pPr lvl="1"/>
             <a:r>
-              <a:rPr lang="en-US" smtClean="0"/>
+              <a:rPr lang="en-US"/>
               <a:t>Second level</a:t>
             </a:r>
           </a:p>
           <a:p>
             <a:pPr lvl="2"/>
             <a:r>
-              <a:rPr lang="en-US" smtClean="0"/>
+              <a:rPr lang="en-US"/>
               <a:t>Third level</a:t>
             </a:r>
           </a:p>
           <a:p>
             <a:pPr lvl="3"/>
             <a:r>
-              <a:rPr lang="en-US" smtClean="0"/>
+              <a:rPr lang="en-US"/>
               <a:t>Fourth level</a:t>
             </a:r>
           </a:p>
           <a:p>
             <a:pPr lvl="4"/>
             <a:r>
-              <a:rPr lang="en-US" smtClean="0"/>
+              <a:rPr lang="en-US"/>
               <a:t>Fifth level</a:t>
             </a:r>
-            <a:endParaRPr lang="en-US"/>
           </a:p>
         </p:txBody>
       </p:sp>
@@ -4362,7 +4138,7 @@
           <a:p>
             <a:pPr lvl="0"/>
             <a:r>
-              <a:rPr lang="en-US" smtClean="0"/>
+              <a:rPr lang="en-US"/>
               <a:t>Click to edit Master text styles</a:t>
             </a:r>
           </a:p>
@@ -4385,7 +4161,7 @@
           <a:p>
             <a:fld id="{5BCAD085-E8A6-8845-BD4E-CB4CCA059FC4}" type="datetimeFigureOut">
               <a:rPr lang="en-US" smtClean="0"/>
-              <a:t>1/27/13</a:t>
+              <a:t>12/8/25</a:t>
             </a:fld>
             <a:endParaRPr lang="en-US"/>
           </a:p>
@@ -4488,10 +4264,9 @@
           </a:lstStyle>
           <a:p>
             <a:r>
-              <a:rPr lang="en-US" smtClean="0"/>
+              <a:rPr lang="en-US"/>
               <a:t>Click to edit Master title style</a:t>
             </a:r>
-            <a:endParaRPr lang="en-US"/>
           </a:p>
         </p:txBody>
       </p:sp>
@@ -4615,7 +4390,7 @@
           <a:p>
             <a:pPr lvl="0"/>
             <a:r>
-              <a:rPr lang="en-US" smtClean="0"/>
+              <a:rPr lang="en-US"/>
               <a:t>Click to edit Master text styles</a:t>
             </a:r>
           </a:p>
@@ -4638,7 +4413,7 @@
           <a:p>
             <a:fld id="{5BCAD085-E8A6-8845-BD4E-CB4CCA059FC4}" type="datetimeFigureOut">
               <a:rPr lang="en-US" smtClean="0"/>
-              <a:t>1/27/13</a:t>
+              <a:t>12/8/25</a:t>
             </a:fld>
             <a:endParaRPr lang="en-US"/>
           </a:p>
@@ -4747,10 +4522,9 @@
           <a:lstStyle/>
           <a:p>
             <a:r>
-              <a:rPr lang="en-US" smtClean="0"/>
+              <a:rPr lang="en-US"/>
               <a:t>Click to edit Master title style</a:t>
             </a:r>
-            <a:endParaRPr lang="en-US"/>
           </a:p>
         </p:txBody>
       </p:sp>
@@ -4781,38 +4555,37 @@
           <a:p>
             <a:pPr lvl="0"/>
             <a:r>
-              <a:rPr lang="en-US" smtClean="0"/>
+              <a:rPr lang="en-US"/>
               <a:t>Click to edit Master text styles</a:t>
             </a:r>
           </a:p>
           <a:p>
             <a:pPr lvl="1"/>
             <a:r>
-              <a:rPr lang="en-US" smtClean="0"/>
+              <a:rPr lang="en-US"/>
               <a:t>Second level</a:t>
             </a:r>
           </a:p>
           <a:p>
             <a:pPr lvl="2"/>
             <a:r>
-              <a:rPr lang="en-US" smtClean="0"/>
+              <a:rPr lang="en-US"/>
               <a:t>Third level</a:t>
             </a:r>
           </a:p>
           <a:p>
             <a:pPr lvl="3"/>
             <a:r>
-              <a:rPr lang="en-US" smtClean="0"/>
+              <a:rPr lang="en-US"/>
               <a:t>Fourth level</a:t>
             </a:r>
           </a:p>
           <a:p>
             <a:pPr lvl="4"/>
             <a:r>
-              <a:rPr lang="en-US" smtClean="0"/>
+              <a:rPr lang="en-US"/>
               <a:t>Fifth level</a:t>
             </a:r>
-            <a:endParaRPr lang="en-US"/>
           </a:p>
         </p:txBody>
       </p:sp>
@@ -4851,7 +4624,7 @@
           <a:p>
             <a:fld id="{5BCAD085-E8A6-8845-BD4E-CB4CCA059FC4}" type="datetimeFigureOut">
               <a:rPr lang="en-US" smtClean="0"/>
-              <a:t>1/27/13</a:t>
+              <a:t>12/8/25</a:t>
             </a:fld>
             <a:endParaRPr lang="en-US"/>
           </a:p>
@@ -5210,7 +4983,7 @@
 </file>
 
 <file path=ppt/slides/slide1.xml><?xml version="1.0" encoding="utf-8"?>
-<p:sld xmlns:a="http://schemas.openxmlformats.org/drawingml/2006/main" xmlns:p="http://schemas.openxmlformats.org/presentationml/2006/main" xmlns:r="http://schemas.openxmlformats.org/officeDocument/2006/relationships">
+<p:sld xmlns:a="http://schemas.openxmlformats.org/drawingml/2006/main" xmlns:r="http://schemas.openxmlformats.org/officeDocument/2006/relationships" xmlns:p="http://schemas.openxmlformats.org/presentationml/2006/main">
   <p:cSld>
     <p:bg>
       <p:bgPr>
@@ -5226,7 +4999,14 @@
         <p:cNvGrpSpPr/>
         <p:nvPr/>
       </p:nvGrpSpPr>
-      <p:grpSpPr/>
+      <p:grpSpPr>
+        <a:xfrm>
+          <a:off x="0" y="0"/>
+          <a:ext cx="0" cy="0"/>
+          <a:chOff x="0" y="0"/>
+          <a:chExt cx="0" cy="0"/>
+        </a:xfrm>
+      </p:grpSpPr>
       <p:sp>
         <p:nvSpPr>
           <p:cNvPr id="2" name="TextBox 1"/>
@@ -5235,8 +5015,8 @@
         </p:nvSpPr>
         <p:spPr>
           <a:xfrm>
-            <a:off x="457200" y="2286000"/>
-            <a:ext cx="8229600" cy="914400"/>
+            <a:off x="1287286" y="1848475"/>
+            <a:ext cx="6569427" cy="1446550"/>
           </a:xfrm>
           <a:prstGeom prst="rect">
             <a:avLst/>
@@ -5258,7 +5038,15 @@
               </a:defRPr>
             </a:pPr>
             <a:r>
-              <a:t>Statistical Basket Pairs Trading Strategy</a:t>
+              <a:rPr dirty="0"/>
+              <a:t>Statistical Basket Pairs </a:t>
+            </a:r>
+            <a:br>
+              <a:rPr lang="en-US" dirty="0"/>
+            </a:br>
+            <a:r>
+              <a:rPr dirty="0"/>
+              <a:t>Trading Strategy</a:t>
             </a:r>
           </a:p>
         </p:txBody>
@@ -5357,7 +5145,7 @@
 </file>
 
 <file path=ppt/slides/slide10.xml><?xml version="1.0" encoding="utf-8"?>
-<p:sld xmlns:a="http://schemas.openxmlformats.org/drawingml/2006/main" xmlns:p="http://schemas.openxmlformats.org/presentationml/2006/main" xmlns:r="http://schemas.openxmlformats.org/officeDocument/2006/relationships">
+<p:sld xmlns:a="http://schemas.openxmlformats.org/drawingml/2006/main" xmlns:r="http://schemas.openxmlformats.org/officeDocument/2006/relationships" xmlns:p="http://schemas.openxmlformats.org/presentationml/2006/main">
   <p:cSld>
     <p:bg>
       <p:bgPr>
@@ -5373,7 +5161,14 @@
         <p:cNvGrpSpPr/>
         <p:nvPr/>
       </p:nvGrpSpPr>
-      <p:grpSpPr/>
+      <p:grpSpPr>
+        <a:xfrm>
+          <a:off x="0" y="0"/>
+          <a:ext cx="0" cy="0"/>
+          <a:chOff x="0" y="0"/>
+          <a:chExt cx="0" cy="0"/>
+        </a:xfrm>
+      </p:grpSpPr>
       <p:sp>
         <p:nvSpPr>
           <p:cNvPr id="2" name="TextBox 1"/>
@@ -5450,6 +5245,7 @@
           <a:lstStyle/>
           <a:p>
             <a:pPr algn="ctr"/>
+            <a:endParaRPr/>
           </a:p>
         </p:txBody>
       </p:sp>
@@ -5462,15 +5258,15 @@
           <p:nvPr/>
         </p:nvPicPr>
         <p:blipFill>
-          <a:blip r:embed="rId2"/>
+          <a:blip r:embed="rId3"/>
           <a:stretch>
             <a:fillRect/>
           </a:stretch>
         </p:blipFill>
         <p:spPr>
           <a:xfrm>
-            <a:off x="685800" y="1188720"/>
-            <a:ext cx="7772400" cy="2516808"/>
+            <a:off x="127381" y="1132522"/>
+            <a:ext cx="8889237" cy="2878455"/>
           </a:xfrm>
           <a:prstGeom prst="rect">
             <a:avLst/>
@@ -5522,7 +5318,7 @@
 </file>
 
 <file path=ppt/slides/slide11.xml><?xml version="1.0" encoding="utf-8"?>
-<p:sld xmlns:a="http://schemas.openxmlformats.org/drawingml/2006/main" xmlns:p="http://schemas.openxmlformats.org/presentationml/2006/main" xmlns:r="http://schemas.openxmlformats.org/officeDocument/2006/relationships">
+<p:sld xmlns:a="http://schemas.openxmlformats.org/drawingml/2006/main" xmlns:r="http://schemas.openxmlformats.org/officeDocument/2006/relationships" xmlns:p="http://schemas.openxmlformats.org/presentationml/2006/main">
   <p:cSld>
     <p:bg>
       <p:bgPr>
@@ -5538,7 +5334,14 @@
         <p:cNvGrpSpPr/>
         <p:nvPr/>
       </p:nvGrpSpPr>
-      <p:grpSpPr/>
+      <p:grpSpPr>
+        <a:xfrm>
+          <a:off x="0" y="0"/>
+          <a:ext cx="0" cy="0"/>
+          <a:chOff x="0" y="0"/>
+          <a:chExt cx="0" cy="0"/>
+        </a:xfrm>
+      </p:grpSpPr>
       <p:sp>
         <p:nvSpPr>
           <p:cNvPr id="2" name="TextBox 1"/>
@@ -5548,7 +5351,7 @@
         <p:spPr>
           <a:xfrm>
             <a:off x="457200" y="274320"/>
-            <a:ext cx="8229600" cy="731520"/>
+            <a:ext cx="7601505" cy="584775"/>
           </a:xfrm>
           <a:prstGeom prst="rect">
             <a:avLst/>
@@ -5570,7 +5373,8 @@
               </a:defRPr>
             </a:pPr>
             <a:r>
-              <a:t>Drawdown Profile: Semiconductors &amp; Energy</a:t>
+              <a:rPr dirty="0"/>
+              <a:t>Drawdown: Semiconductors &amp; Energy</a:t>
             </a:r>
           </a:p>
         </p:txBody>
@@ -5615,6 +5419,7 @@
           <a:lstStyle/>
           <a:p>
             <a:pPr algn="ctr"/>
+            <a:endParaRPr/>
           </a:p>
         </p:txBody>
       </p:sp>
@@ -5627,15 +5432,15 @@
           <p:nvPr/>
         </p:nvPicPr>
         <p:blipFill>
-          <a:blip r:embed="rId2"/>
+          <a:blip r:embed="rId3"/>
           <a:stretch>
             <a:fillRect/>
           </a:stretch>
         </p:blipFill>
         <p:spPr>
           <a:xfrm>
-            <a:off x="685800" y="1188720"/>
-            <a:ext cx="7772400" cy="2514600"/>
+            <a:off x="49875" y="1108710"/>
+            <a:ext cx="9044249" cy="2926080"/>
           </a:xfrm>
           <a:prstGeom prst="rect">
             <a:avLst/>
@@ -5687,7 +5492,7 @@
 </file>
 
 <file path=ppt/slides/slide12.xml><?xml version="1.0" encoding="utf-8"?>
-<p:sld xmlns:a="http://schemas.openxmlformats.org/drawingml/2006/main" xmlns:p="http://schemas.openxmlformats.org/presentationml/2006/main" xmlns:r="http://schemas.openxmlformats.org/officeDocument/2006/relationships">
+<p:sld xmlns:a="http://schemas.openxmlformats.org/drawingml/2006/main" xmlns:r="http://schemas.openxmlformats.org/officeDocument/2006/relationships" xmlns:p="http://schemas.openxmlformats.org/presentationml/2006/main">
   <p:cSld>
     <p:bg>
       <p:bgPr>
@@ -5703,7 +5508,14 @@
         <p:cNvGrpSpPr/>
         <p:nvPr/>
       </p:nvGrpSpPr>
-      <p:grpSpPr/>
+      <p:grpSpPr>
+        <a:xfrm>
+          <a:off x="0" y="0"/>
+          <a:ext cx="0" cy="0"/>
+          <a:chOff x="0" y="0"/>
+          <a:chExt cx="0" cy="0"/>
+        </a:xfrm>
+      </p:grpSpPr>
       <p:sp>
         <p:nvSpPr>
           <p:cNvPr id="2" name="TextBox 1"/>
@@ -5713,7 +5525,7 @@
         <p:spPr>
           <a:xfrm>
             <a:off x="457200" y="274320"/>
-            <a:ext cx="8229600" cy="731520"/>
+            <a:ext cx="6631303" cy="584775"/>
           </a:xfrm>
           <a:prstGeom prst="rect">
             <a:avLst/>
@@ -5735,7 +5547,8 @@
               </a:defRPr>
             </a:pPr>
             <a:r>
-              <a:t>Drawdown Profile: Tech &amp; Staples Pairs</a:t>
+              <a:rPr dirty="0"/>
+              <a:t>Drawdown: Tech &amp; Staples Pairs</a:t>
             </a:r>
           </a:p>
         </p:txBody>
@@ -5780,6 +5593,7 @@
           <a:lstStyle/>
           <a:p>
             <a:pPr algn="ctr"/>
+            <a:endParaRPr/>
           </a:p>
         </p:txBody>
       </p:sp>
@@ -5792,15 +5606,15 @@
           <p:nvPr/>
         </p:nvPicPr>
         <p:blipFill>
-          <a:blip r:embed="rId2"/>
+          <a:blip r:embed="rId3"/>
           <a:stretch>
             <a:fillRect/>
           </a:stretch>
         </p:blipFill>
         <p:spPr>
           <a:xfrm>
-            <a:off x="685800" y="1188720"/>
-            <a:ext cx="7772400" cy="2532690"/>
+            <a:off x="114300" y="1119178"/>
+            <a:ext cx="8915400" cy="2905144"/>
           </a:xfrm>
           <a:prstGeom prst="rect">
             <a:avLst/>
@@ -5852,7 +5666,7 @@
 </file>
 
 <file path=ppt/slides/slide13.xml><?xml version="1.0" encoding="utf-8"?>
-<p:sld xmlns:a="http://schemas.openxmlformats.org/drawingml/2006/main" xmlns:p="http://schemas.openxmlformats.org/presentationml/2006/main" xmlns:r="http://schemas.openxmlformats.org/officeDocument/2006/relationships">
+<p:sld xmlns:a="http://schemas.openxmlformats.org/drawingml/2006/main" xmlns:r="http://schemas.openxmlformats.org/officeDocument/2006/relationships" xmlns:p="http://schemas.openxmlformats.org/presentationml/2006/main">
   <p:cSld>
     <p:bg>
       <p:bgPr>
@@ -5868,7 +5682,14 @@
         <p:cNvGrpSpPr/>
         <p:nvPr/>
       </p:nvGrpSpPr>
-      <p:grpSpPr/>
+      <p:grpSpPr>
+        <a:xfrm>
+          <a:off x="0" y="0"/>
+          <a:ext cx="0" cy="0"/>
+          <a:chOff x="0" y="0"/>
+          <a:chExt cx="0" cy="0"/>
+        </a:xfrm>
+      </p:grpSpPr>
       <p:sp>
         <p:nvSpPr>
           <p:cNvPr id="2" name="TextBox 1"/>
@@ -5945,6 +5766,7 @@
           <a:lstStyle/>
           <a:p>
             <a:pPr algn="ctr"/>
+            <a:endParaRPr/>
           </a:p>
         </p:txBody>
       </p:sp>
@@ -5967,11 +5789,41 @@
                 <a:tableStyleId>{5C22544A-7EE6-4342-B048-85BDC9FD1C3A}</a:tableStyleId>
               </a:tblPr>
               <a:tblGrid>
-                <a:gridCol w="1645920"/>
-                <a:gridCol w="1645920"/>
-                <a:gridCol w="1645920"/>
-                <a:gridCol w="1645920"/>
-                <a:gridCol w="1645920"/>
+                <a:gridCol w="1645920">
+                  <a:extLst>
+                    <a:ext uri="{9D8B030D-6E8A-4147-A177-3AD203B41FA5}">
+                      <a16:colId xmlns:a16="http://schemas.microsoft.com/office/drawing/2014/main" val="20000"/>
+                    </a:ext>
+                  </a:extLst>
+                </a:gridCol>
+                <a:gridCol w="1645920">
+                  <a:extLst>
+                    <a:ext uri="{9D8B030D-6E8A-4147-A177-3AD203B41FA5}">
+                      <a16:colId xmlns:a16="http://schemas.microsoft.com/office/drawing/2014/main" val="20001"/>
+                    </a:ext>
+                  </a:extLst>
+                </a:gridCol>
+                <a:gridCol w="1645920">
+                  <a:extLst>
+                    <a:ext uri="{9D8B030D-6E8A-4147-A177-3AD203B41FA5}">
+                      <a16:colId xmlns:a16="http://schemas.microsoft.com/office/drawing/2014/main" val="20002"/>
+                    </a:ext>
+                  </a:extLst>
+                </a:gridCol>
+                <a:gridCol w="1645920">
+                  <a:extLst>
+                    <a:ext uri="{9D8B030D-6E8A-4147-A177-3AD203B41FA5}">
+                      <a16:colId xmlns:a16="http://schemas.microsoft.com/office/drawing/2014/main" val="20003"/>
+                    </a:ext>
+                  </a:extLst>
+                </a:gridCol>
+                <a:gridCol w="1645920">
+                  <a:extLst>
+                    <a:ext uri="{9D8B030D-6E8A-4147-A177-3AD203B41FA5}">
+                      <a16:colId xmlns:a16="http://schemas.microsoft.com/office/drawing/2014/main" val="20004"/>
+                    </a:ext>
+                  </a:extLst>
+                </a:gridCol>
               </a:tblGrid>
               <a:tr h="365760">
                 <a:tc>
@@ -5980,7 +5832,7 @@
                     <a:lstStyle/>
                     <a:p>
                       <a:pPr algn="ctr">
-                        <a:defRPr b="1" sz="1400">
+                        <a:defRPr sz="1400" b="1">
                           <a:solidFill>
                             <a:srgbClr val="FFFFFF"/>
                           </a:solidFill>
@@ -6004,7 +5856,7 @@
                     <a:lstStyle/>
                     <a:p>
                       <a:pPr algn="ctr">
-                        <a:defRPr b="1" sz="1400">
+                        <a:defRPr sz="1400" b="1">
                           <a:solidFill>
                             <a:srgbClr val="FFFFFF"/>
                           </a:solidFill>
@@ -6028,7 +5880,7 @@
                     <a:lstStyle/>
                     <a:p>
                       <a:pPr algn="ctr">
-                        <a:defRPr b="1" sz="1400">
+                        <a:defRPr sz="1400" b="1">
                           <a:solidFill>
                             <a:srgbClr val="FFFFFF"/>
                           </a:solidFill>
@@ -6052,7 +5904,7 @@
                     <a:lstStyle/>
                     <a:p>
                       <a:pPr algn="ctr">
-                        <a:defRPr b="1" sz="1400">
+                        <a:defRPr sz="1400" b="1">
                           <a:solidFill>
                             <a:srgbClr val="FFFFFF"/>
                           </a:solidFill>
@@ -6076,7 +5928,7 @@
                     <a:lstStyle/>
                     <a:p>
                       <a:pPr algn="ctr">
-                        <a:defRPr b="1" sz="1400">
+                        <a:defRPr sz="1400" b="1">
                           <a:solidFill>
                             <a:srgbClr val="FFFFFF"/>
                           </a:solidFill>
@@ -6094,6 +5946,11 @@
                     </a:solidFill>
                   </a:tcPr>
                 </a:tc>
+                <a:extLst>
+                  <a:ext uri="{0D108BD9-81ED-4DB2-BD59-A6C34878D82A}">
+                    <a16:rowId xmlns:a16="http://schemas.microsoft.com/office/drawing/2014/main" val="10000"/>
+                  </a:ext>
+                </a:extLst>
               </a:tr>
               <a:tr h="365760">
                 <a:tc>
@@ -6216,6 +6073,11 @@
                     </a:solidFill>
                   </a:tcPr>
                 </a:tc>
+                <a:extLst>
+                  <a:ext uri="{0D108BD9-81ED-4DB2-BD59-A6C34878D82A}">
+                    <a16:rowId xmlns:a16="http://schemas.microsoft.com/office/drawing/2014/main" val="10001"/>
+                  </a:ext>
+                </a:extLst>
               </a:tr>
               <a:tr h="365760">
                 <a:tc>
@@ -6318,6 +6180,11 @@
                   </a:txBody>
                   <a:tcPr/>
                 </a:tc>
+                <a:extLst>
+                  <a:ext uri="{0D108BD9-81ED-4DB2-BD59-A6C34878D82A}">
+                    <a16:rowId xmlns:a16="http://schemas.microsoft.com/office/drawing/2014/main" val="10002"/>
+                  </a:ext>
+                </a:extLst>
               </a:tr>
               <a:tr h="365760">
                 <a:tc>
@@ -6440,6 +6307,11 @@
                     </a:solidFill>
                   </a:tcPr>
                 </a:tc>
+                <a:extLst>
+                  <a:ext uri="{0D108BD9-81ED-4DB2-BD59-A6C34878D82A}">
+                    <a16:rowId xmlns:a16="http://schemas.microsoft.com/office/drawing/2014/main" val="10003"/>
+                  </a:ext>
+                </a:extLst>
               </a:tr>
               <a:tr h="365760">
                 <a:tc>
@@ -6542,6 +6414,11 @@
                   </a:txBody>
                   <a:tcPr/>
                 </a:tc>
+                <a:extLst>
+                  <a:ext uri="{0D108BD9-81ED-4DB2-BD59-A6C34878D82A}">
+                    <a16:rowId xmlns:a16="http://schemas.microsoft.com/office/drawing/2014/main" val="10004"/>
+                  </a:ext>
+                </a:extLst>
               </a:tr>
             </a:tbl>
           </a:graphicData>
@@ -6592,7 +6469,7 @@
 </file>
 
 <file path=ppt/slides/slide14.xml><?xml version="1.0" encoding="utf-8"?>
-<p:sld xmlns:a="http://schemas.openxmlformats.org/drawingml/2006/main" xmlns:p="http://schemas.openxmlformats.org/presentationml/2006/main" xmlns:r="http://schemas.openxmlformats.org/officeDocument/2006/relationships">
+<p:sld xmlns:a="http://schemas.openxmlformats.org/drawingml/2006/main" xmlns:r="http://schemas.openxmlformats.org/officeDocument/2006/relationships" xmlns:p="http://schemas.openxmlformats.org/presentationml/2006/main">
   <p:cSld>
     <p:bg>
       <p:bgPr>
@@ -6608,7 +6485,14 @@
         <p:cNvGrpSpPr/>
         <p:nvPr/>
       </p:nvGrpSpPr>
-      <p:grpSpPr/>
+      <p:grpSpPr>
+        <a:xfrm>
+          <a:off x="0" y="0"/>
+          <a:ext cx="0" cy="0"/>
+          <a:chOff x="0" y="0"/>
+          <a:chExt cx="0" cy="0"/>
+        </a:xfrm>
+      </p:grpSpPr>
       <p:sp>
         <p:nvSpPr>
           <p:cNvPr id="2" name="TextBox 1"/>
@@ -6685,6 +6569,7 @@
           <a:lstStyle/>
           <a:p>
             <a:pPr algn="ctr"/>
+            <a:endParaRPr/>
           </a:p>
         </p:txBody>
       </p:sp>
@@ -6697,15 +6582,15 @@
           <p:nvPr/>
         </p:nvPicPr>
         <p:blipFill>
-          <a:blip r:embed="rId2"/>
+          <a:blip r:embed="rId3"/>
           <a:stretch>
             <a:fillRect/>
           </a:stretch>
         </p:blipFill>
         <p:spPr>
           <a:xfrm>
-            <a:off x="887818" y="1188720"/>
-            <a:ext cx="7368362" cy="3657600"/>
+            <a:off x="680584" y="1005840"/>
+            <a:ext cx="7782832" cy="3863340"/>
           </a:xfrm>
           <a:prstGeom prst="rect">
             <a:avLst/>
@@ -6720,7 +6605,7 @@
         </p:nvSpPr>
         <p:spPr>
           <a:xfrm>
-            <a:off x="457200" y="4709160"/>
+            <a:off x="457200" y="4777740"/>
             <a:ext cx="8229600" cy="365760"/>
           </a:xfrm>
           <a:prstGeom prst="rect">
@@ -6743,6 +6628,7 @@
               </a:defRPr>
             </a:pPr>
             <a:r>
+              <a:rPr dirty="0"/>
               <a:t>Sharpe fluctuates significantly — strategy has periods of strength and weakness.</a:t>
             </a:r>
           </a:p>
@@ -6757,7 +6643,7 @@
 </file>
 
 <file path=ppt/slides/slide15.xml><?xml version="1.0" encoding="utf-8"?>
-<p:sld xmlns:a="http://schemas.openxmlformats.org/drawingml/2006/main" xmlns:p="http://schemas.openxmlformats.org/presentationml/2006/main" xmlns:r="http://schemas.openxmlformats.org/officeDocument/2006/relationships">
+<p:sld xmlns:a="http://schemas.openxmlformats.org/drawingml/2006/main" xmlns:r="http://schemas.openxmlformats.org/officeDocument/2006/relationships" xmlns:p="http://schemas.openxmlformats.org/presentationml/2006/main">
   <p:cSld>
     <p:bg>
       <p:bgPr>
@@ -6773,7 +6659,14 @@
         <p:cNvGrpSpPr/>
         <p:nvPr/>
       </p:nvGrpSpPr>
-      <p:grpSpPr/>
+      <p:grpSpPr>
+        <a:xfrm>
+          <a:off x="0" y="0"/>
+          <a:ext cx="0" cy="0"/>
+          <a:chOff x="0" y="0"/>
+          <a:chExt cx="0" cy="0"/>
+        </a:xfrm>
+      </p:grpSpPr>
       <p:sp>
         <p:nvSpPr>
           <p:cNvPr id="2" name="TextBox 1"/>
@@ -6850,6 +6743,7 @@
           <a:lstStyle/>
           <a:p>
             <a:pPr algn="ctr"/>
+            <a:endParaRPr/>
           </a:p>
         </p:txBody>
       </p:sp>
@@ -6872,10 +6766,34 @@
                 <a:tableStyleId>{5C22544A-7EE6-4342-B048-85BDC9FD1C3A}</a:tableStyleId>
               </a:tblPr>
               <a:tblGrid>
-                <a:gridCol w="2057400"/>
-                <a:gridCol w="2057400"/>
-                <a:gridCol w="2057400"/>
-                <a:gridCol w="2057400"/>
+                <a:gridCol w="2057400">
+                  <a:extLst>
+                    <a:ext uri="{9D8B030D-6E8A-4147-A177-3AD203B41FA5}">
+                      <a16:colId xmlns:a16="http://schemas.microsoft.com/office/drawing/2014/main" val="20000"/>
+                    </a:ext>
+                  </a:extLst>
+                </a:gridCol>
+                <a:gridCol w="2057400">
+                  <a:extLst>
+                    <a:ext uri="{9D8B030D-6E8A-4147-A177-3AD203B41FA5}">
+                      <a16:colId xmlns:a16="http://schemas.microsoft.com/office/drawing/2014/main" val="20001"/>
+                    </a:ext>
+                  </a:extLst>
+                </a:gridCol>
+                <a:gridCol w="2057400">
+                  <a:extLst>
+                    <a:ext uri="{9D8B030D-6E8A-4147-A177-3AD203B41FA5}">
+                      <a16:colId xmlns:a16="http://schemas.microsoft.com/office/drawing/2014/main" val="20002"/>
+                    </a:ext>
+                  </a:extLst>
+                </a:gridCol>
+                <a:gridCol w="2057400">
+                  <a:extLst>
+                    <a:ext uri="{9D8B030D-6E8A-4147-A177-3AD203B41FA5}">
+                      <a16:colId xmlns:a16="http://schemas.microsoft.com/office/drawing/2014/main" val="20003"/>
+                    </a:ext>
+                  </a:extLst>
+                </a:gridCol>
               </a:tblGrid>
               <a:tr h="365760">
                 <a:tc>
@@ -6884,7 +6802,7 @@
                     <a:lstStyle/>
                     <a:p>
                       <a:pPr algn="ctr">
-                        <a:defRPr b="1" sz="1400">
+                        <a:defRPr sz="1400" b="1">
                           <a:solidFill>
                             <a:srgbClr val="FFFFFF"/>
                           </a:solidFill>
@@ -6908,7 +6826,7 @@
                     <a:lstStyle/>
                     <a:p>
                       <a:pPr algn="ctr">
-                        <a:defRPr b="1" sz="1400">
+                        <a:defRPr sz="1400" b="1">
                           <a:solidFill>
                             <a:srgbClr val="FFFFFF"/>
                           </a:solidFill>
@@ -6932,7 +6850,7 @@
                     <a:lstStyle/>
                     <a:p>
                       <a:pPr algn="ctr">
-                        <a:defRPr b="1" sz="1400">
+                        <a:defRPr sz="1400" b="1">
                           <a:solidFill>
                             <a:srgbClr val="FFFFFF"/>
                           </a:solidFill>
@@ -6956,7 +6874,7 @@
                     <a:lstStyle/>
                     <a:p>
                       <a:pPr algn="ctr">
-                        <a:defRPr b="1" sz="1400">
+                        <a:defRPr sz="1400" b="1">
                           <a:solidFill>
                             <a:srgbClr val="FFFFFF"/>
                           </a:solidFill>
@@ -6974,6 +6892,11 @@
                     </a:solidFill>
                   </a:tcPr>
                 </a:tc>
+                <a:extLst>
+                  <a:ext uri="{0D108BD9-81ED-4DB2-BD59-A6C34878D82A}">
+                    <a16:rowId xmlns:a16="http://schemas.microsoft.com/office/drawing/2014/main" val="10000"/>
+                  </a:ext>
+                </a:extLst>
               </a:tr>
               <a:tr h="365760">
                 <a:tc>
@@ -7072,6 +6995,11 @@
                     </a:solidFill>
                   </a:tcPr>
                 </a:tc>
+                <a:extLst>
+                  <a:ext uri="{0D108BD9-81ED-4DB2-BD59-A6C34878D82A}">
+                    <a16:rowId xmlns:a16="http://schemas.microsoft.com/office/drawing/2014/main" val="10001"/>
+                  </a:ext>
+                </a:extLst>
               </a:tr>
               <a:tr h="365760">
                 <a:tc>
@@ -7154,6 +7082,11 @@
                   </a:txBody>
                   <a:tcPr/>
                 </a:tc>
+                <a:extLst>
+                  <a:ext uri="{0D108BD9-81ED-4DB2-BD59-A6C34878D82A}">
+                    <a16:rowId xmlns:a16="http://schemas.microsoft.com/office/drawing/2014/main" val="10002"/>
+                  </a:ext>
+                </a:extLst>
               </a:tr>
               <a:tr h="365760">
                 <a:tc>
@@ -7252,6 +7185,11 @@
                     </a:solidFill>
                   </a:tcPr>
                 </a:tc>
+                <a:extLst>
+                  <a:ext uri="{0D108BD9-81ED-4DB2-BD59-A6C34878D82A}">
+                    <a16:rowId xmlns:a16="http://schemas.microsoft.com/office/drawing/2014/main" val="10003"/>
+                  </a:ext>
+                </a:extLst>
               </a:tr>
               <a:tr h="365760">
                 <a:tc>
@@ -7334,6 +7272,11 @@
                   </a:txBody>
                   <a:tcPr/>
                 </a:tc>
+                <a:extLst>
+                  <a:ext uri="{0D108BD9-81ED-4DB2-BD59-A6C34878D82A}">
+                    <a16:rowId xmlns:a16="http://schemas.microsoft.com/office/drawing/2014/main" val="10004"/>
+                  </a:ext>
+                </a:extLst>
               </a:tr>
               <a:tr h="365760">
                 <a:tc>
@@ -7432,6 +7375,11 @@
                     </a:solidFill>
                   </a:tcPr>
                 </a:tc>
+                <a:extLst>
+                  <a:ext uri="{0D108BD9-81ED-4DB2-BD59-A6C34878D82A}">
+                    <a16:rowId xmlns:a16="http://schemas.microsoft.com/office/drawing/2014/main" val="10005"/>
+                  </a:ext>
+                </a:extLst>
               </a:tr>
             </a:tbl>
           </a:graphicData>
@@ -7482,7 +7430,7 @@
 </file>
 
 <file path=ppt/slides/slide16.xml><?xml version="1.0" encoding="utf-8"?>
-<p:sld xmlns:a="http://schemas.openxmlformats.org/drawingml/2006/main" xmlns:p="http://schemas.openxmlformats.org/presentationml/2006/main" xmlns:r="http://schemas.openxmlformats.org/officeDocument/2006/relationships">
+<p:sld xmlns:a="http://schemas.openxmlformats.org/drawingml/2006/main" xmlns:r="http://schemas.openxmlformats.org/officeDocument/2006/relationships" xmlns:p="http://schemas.openxmlformats.org/presentationml/2006/main">
   <p:cSld>
     <p:bg>
       <p:bgPr>
@@ -7498,7 +7446,14 @@
         <p:cNvGrpSpPr/>
         <p:nvPr/>
       </p:nvGrpSpPr>
-      <p:grpSpPr/>
+      <p:grpSpPr>
+        <a:xfrm>
+          <a:off x="0" y="0"/>
+          <a:ext cx="0" cy="0"/>
+          <a:chOff x="0" y="0"/>
+          <a:chExt cx="0" cy="0"/>
+        </a:xfrm>
+      </p:grpSpPr>
       <p:sp>
         <p:nvSpPr>
           <p:cNvPr id="2" name="TextBox 1"/>
@@ -7575,6 +7530,7 @@
           <a:lstStyle/>
           <a:p>
             <a:pPr algn="ctr"/>
+            <a:endParaRPr/>
           </a:p>
         </p:txBody>
       </p:sp>
@@ -7587,15 +7543,15 @@
           <p:nvPr/>
         </p:nvPicPr>
         <p:blipFill>
-          <a:blip r:embed="rId2"/>
+          <a:blip r:embed="rId3"/>
           <a:stretch>
             <a:fillRect/>
           </a:stretch>
         </p:blipFill>
         <p:spPr>
           <a:xfrm>
-            <a:off x="1601360" y="1188720"/>
-            <a:ext cx="5941279" cy="3657600"/>
+            <a:off x="1476955" y="1005840"/>
+            <a:ext cx="6190089" cy="3810774"/>
           </a:xfrm>
           <a:prstGeom prst="rect">
             <a:avLst/>
@@ -7610,7 +7566,7 @@
         </p:nvSpPr>
         <p:spPr>
           <a:xfrm>
-            <a:off x="457200" y="4709160"/>
+            <a:off x="457200" y="4800600"/>
             <a:ext cx="8229600" cy="365760"/>
           </a:xfrm>
           <a:prstGeom prst="rect">
@@ -7633,6 +7589,7 @@
               </a:defRPr>
             </a:pPr>
             <a:r>
+              <a:rPr dirty="0"/>
               <a:t>No clear seasonality — returns are spread across different periods.</a:t>
             </a:r>
           </a:p>
@@ -7647,7 +7604,7 @@
 </file>
 
 <file path=ppt/slides/slide17.xml><?xml version="1.0" encoding="utf-8"?>
-<p:sld xmlns:a="http://schemas.openxmlformats.org/drawingml/2006/main" xmlns:p="http://schemas.openxmlformats.org/presentationml/2006/main" xmlns:r="http://schemas.openxmlformats.org/officeDocument/2006/relationships">
+<p:sld xmlns:a="http://schemas.openxmlformats.org/drawingml/2006/main" xmlns:r="http://schemas.openxmlformats.org/officeDocument/2006/relationships" xmlns:p="http://schemas.openxmlformats.org/presentationml/2006/main">
   <p:cSld>
     <p:bg>
       <p:bgPr>
@@ -7663,7 +7620,14 @@
         <p:cNvGrpSpPr/>
         <p:nvPr/>
       </p:nvGrpSpPr>
-      <p:grpSpPr/>
+      <p:grpSpPr>
+        <a:xfrm>
+          <a:off x="0" y="0"/>
+          <a:ext cx="0" cy="0"/>
+          <a:chOff x="0" y="0"/>
+          <a:chExt cx="0" cy="0"/>
+        </a:xfrm>
+      </p:grpSpPr>
       <p:sp>
         <p:nvSpPr>
           <p:cNvPr id="2" name="TextBox 1"/>
@@ -7740,6 +7704,7 @@
           <a:lstStyle/>
           <a:p>
             <a:pPr algn="ctr"/>
+            <a:endParaRPr/>
           </a:p>
         </p:txBody>
       </p:sp>
@@ -7762,10 +7727,34 @@
                 <a:tableStyleId>{5C22544A-7EE6-4342-B048-85BDC9FD1C3A}</a:tableStyleId>
               </a:tblPr>
               <a:tblGrid>
-                <a:gridCol w="2057400"/>
-                <a:gridCol w="2057400"/>
-                <a:gridCol w="2057400"/>
-                <a:gridCol w="2057400"/>
+                <a:gridCol w="2057400">
+                  <a:extLst>
+                    <a:ext uri="{9D8B030D-6E8A-4147-A177-3AD203B41FA5}">
+                      <a16:colId xmlns:a16="http://schemas.microsoft.com/office/drawing/2014/main" val="20000"/>
+                    </a:ext>
+                  </a:extLst>
+                </a:gridCol>
+                <a:gridCol w="2057400">
+                  <a:extLst>
+                    <a:ext uri="{9D8B030D-6E8A-4147-A177-3AD203B41FA5}">
+                      <a16:colId xmlns:a16="http://schemas.microsoft.com/office/drawing/2014/main" val="20001"/>
+                    </a:ext>
+                  </a:extLst>
+                </a:gridCol>
+                <a:gridCol w="2057400">
+                  <a:extLst>
+                    <a:ext uri="{9D8B030D-6E8A-4147-A177-3AD203B41FA5}">
+                      <a16:colId xmlns:a16="http://schemas.microsoft.com/office/drawing/2014/main" val="20002"/>
+                    </a:ext>
+                  </a:extLst>
+                </a:gridCol>
+                <a:gridCol w="2057400">
+                  <a:extLst>
+                    <a:ext uri="{9D8B030D-6E8A-4147-A177-3AD203B41FA5}">
+                      <a16:colId xmlns:a16="http://schemas.microsoft.com/office/drawing/2014/main" val="20003"/>
+                    </a:ext>
+                  </a:extLst>
+                </a:gridCol>
               </a:tblGrid>
               <a:tr h="365760">
                 <a:tc>
@@ -7774,7 +7763,7 @@
                     <a:lstStyle/>
                     <a:p>
                       <a:pPr algn="ctr">
-                        <a:defRPr b="1" sz="1400">
+                        <a:defRPr sz="1400" b="1">
                           <a:solidFill>
                             <a:srgbClr val="FFFFFF"/>
                           </a:solidFill>
@@ -7798,7 +7787,7 @@
                     <a:lstStyle/>
                     <a:p>
                       <a:pPr algn="ctr">
-                        <a:defRPr b="1" sz="1400">
+                        <a:defRPr sz="1400" b="1">
                           <a:solidFill>
                             <a:srgbClr val="FFFFFF"/>
                           </a:solidFill>
@@ -7822,7 +7811,7 @@
                     <a:lstStyle/>
                     <a:p>
                       <a:pPr algn="ctr">
-                        <a:defRPr b="1" sz="1400">
+                        <a:defRPr sz="1400" b="1">
                           <a:solidFill>
                             <a:srgbClr val="FFFFFF"/>
                           </a:solidFill>
@@ -7846,7 +7835,7 @@
                     <a:lstStyle/>
                     <a:p>
                       <a:pPr algn="ctr">
-                        <a:defRPr b="1" sz="1400">
+                        <a:defRPr sz="1400" b="1">
                           <a:solidFill>
                             <a:srgbClr val="FFFFFF"/>
                           </a:solidFill>
@@ -7864,6 +7853,11 @@
                     </a:solidFill>
                   </a:tcPr>
                 </a:tc>
+                <a:extLst>
+                  <a:ext uri="{0D108BD9-81ED-4DB2-BD59-A6C34878D82A}">
+                    <a16:rowId xmlns:a16="http://schemas.microsoft.com/office/drawing/2014/main" val="10000"/>
+                  </a:ext>
+                </a:extLst>
               </a:tr>
               <a:tr h="365760">
                 <a:tc>
@@ -7962,6 +7956,11 @@
                     </a:solidFill>
                   </a:tcPr>
                 </a:tc>
+                <a:extLst>
+                  <a:ext uri="{0D108BD9-81ED-4DB2-BD59-A6C34878D82A}">
+                    <a16:rowId xmlns:a16="http://schemas.microsoft.com/office/drawing/2014/main" val="10001"/>
+                  </a:ext>
+                </a:extLst>
               </a:tr>
               <a:tr h="365760">
                 <a:tc>
@@ -8044,6 +8043,11 @@
                   </a:txBody>
                   <a:tcPr/>
                 </a:tc>
+                <a:extLst>
+                  <a:ext uri="{0D108BD9-81ED-4DB2-BD59-A6C34878D82A}">
+                    <a16:rowId xmlns:a16="http://schemas.microsoft.com/office/drawing/2014/main" val="10002"/>
+                  </a:ext>
+                </a:extLst>
               </a:tr>
               <a:tr h="365760">
                 <a:tc>
@@ -8142,6 +8146,11 @@
                     </a:solidFill>
                   </a:tcPr>
                 </a:tc>
+                <a:extLst>
+                  <a:ext uri="{0D108BD9-81ED-4DB2-BD59-A6C34878D82A}">
+                    <a16:rowId xmlns:a16="http://schemas.microsoft.com/office/drawing/2014/main" val="10003"/>
+                  </a:ext>
+                </a:extLst>
               </a:tr>
               <a:tr h="365760">
                 <a:tc>
@@ -8224,6 +8233,11 @@
                   </a:txBody>
                   <a:tcPr/>
                 </a:tc>
+                <a:extLst>
+                  <a:ext uri="{0D108BD9-81ED-4DB2-BD59-A6C34878D82A}">
+                    <a16:rowId xmlns:a16="http://schemas.microsoft.com/office/drawing/2014/main" val="10004"/>
+                  </a:ext>
+                </a:extLst>
               </a:tr>
             </a:tbl>
           </a:graphicData>
@@ -8274,7 +8288,7 @@
 </file>
 
 <file path=ppt/slides/slide18.xml><?xml version="1.0" encoding="utf-8"?>
-<p:sld xmlns:a="http://schemas.openxmlformats.org/drawingml/2006/main" xmlns:p="http://schemas.openxmlformats.org/presentationml/2006/main" xmlns:r="http://schemas.openxmlformats.org/officeDocument/2006/relationships">
+<p:sld xmlns:a="http://schemas.openxmlformats.org/drawingml/2006/main" xmlns:r="http://schemas.openxmlformats.org/officeDocument/2006/relationships" xmlns:p="http://schemas.openxmlformats.org/presentationml/2006/main">
   <p:cSld>
     <p:bg>
       <p:bgPr>
@@ -8290,7 +8304,14 @@
         <p:cNvGrpSpPr/>
         <p:nvPr/>
       </p:nvGrpSpPr>
-      <p:grpSpPr/>
+      <p:grpSpPr>
+        <a:xfrm>
+          <a:off x="0" y="0"/>
+          <a:ext cx="0" cy="0"/>
+          <a:chOff x="0" y="0"/>
+          <a:chExt cx="0" cy="0"/>
+        </a:xfrm>
+      </p:grpSpPr>
       <p:sp>
         <p:nvSpPr>
           <p:cNvPr id="2" name="TextBox 1"/>
@@ -8367,6 +8388,7 @@
           <a:lstStyle/>
           <a:p>
             <a:pPr algn="ctr"/>
+            <a:endParaRPr/>
           </a:p>
         </p:txBody>
       </p:sp>
@@ -8379,15 +8401,15 @@
           <p:nvPr/>
         </p:nvPicPr>
         <p:blipFill>
-          <a:blip r:embed="rId2"/>
+          <a:blip r:embed="rId3"/>
           <a:stretch>
             <a:fillRect/>
           </a:stretch>
         </p:blipFill>
         <p:spPr>
           <a:xfrm>
-            <a:off x="2521761" y="1188720"/>
-            <a:ext cx="4100476" cy="3657600"/>
+            <a:off x="2456268" y="937260"/>
+            <a:ext cx="4231463" cy="3774440"/>
           </a:xfrm>
           <a:prstGeom prst="rect">
             <a:avLst/>
@@ -8439,7 +8461,7 @@
 </file>
 
 <file path=ppt/slides/slide19.xml><?xml version="1.0" encoding="utf-8"?>
-<p:sld xmlns:a="http://schemas.openxmlformats.org/drawingml/2006/main" xmlns:p="http://schemas.openxmlformats.org/presentationml/2006/main" xmlns:r="http://schemas.openxmlformats.org/officeDocument/2006/relationships">
+<p:sld xmlns:a="http://schemas.openxmlformats.org/drawingml/2006/main" xmlns:r="http://schemas.openxmlformats.org/officeDocument/2006/relationships" xmlns:p="http://schemas.openxmlformats.org/presentationml/2006/main">
   <p:cSld>
     <p:bg>
       <p:bgPr>
@@ -8455,7 +8477,14 @@
         <p:cNvGrpSpPr/>
         <p:nvPr/>
       </p:nvGrpSpPr>
-      <p:grpSpPr/>
+      <p:grpSpPr>
+        <a:xfrm>
+          <a:off x="0" y="0"/>
+          <a:ext cx="0" cy="0"/>
+          <a:chOff x="0" y="0"/>
+          <a:chExt cx="0" cy="0"/>
+        </a:xfrm>
+      </p:grpSpPr>
       <p:sp>
         <p:nvSpPr>
           <p:cNvPr id="2" name="TextBox 1"/>
@@ -8532,6 +8561,7 @@
           <a:lstStyle/>
           <a:p>
             <a:pPr algn="ctr"/>
+            <a:endParaRPr/>
           </a:p>
         </p:txBody>
       </p:sp>
@@ -8554,9 +8584,27 @@
                 <a:tableStyleId>{5C22544A-7EE6-4342-B048-85BDC9FD1C3A}</a:tableStyleId>
               </a:tblPr>
               <a:tblGrid>
-                <a:gridCol w="2743200"/>
-                <a:gridCol w="2743200"/>
-                <a:gridCol w="2743200"/>
+                <a:gridCol w="2743200">
+                  <a:extLst>
+                    <a:ext uri="{9D8B030D-6E8A-4147-A177-3AD203B41FA5}">
+                      <a16:colId xmlns:a16="http://schemas.microsoft.com/office/drawing/2014/main" val="20000"/>
+                    </a:ext>
+                  </a:extLst>
+                </a:gridCol>
+                <a:gridCol w="2743200">
+                  <a:extLst>
+                    <a:ext uri="{9D8B030D-6E8A-4147-A177-3AD203B41FA5}">
+                      <a16:colId xmlns:a16="http://schemas.microsoft.com/office/drawing/2014/main" val="20001"/>
+                    </a:ext>
+                  </a:extLst>
+                </a:gridCol>
+                <a:gridCol w="2743200">
+                  <a:extLst>
+                    <a:ext uri="{9D8B030D-6E8A-4147-A177-3AD203B41FA5}">
+                      <a16:colId xmlns:a16="http://schemas.microsoft.com/office/drawing/2014/main" val="20002"/>
+                    </a:ext>
+                  </a:extLst>
+                </a:gridCol>
               </a:tblGrid>
               <a:tr h="365760">
                 <a:tc>
@@ -8565,7 +8613,7 @@
                     <a:lstStyle/>
                     <a:p>
                       <a:pPr algn="ctr">
-                        <a:defRPr b="1" sz="1400">
+                        <a:defRPr sz="1400" b="1">
                           <a:solidFill>
                             <a:srgbClr val="FFFFFF"/>
                           </a:solidFill>
@@ -8589,7 +8637,7 @@
                     <a:lstStyle/>
                     <a:p>
                       <a:pPr algn="ctr">
-                        <a:defRPr b="1" sz="1400">
+                        <a:defRPr sz="1400" b="1">
                           <a:solidFill>
                             <a:srgbClr val="FFFFFF"/>
                           </a:solidFill>
@@ -8613,7 +8661,7 @@
                     <a:lstStyle/>
                     <a:p>
                       <a:pPr algn="ctr">
-                        <a:defRPr b="1" sz="1400">
+                        <a:defRPr sz="1400" b="1">
                           <a:solidFill>
                             <a:srgbClr val="FFFFFF"/>
                           </a:solidFill>
@@ -8631,6 +8679,11 @@
                     </a:solidFill>
                   </a:tcPr>
                 </a:tc>
+                <a:extLst>
+                  <a:ext uri="{0D108BD9-81ED-4DB2-BD59-A6C34878D82A}">
+                    <a16:rowId xmlns:a16="http://schemas.microsoft.com/office/drawing/2014/main" val="10000"/>
+                  </a:ext>
+                </a:extLst>
               </a:tr>
               <a:tr h="365760">
                 <a:tc>
@@ -8705,6 +8758,11 @@
                     </a:solidFill>
                   </a:tcPr>
                 </a:tc>
+                <a:extLst>
+                  <a:ext uri="{0D108BD9-81ED-4DB2-BD59-A6C34878D82A}">
+                    <a16:rowId xmlns:a16="http://schemas.microsoft.com/office/drawing/2014/main" val="10001"/>
+                  </a:ext>
+                </a:extLst>
               </a:tr>
               <a:tr h="365760">
                 <a:tc>
@@ -8767,6 +8825,11 @@
                   </a:txBody>
                   <a:tcPr/>
                 </a:tc>
+                <a:extLst>
+                  <a:ext uri="{0D108BD9-81ED-4DB2-BD59-A6C34878D82A}">
+                    <a16:rowId xmlns:a16="http://schemas.microsoft.com/office/drawing/2014/main" val="10002"/>
+                  </a:ext>
+                </a:extLst>
               </a:tr>
               <a:tr h="365760">
                 <a:tc>
@@ -8841,6 +8904,11 @@
                     </a:solidFill>
                   </a:tcPr>
                 </a:tc>
+                <a:extLst>
+                  <a:ext uri="{0D108BD9-81ED-4DB2-BD59-A6C34878D82A}">
+                    <a16:rowId xmlns:a16="http://schemas.microsoft.com/office/drawing/2014/main" val="10003"/>
+                  </a:ext>
+                </a:extLst>
               </a:tr>
               <a:tr h="365760">
                 <a:tc>
@@ -8903,6 +8971,11 @@
                   </a:txBody>
                   <a:tcPr/>
                 </a:tc>
+                <a:extLst>
+                  <a:ext uri="{0D108BD9-81ED-4DB2-BD59-A6C34878D82A}">
+                    <a16:rowId xmlns:a16="http://schemas.microsoft.com/office/drawing/2014/main" val="10004"/>
+                  </a:ext>
+                </a:extLst>
               </a:tr>
             </a:tbl>
           </a:graphicData>
@@ -8953,7 +9026,7 @@
 </file>
 
 <file path=ppt/slides/slide2.xml><?xml version="1.0" encoding="utf-8"?>
-<p:sld xmlns:a="http://schemas.openxmlformats.org/drawingml/2006/main" xmlns:p="http://schemas.openxmlformats.org/presentationml/2006/main" xmlns:r="http://schemas.openxmlformats.org/officeDocument/2006/relationships">
+<p:sld xmlns:a="http://schemas.openxmlformats.org/drawingml/2006/main" xmlns:r="http://schemas.openxmlformats.org/officeDocument/2006/relationships" xmlns:p="http://schemas.openxmlformats.org/presentationml/2006/main">
   <p:cSld>
     <p:bg>
       <p:bgPr>
@@ -8969,7 +9042,14 @@
         <p:cNvGrpSpPr/>
         <p:nvPr/>
       </p:nvGrpSpPr>
-      <p:grpSpPr/>
+      <p:grpSpPr>
+        <a:xfrm>
+          <a:off x="0" y="0"/>
+          <a:ext cx="0" cy="0"/>
+          <a:chOff x="0" y="0"/>
+          <a:chExt cx="0" cy="0"/>
+        </a:xfrm>
+      </p:grpSpPr>
       <p:sp>
         <p:nvSpPr>
           <p:cNvPr id="2" name="TextBox 1"/>
@@ -9046,6 +9126,7 @@
           <a:lstStyle/>
           <a:p>
             <a:pPr algn="ctr"/>
+            <a:endParaRPr/>
           </a:p>
         </p:txBody>
       </p:sp>
@@ -9145,7 +9226,7 @@
 </file>
 
 <file path=ppt/slides/slide20.xml><?xml version="1.0" encoding="utf-8"?>
-<p:sld xmlns:a="http://schemas.openxmlformats.org/drawingml/2006/main" xmlns:p="http://schemas.openxmlformats.org/presentationml/2006/main" xmlns:r="http://schemas.openxmlformats.org/officeDocument/2006/relationships">
+<p:sld xmlns:a="http://schemas.openxmlformats.org/drawingml/2006/main" xmlns:r="http://schemas.openxmlformats.org/officeDocument/2006/relationships" xmlns:p="http://schemas.openxmlformats.org/presentationml/2006/main">
   <p:cSld>
     <p:bg>
       <p:bgPr>
@@ -9161,7 +9242,14 @@
         <p:cNvGrpSpPr/>
         <p:nvPr/>
       </p:nvGrpSpPr>
-      <p:grpSpPr/>
+      <p:grpSpPr>
+        <a:xfrm>
+          <a:off x="0" y="0"/>
+          <a:ext cx="0" cy="0"/>
+          <a:chOff x="0" y="0"/>
+          <a:chExt cx="0" cy="0"/>
+        </a:xfrm>
+      </p:grpSpPr>
       <p:sp>
         <p:nvSpPr>
           <p:cNvPr id="2" name="TextBox 1"/>
@@ -9238,6 +9326,7 @@
           <a:lstStyle/>
           <a:p>
             <a:pPr algn="ctr"/>
+            <a:endParaRPr/>
           </a:p>
         </p:txBody>
       </p:sp>
@@ -9532,7 +9621,7 @@
 </file>
 
 <file path=ppt/slides/slide21.xml><?xml version="1.0" encoding="utf-8"?>
-<p:sld xmlns:a="http://schemas.openxmlformats.org/drawingml/2006/main" xmlns:p="http://schemas.openxmlformats.org/presentationml/2006/main" xmlns:r="http://schemas.openxmlformats.org/officeDocument/2006/relationships">
+<p:sld xmlns:a="http://schemas.openxmlformats.org/drawingml/2006/main" xmlns:r="http://schemas.openxmlformats.org/officeDocument/2006/relationships" xmlns:p="http://schemas.openxmlformats.org/presentationml/2006/main">
   <p:cSld>
     <p:bg>
       <p:bgPr>
@@ -9548,7 +9637,14 @@
         <p:cNvGrpSpPr/>
         <p:nvPr/>
       </p:nvGrpSpPr>
-      <p:grpSpPr/>
+      <p:grpSpPr>
+        <a:xfrm>
+          <a:off x="0" y="0"/>
+          <a:ext cx="0" cy="0"/>
+          <a:chOff x="0" y="0"/>
+          <a:chExt cx="0" cy="0"/>
+        </a:xfrm>
+      </p:grpSpPr>
       <p:sp>
         <p:nvSpPr>
           <p:cNvPr id="2" name="TextBox 1"/>
@@ -9625,6 +9721,7 @@
           <a:lstStyle/>
           <a:p>
             <a:pPr algn="ctr"/>
+            <a:endParaRPr/>
           </a:p>
         </p:txBody>
       </p:sp>
@@ -9919,7 +10016,7 @@
 </file>
 
 <file path=ppt/slides/slide22.xml><?xml version="1.0" encoding="utf-8"?>
-<p:sld xmlns:a="http://schemas.openxmlformats.org/drawingml/2006/main" xmlns:p="http://schemas.openxmlformats.org/presentationml/2006/main" xmlns:r="http://schemas.openxmlformats.org/officeDocument/2006/relationships">
+<p:sld xmlns:a="http://schemas.openxmlformats.org/drawingml/2006/main" xmlns:r="http://schemas.openxmlformats.org/officeDocument/2006/relationships" xmlns:p="http://schemas.openxmlformats.org/presentationml/2006/main">
   <p:cSld>
     <p:bg>
       <p:bgPr>
@@ -9935,7 +10032,14 @@
         <p:cNvGrpSpPr/>
         <p:nvPr/>
       </p:nvGrpSpPr>
-      <p:grpSpPr/>
+      <p:grpSpPr>
+        <a:xfrm>
+          <a:off x="0" y="0"/>
+          <a:ext cx="0" cy="0"/>
+          <a:chOff x="0" y="0"/>
+          <a:chExt cx="0" cy="0"/>
+        </a:xfrm>
+      </p:grpSpPr>
       <p:sp>
         <p:nvSpPr>
           <p:cNvPr id="2" name="TextBox 1"/>
@@ -9980,8 +10084,8 @@
         </p:nvSpPr>
         <p:spPr>
           <a:xfrm>
-            <a:off x="457200" y="4114800"/>
-            <a:ext cx="8229600" cy="457200"/>
+            <a:off x="2526664" y="4114800"/>
+            <a:ext cx="4090671" cy="338554"/>
           </a:xfrm>
           <a:prstGeom prst="rect">
             <a:avLst/>
@@ -10003,8 +10107,24 @@
               </a:defRPr>
             </a:pPr>
             <a:r>
-              <a:t>github.com/Ayan-Mahmood/QuantHFStrat</a:t>
-            </a:r>
+              <a:rPr dirty="0" err="1">
+                <a:hlinkClick r:id="rId3"/>
+              </a:rPr>
+              <a:t>github.com</a:t>
+            </a:r>
+            <a:r>
+              <a:rPr dirty="0">
+                <a:hlinkClick r:id="rId3"/>
+              </a:rPr>
+              <a:t>/Ayan-Mahmood/</a:t>
+            </a:r>
+            <a:r>
+              <a:rPr dirty="0" err="1">
+                <a:hlinkClick r:id="rId3"/>
+              </a:rPr>
+              <a:t>QuantHFStrat</a:t>
+            </a:r>
+            <a:endParaRPr dirty="0"/>
           </a:p>
         </p:txBody>
       </p:sp>
@@ -10017,7 +10137,7 @@
 </file>
 
 <file path=ppt/slides/slide3.xml><?xml version="1.0" encoding="utf-8"?>
-<p:sld xmlns:a="http://schemas.openxmlformats.org/drawingml/2006/main" xmlns:p="http://schemas.openxmlformats.org/presentationml/2006/main" xmlns:r="http://schemas.openxmlformats.org/officeDocument/2006/relationships">
+<p:sld xmlns:a="http://schemas.openxmlformats.org/drawingml/2006/main" xmlns:r="http://schemas.openxmlformats.org/officeDocument/2006/relationships" xmlns:p="http://schemas.openxmlformats.org/presentationml/2006/main">
   <p:cSld>
     <p:bg>
       <p:bgPr>
@@ -10033,7 +10153,14 @@
         <p:cNvGrpSpPr/>
         <p:nvPr/>
       </p:nvGrpSpPr>
-      <p:grpSpPr/>
+      <p:grpSpPr>
+        <a:xfrm>
+          <a:off x="0" y="0"/>
+          <a:ext cx="0" cy="0"/>
+          <a:chOff x="0" y="0"/>
+          <a:chExt cx="0" cy="0"/>
+        </a:xfrm>
+      </p:grpSpPr>
       <p:sp>
         <p:nvSpPr>
           <p:cNvPr id="2" name="TextBox 1"/>
@@ -10110,6 +10237,7 @@
           <a:lstStyle/>
           <a:p>
             <a:pPr algn="ctr"/>
+            <a:endParaRPr/>
           </a:p>
         </p:txBody>
       </p:sp>
@@ -10245,7 +10373,7 @@
 </file>
 
 <file path=ppt/slides/slide4.xml><?xml version="1.0" encoding="utf-8"?>
-<p:sld xmlns:a="http://schemas.openxmlformats.org/drawingml/2006/main" xmlns:p="http://schemas.openxmlformats.org/presentationml/2006/main" xmlns:r="http://schemas.openxmlformats.org/officeDocument/2006/relationships">
+<p:sld xmlns:a="http://schemas.openxmlformats.org/drawingml/2006/main" xmlns:r="http://schemas.openxmlformats.org/officeDocument/2006/relationships" xmlns:p="http://schemas.openxmlformats.org/presentationml/2006/main">
   <p:cSld>
     <p:bg>
       <p:bgPr>
@@ -10261,7 +10389,14 @@
         <p:cNvGrpSpPr/>
         <p:nvPr/>
       </p:nvGrpSpPr>
-      <p:grpSpPr/>
+      <p:grpSpPr>
+        <a:xfrm>
+          <a:off x="0" y="0"/>
+          <a:ext cx="0" cy="0"/>
+          <a:chOff x="0" y="0"/>
+          <a:chExt cx="0" cy="0"/>
+        </a:xfrm>
+      </p:grpSpPr>
       <p:sp>
         <p:nvSpPr>
           <p:cNvPr id="2" name="TextBox 1"/>
@@ -10338,6 +10473,7 @@
           <a:lstStyle/>
           <a:p>
             <a:pPr algn="ctr"/>
+            <a:endParaRPr/>
           </a:p>
         </p:txBody>
       </p:sp>
@@ -10360,9 +10496,27 @@
                 <a:tableStyleId>{5C22544A-7EE6-4342-B048-85BDC9FD1C3A}</a:tableStyleId>
               </a:tblPr>
               <a:tblGrid>
-                <a:gridCol w="2743200"/>
-                <a:gridCol w="2743200"/>
-                <a:gridCol w="2743200"/>
+                <a:gridCol w="2743200">
+                  <a:extLst>
+                    <a:ext uri="{9D8B030D-6E8A-4147-A177-3AD203B41FA5}">
+                      <a16:colId xmlns:a16="http://schemas.microsoft.com/office/drawing/2014/main" val="20000"/>
+                    </a:ext>
+                  </a:extLst>
+                </a:gridCol>
+                <a:gridCol w="2743200">
+                  <a:extLst>
+                    <a:ext uri="{9D8B030D-6E8A-4147-A177-3AD203B41FA5}">
+                      <a16:colId xmlns:a16="http://schemas.microsoft.com/office/drawing/2014/main" val="20001"/>
+                    </a:ext>
+                  </a:extLst>
+                </a:gridCol>
+                <a:gridCol w="2743200">
+                  <a:extLst>
+                    <a:ext uri="{9D8B030D-6E8A-4147-A177-3AD203B41FA5}">
+                      <a16:colId xmlns:a16="http://schemas.microsoft.com/office/drawing/2014/main" val="20002"/>
+                    </a:ext>
+                  </a:extLst>
+                </a:gridCol>
               </a:tblGrid>
               <a:tr h="365760">
                 <a:tc>
@@ -10371,7 +10525,7 @@
                     <a:lstStyle/>
                     <a:p>
                       <a:pPr algn="ctr">
-                        <a:defRPr b="1" sz="1400">
+                        <a:defRPr sz="1400" b="1">
                           <a:solidFill>
                             <a:srgbClr val="FFFFFF"/>
                           </a:solidFill>
@@ -10395,7 +10549,7 @@
                     <a:lstStyle/>
                     <a:p>
                       <a:pPr algn="ctr">
-                        <a:defRPr b="1" sz="1400">
+                        <a:defRPr sz="1400" b="1">
                           <a:solidFill>
                             <a:srgbClr val="FFFFFF"/>
                           </a:solidFill>
@@ -10419,7 +10573,7 @@
                     <a:lstStyle/>
                     <a:p>
                       <a:pPr algn="ctr">
-                        <a:defRPr b="1" sz="1400">
+                        <a:defRPr sz="1400" b="1">
                           <a:solidFill>
                             <a:srgbClr val="FFFFFF"/>
                           </a:solidFill>
@@ -10437,6 +10591,11 @@
                     </a:solidFill>
                   </a:tcPr>
                 </a:tc>
+                <a:extLst>
+                  <a:ext uri="{0D108BD9-81ED-4DB2-BD59-A6C34878D82A}">
+                    <a16:rowId xmlns:a16="http://schemas.microsoft.com/office/drawing/2014/main" val="10000"/>
+                  </a:ext>
+                </a:extLst>
               </a:tr>
               <a:tr h="365760">
                 <a:tc>
@@ -10511,6 +10670,11 @@
                     </a:solidFill>
                   </a:tcPr>
                 </a:tc>
+                <a:extLst>
+                  <a:ext uri="{0D108BD9-81ED-4DB2-BD59-A6C34878D82A}">
+                    <a16:rowId xmlns:a16="http://schemas.microsoft.com/office/drawing/2014/main" val="10001"/>
+                  </a:ext>
+                </a:extLst>
               </a:tr>
               <a:tr h="365760">
                 <a:tc>
@@ -10573,6 +10737,11 @@
                   </a:txBody>
                   <a:tcPr/>
                 </a:tc>
+                <a:extLst>
+                  <a:ext uri="{0D108BD9-81ED-4DB2-BD59-A6C34878D82A}">
+                    <a16:rowId xmlns:a16="http://schemas.microsoft.com/office/drawing/2014/main" val="10002"/>
+                  </a:ext>
+                </a:extLst>
               </a:tr>
               <a:tr h="365760">
                 <a:tc>
@@ -10647,6 +10816,11 @@
                     </a:solidFill>
                   </a:tcPr>
                 </a:tc>
+                <a:extLst>
+                  <a:ext uri="{0D108BD9-81ED-4DB2-BD59-A6C34878D82A}">
+                    <a16:rowId xmlns:a16="http://schemas.microsoft.com/office/drawing/2014/main" val="10003"/>
+                  </a:ext>
+                </a:extLst>
               </a:tr>
               <a:tr h="365760">
                 <a:tc>
@@ -10709,6 +10883,11 @@
                   </a:txBody>
                   <a:tcPr/>
                 </a:tc>
+                <a:extLst>
+                  <a:ext uri="{0D108BD9-81ED-4DB2-BD59-A6C34878D82A}">
+                    <a16:rowId xmlns:a16="http://schemas.microsoft.com/office/drawing/2014/main" val="10004"/>
+                  </a:ext>
+                </a:extLst>
               </a:tr>
             </a:tbl>
           </a:graphicData>
@@ -10759,7 +10938,7 @@
 </file>
 
 <file path=ppt/slides/slide5.xml><?xml version="1.0" encoding="utf-8"?>
-<p:sld xmlns:a="http://schemas.openxmlformats.org/drawingml/2006/main" xmlns:p="http://schemas.openxmlformats.org/presentationml/2006/main" xmlns:r="http://schemas.openxmlformats.org/officeDocument/2006/relationships">
+<p:sld xmlns:a="http://schemas.openxmlformats.org/drawingml/2006/main" xmlns:r="http://schemas.openxmlformats.org/officeDocument/2006/relationships" xmlns:p="http://schemas.openxmlformats.org/presentationml/2006/main">
   <p:cSld>
     <p:bg>
       <p:bgPr>
@@ -10775,7 +10954,14 @@
         <p:cNvGrpSpPr/>
         <p:nvPr/>
       </p:nvGrpSpPr>
-      <p:grpSpPr/>
+      <p:grpSpPr>
+        <a:xfrm>
+          <a:off x="0" y="0"/>
+          <a:ext cx="0" cy="0"/>
+          <a:chOff x="0" y="0"/>
+          <a:chExt cx="0" cy="0"/>
+        </a:xfrm>
+      </p:grpSpPr>
       <p:sp>
         <p:nvSpPr>
           <p:cNvPr id="2" name="TextBox 1"/>
@@ -10852,6 +11038,7 @@
           <a:lstStyle/>
           <a:p>
             <a:pPr algn="ctr"/>
+            <a:endParaRPr/>
           </a:p>
         </p:txBody>
       </p:sp>
@@ -11114,7 +11301,7 @@
 </file>
 
 <file path=ppt/slides/slide6.xml><?xml version="1.0" encoding="utf-8"?>
-<p:sld xmlns:a="http://schemas.openxmlformats.org/drawingml/2006/main" xmlns:p="http://schemas.openxmlformats.org/presentationml/2006/main" xmlns:r="http://schemas.openxmlformats.org/officeDocument/2006/relationships">
+<p:sld xmlns:a="http://schemas.openxmlformats.org/drawingml/2006/main" xmlns:r="http://schemas.openxmlformats.org/officeDocument/2006/relationships" xmlns:p="http://schemas.openxmlformats.org/presentationml/2006/main">
   <p:cSld>
     <p:bg>
       <p:bgPr>
@@ -11130,7 +11317,14 @@
         <p:cNvGrpSpPr/>
         <p:nvPr/>
       </p:nvGrpSpPr>
-      <p:grpSpPr/>
+      <p:grpSpPr>
+        <a:xfrm>
+          <a:off x="0" y="0"/>
+          <a:ext cx="0" cy="0"/>
+          <a:chOff x="0" y="0"/>
+          <a:chExt cx="0" cy="0"/>
+        </a:xfrm>
+      </p:grpSpPr>
       <p:sp>
         <p:nvSpPr>
           <p:cNvPr id="2" name="TextBox 1"/>
@@ -11207,6 +11401,7 @@
           <a:lstStyle/>
           <a:p>
             <a:pPr algn="ctr"/>
+            <a:endParaRPr/>
           </a:p>
         </p:txBody>
       </p:sp>
@@ -11342,7 +11537,7 @@
 </file>
 
 <file path=ppt/slides/slide7.xml><?xml version="1.0" encoding="utf-8"?>
-<p:sld xmlns:a="http://schemas.openxmlformats.org/drawingml/2006/main" xmlns:p="http://schemas.openxmlformats.org/presentationml/2006/main" xmlns:r="http://schemas.openxmlformats.org/officeDocument/2006/relationships">
+<p:sld xmlns:a="http://schemas.openxmlformats.org/drawingml/2006/main" xmlns:r="http://schemas.openxmlformats.org/officeDocument/2006/relationships" xmlns:p="http://schemas.openxmlformats.org/presentationml/2006/main">
   <p:cSld>
     <p:bg>
       <p:bgPr>
@@ -11358,7 +11553,14 @@
         <p:cNvGrpSpPr/>
         <p:nvPr/>
       </p:nvGrpSpPr>
-      <p:grpSpPr/>
+      <p:grpSpPr>
+        <a:xfrm>
+          <a:off x="0" y="0"/>
+          <a:ext cx="0" cy="0"/>
+          <a:chOff x="0" y="0"/>
+          <a:chExt cx="0" cy="0"/>
+        </a:xfrm>
+      </p:grpSpPr>
       <p:sp>
         <p:nvSpPr>
           <p:cNvPr id="2" name="TextBox 1"/>
@@ -11435,6 +11637,7 @@
           <a:lstStyle/>
           <a:p>
             <a:pPr algn="ctr"/>
+            <a:endParaRPr/>
           </a:p>
         </p:txBody>
       </p:sp>
@@ -11447,14 +11650,14 @@
           <p:nvPr/>
         </p:nvPicPr>
         <p:blipFill>
-          <a:blip r:embed="rId2"/>
+          <a:blip r:embed="rId3"/>
           <a:stretch>
             <a:fillRect/>
           </a:stretch>
         </p:blipFill>
         <p:spPr>
           <a:xfrm>
-            <a:off x="877077" y="1188720"/>
+            <a:off x="877078" y="1051560"/>
             <a:ext cx="7389844" cy="3657600"/>
           </a:xfrm>
           <a:prstGeom prst="rect">
@@ -11507,7 +11710,7 @@
 </file>
 
 <file path=ppt/slides/slide8.xml><?xml version="1.0" encoding="utf-8"?>
-<p:sld xmlns:a="http://schemas.openxmlformats.org/drawingml/2006/main" xmlns:p="http://schemas.openxmlformats.org/presentationml/2006/main" xmlns:r="http://schemas.openxmlformats.org/officeDocument/2006/relationships">
+<p:sld xmlns:a="http://schemas.openxmlformats.org/drawingml/2006/main" xmlns:r="http://schemas.openxmlformats.org/officeDocument/2006/relationships" xmlns:p="http://schemas.openxmlformats.org/presentationml/2006/main">
   <p:cSld>
     <p:bg>
       <p:bgPr>
@@ -11523,7 +11726,14 @@
         <p:cNvGrpSpPr/>
         <p:nvPr/>
       </p:nvGrpSpPr>
-      <p:grpSpPr/>
+      <p:grpSpPr>
+        <a:xfrm>
+          <a:off x="0" y="0"/>
+          <a:ext cx="0" cy="0"/>
+          <a:chOff x="0" y="0"/>
+          <a:chExt cx="0" cy="0"/>
+        </a:xfrm>
+      </p:grpSpPr>
       <p:sp>
         <p:nvSpPr>
           <p:cNvPr id="2" name="TextBox 1"/>
@@ -11600,6 +11810,7 @@
           <a:lstStyle/>
           <a:p>
             <a:pPr algn="ctr"/>
+            <a:endParaRPr/>
           </a:p>
         </p:txBody>
       </p:sp>
@@ -11735,7 +11946,7 @@
 </file>
 
 <file path=ppt/slides/slide9.xml><?xml version="1.0" encoding="utf-8"?>
-<p:sld xmlns:a="http://schemas.openxmlformats.org/drawingml/2006/main" xmlns:p="http://schemas.openxmlformats.org/presentationml/2006/main" xmlns:r="http://schemas.openxmlformats.org/officeDocument/2006/relationships">
+<p:sld xmlns:a="http://schemas.openxmlformats.org/drawingml/2006/main" xmlns:r="http://schemas.openxmlformats.org/officeDocument/2006/relationships" xmlns:p="http://schemas.openxmlformats.org/presentationml/2006/main">
   <p:cSld>
     <p:bg>
       <p:bgPr>
@@ -11751,7 +11962,14 @@
         <p:cNvGrpSpPr/>
         <p:nvPr/>
       </p:nvGrpSpPr>
-      <p:grpSpPr/>
+      <p:grpSpPr>
+        <a:xfrm>
+          <a:off x="0" y="0"/>
+          <a:ext cx="0" cy="0"/>
+          <a:chOff x="0" y="0"/>
+          <a:chExt cx="0" cy="0"/>
+        </a:xfrm>
+      </p:grpSpPr>
       <p:sp>
         <p:nvSpPr>
           <p:cNvPr id="2" name="TextBox 1"/>
@@ -11761,7 +11979,7 @@
         <p:spPr>
           <a:xfrm>
             <a:off x="457200" y="274320"/>
-            <a:ext cx="8229600" cy="731520"/>
+            <a:ext cx="8598572" cy="584775"/>
           </a:xfrm>
           <a:prstGeom prst="rect">
             <a:avLst/>
@@ -11783,7 +12001,24 @@
               </a:defRPr>
             </a:pPr>
             <a:r>
-              <a:t>Cumulative Returns: Semiconductors &amp; Energy</a:t>
+              <a:rPr dirty="0"/>
+              <a:t>Cumu</a:t>
+            </a:r>
+            <a:r>
+              <a:rPr lang="en-US" dirty="0"/>
+              <a:t>lative</a:t>
+            </a:r>
+            <a:r>
+              <a:rPr dirty="0"/>
+              <a:t> Ret</a:t>
+            </a:r>
+            <a:r>
+              <a:rPr lang="en-US" dirty="0"/>
+              <a:t>.</a:t>
+            </a:r>
+            <a:r>
+              <a:rPr dirty="0"/>
+              <a:t>: Semiconductors &amp; Energy</a:t>
             </a:r>
           </a:p>
         </p:txBody>
@@ -11828,6 +12063,7 @@
           <a:lstStyle/>
           <a:p>
             <a:pPr algn="ctr"/>
+            <a:endParaRPr/>
           </a:p>
         </p:txBody>
       </p:sp>
@@ -11840,15 +12076,15 @@
           <p:nvPr/>
         </p:nvPicPr>
         <p:blipFill>
-          <a:blip r:embed="rId2"/>
+          <a:blip r:embed="rId3"/>
           <a:stretch>
             <a:fillRect/>
           </a:stretch>
         </p:blipFill>
         <p:spPr>
           <a:xfrm>
-            <a:off x="685800" y="1188720"/>
-            <a:ext cx="7772400" cy="2516808"/>
+            <a:off x="103897" y="1124917"/>
+            <a:ext cx="8936205" cy="2893665"/>
           </a:xfrm>
           <a:prstGeom prst="rect">
             <a:avLst/>
@@ -12230,44 +12466,44 @@
         <a:sysClr val="window" lastClr="FFFFFF"/>
       </a:lt1>
       <a:dk2>
-        <a:srgbClr val="1F497D"/>
+        <a:srgbClr val="0E2841"/>
       </a:dk2>
       <a:lt2>
-        <a:srgbClr val="EEECE1"/>
+        <a:srgbClr val="E8E8E8"/>
       </a:lt2>
       <a:accent1>
-        <a:srgbClr val="4F81BD"/>
+        <a:srgbClr val="156082"/>
       </a:accent1>
       <a:accent2>
-        <a:srgbClr val="C0504D"/>
+        <a:srgbClr val="E97132"/>
       </a:accent2>
       <a:accent3>
-        <a:srgbClr val="9BBB59"/>
+        <a:srgbClr val="196B24"/>
       </a:accent3>
       <a:accent4>
-        <a:srgbClr val="8064A2"/>
+        <a:srgbClr val="0F9ED5"/>
       </a:accent4>
       <a:accent5>
-        <a:srgbClr val="4BACC6"/>
+        <a:srgbClr val="A02B93"/>
       </a:accent5>
       <a:accent6>
-        <a:srgbClr val="F79646"/>
+        <a:srgbClr val="4EA72E"/>
       </a:accent6>
       <a:hlink>
-        <a:srgbClr val="0000FF"/>
+        <a:srgbClr val="467886"/>
       </a:hlink>
       <a:folHlink>
-        <a:srgbClr val="800080"/>
+        <a:srgbClr val="96607D"/>
       </a:folHlink>
     </a:clrScheme>
     <a:fontScheme name="Office">
       <a:majorFont>
-        <a:latin typeface="Calibri"/>
+        <a:latin typeface="Aptos Display" panose="02110004020202020204"/>
         <a:ea typeface=""/>
         <a:cs typeface=""/>
-        <a:font script="Jpan" typeface="ＭＳ Ｐゴシック"/>
+        <a:font script="Jpan" typeface="游ゴシック Light"/>
         <a:font script="Hang" typeface="맑은 고딕"/>
-        <a:font script="Hans" typeface="宋体"/>
+        <a:font script="Hans" typeface="等线 Light"/>
         <a:font script="Hant" typeface="新細明體"/>
         <a:font script="Arab" typeface="Times New Roman"/>
         <a:font script="Hebr" typeface="Times New Roman"/>
@@ -12295,14 +12531,31 @@
         <a:font script="Viet" typeface="Times New Roman"/>
         <a:font script="Uigh" typeface="Microsoft Uighur"/>
         <a:font script="Geor" typeface="Sylfaen"/>
+        <a:font script="Armn" typeface="Arial"/>
+        <a:font script="Bugi" typeface="Leelawadee UI"/>
+        <a:font script="Bopo" typeface="Microsoft JhengHei"/>
+        <a:font script="Java" typeface="Javanese Text"/>
+        <a:font script="Lisu" typeface="Segoe UI"/>
+        <a:font script="Mymr" typeface="Myanmar Text"/>
+        <a:font script="Nkoo" typeface="Ebrima"/>
+        <a:font script="Olck" typeface="Nirmala UI"/>
+        <a:font script="Osma" typeface="Ebrima"/>
+        <a:font script="Phag" typeface="Phagspa"/>
+        <a:font script="Syrn" typeface="Estrangelo Edessa"/>
+        <a:font script="Syrj" typeface="Estrangelo Edessa"/>
+        <a:font script="Syre" typeface="Estrangelo Edessa"/>
+        <a:font script="Sora" typeface="Nirmala UI"/>
+        <a:font script="Tale" typeface="Microsoft Tai Le"/>
+        <a:font script="Talu" typeface="Microsoft New Tai Lue"/>
+        <a:font script="Tfng" typeface="Ebrima"/>
       </a:majorFont>
       <a:minorFont>
-        <a:latin typeface="Calibri"/>
+        <a:latin typeface="Aptos" panose="02110004020202020204"/>
         <a:ea typeface=""/>
         <a:cs typeface=""/>
-        <a:font script="Jpan" typeface="ＭＳ Ｐゴシック"/>
+        <a:font script="Jpan" typeface="游ゴシック"/>
         <a:font script="Hang" typeface="맑은 고딕"/>
-        <a:font script="Hans" typeface="宋体"/>
+        <a:font script="Hans" typeface="等线"/>
         <a:font script="Hant" typeface="新細明體"/>
         <a:font script="Arab" typeface="Arial"/>
         <a:font script="Hebr" typeface="Arial"/>
@@ -12330,6 +12583,23 @@
         <a:font script="Viet" typeface="Arial"/>
         <a:font script="Uigh" typeface="Microsoft Uighur"/>
         <a:font script="Geor" typeface="Sylfaen"/>
+        <a:font script="Armn" typeface="Arial"/>
+        <a:font script="Bugi" typeface="Leelawadee UI"/>
+        <a:font script="Bopo" typeface="Microsoft JhengHei"/>
+        <a:font script="Java" typeface="Javanese Text"/>
+        <a:font script="Lisu" typeface="Segoe UI"/>
+        <a:font script="Mymr" typeface="Myanmar Text"/>
+        <a:font script="Nkoo" typeface="Ebrima"/>
+        <a:font script="Olck" typeface="Nirmala UI"/>
+        <a:font script="Osma" typeface="Ebrima"/>
+        <a:font script="Phag" typeface="Phagspa"/>
+        <a:font script="Syrn" typeface="Estrangelo Edessa"/>
+        <a:font script="Syrj" typeface="Estrangelo Edessa"/>
+        <a:font script="Syre" typeface="Estrangelo Edessa"/>
+        <a:font script="Sora" typeface="Nirmala UI"/>
+        <a:font script="Tale" typeface="Microsoft Tai Le"/>
+        <a:font script="Talu" typeface="Microsoft New Tai Lue"/>
+        <a:font script="Tfng" typeface="Ebrima"/>
       </a:minorFont>
     </a:fontScheme>
     <a:fmtScheme name="Office">
@@ -12341,180 +12611,136 @@
           <a:gsLst>
             <a:gs pos="0">
               <a:schemeClr val="phClr">
-                <a:tint val="50000"/>
-                <a:satMod val="300000"/>
+                <a:lumMod val="110000"/>
+                <a:satMod val="105000"/>
+                <a:tint val="67000"/>
               </a:schemeClr>
             </a:gs>
-            <a:gs pos="35000">
+            <a:gs pos="50000">
               <a:schemeClr val="phClr">
-                <a:tint val="37000"/>
-                <a:satMod val="300000"/>
+                <a:lumMod val="105000"/>
+                <a:satMod val="103000"/>
+                <a:tint val="73000"/>
               </a:schemeClr>
             </a:gs>
             <a:gs pos="100000">
               <a:schemeClr val="phClr">
-                <a:tint val="15000"/>
-                <a:satMod val="350000"/>
+                <a:lumMod val="105000"/>
+                <a:satMod val="109000"/>
+                <a:tint val="81000"/>
               </a:schemeClr>
             </a:gs>
           </a:gsLst>
-          <a:lin ang="16200000" scaled="1"/>
+          <a:lin ang="5400000" scaled="0"/>
         </a:gradFill>
         <a:gradFill rotWithShape="1">
           <a:gsLst>
             <a:gs pos="0">
               <a:schemeClr val="phClr">
-                <a:tint val="100000"/>
+                <a:satMod val="103000"/>
+                <a:lumMod val="102000"/>
+                <a:tint val="94000"/>
+              </a:schemeClr>
+            </a:gs>
+            <a:gs pos="50000">
+              <a:schemeClr val="phClr">
+                <a:satMod val="110000"/>
+                <a:lumMod val="100000"/>
                 <a:shade val="100000"/>
-                <a:satMod val="130000"/>
               </a:schemeClr>
             </a:gs>
             <a:gs pos="100000">
               <a:schemeClr val="phClr">
-                <a:tint val="50000"/>
-                <a:shade val="100000"/>
-                <a:satMod val="350000"/>
+                <a:lumMod val="99000"/>
+                <a:satMod val="120000"/>
+                <a:shade val="78000"/>
               </a:schemeClr>
             </a:gs>
           </a:gsLst>
-          <a:lin ang="16200000" scaled="0"/>
+          <a:lin ang="5400000" scaled="0"/>
         </a:gradFill>
       </a:fillStyleLst>
       <a:lnStyleLst>
-        <a:ln w="9525" cap="flat" cmpd="sng" algn="ctr">
+        <a:ln w="12700" cap="flat" cmpd="sng" algn="ctr">
           <a:solidFill>
-            <a:schemeClr val="phClr">
-              <a:shade val="95000"/>
-              <a:satMod val="105000"/>
-            </a:schemeClr>
+            <a:schemeClr val="phClr"/>
           </a:solidFill>
           <a:prstDash val="solid"/>
+          <a:miter lim="800000"/>
+        </a:ln>
+        <a:ln w="19050" cap="flat" cmpd="sng" algn="ctr">
+          <a:solidFill>
+            <a:schemeClr val="phClr"/>
+          </a:solidFill>
+          <a:prstDash val="solid"/>
+          <a:miter lim="800000"/>
         </a:ln>
         <a:ln w="25400" cap="flat" cmpd="sng" algn="ctr">
           <a:solidFill>
             <a:schemeClr val="phClr"/>
           </a:solidFill>
           <a:prstDash val="solid"/>
-        </a:ln>
-        <a:ln w="38100" cap="flat" cmpd="sng" algn="ctr">
-          <a:solidFill>
-            <a:schemeClr val="phClr"/>
-          </a:solidFill>
-          <a:prstDash val="solid"/>
+          <a:miter lim="800000"/>
         </a:ln>
       </a:lnStyleLst>
       <a:effectStyleLst>
         <a:effectStyle>
+          <a:effectLst/>
+        </a:effectStyle>
+        <a:effectStyle>
+          <a:effectLst/>
+        </a:effectStyle>
+        <a:effectStyle>
           <a:effectLst>
-            <a:outerShdw blurRad="40000" dist="20000" dir="5400000" rotWithShape="0">
+            <a:outerShdw blurRad="57150" dist="19050" dir="5400000" algn="ctr" rotWithShape="0">
               <a:srgbClr val="000000">
-                <a:alpha val="38000"/>
+                <a:alpha val="63000"/>
               </a:srgbClr>
             </a:outerShdw>
           </a:effectLst>
-        </a:effectStyle>
-        <a:effectStyle>
-          <a:effectLst>
-            <a:outerShdw blurRad="40000" dist="23000" dir="5400000" rotWithShape="0">
-              <a:srgbClr val="000000">
-                <a:alpha val="35000"/>
-              </a:srgbClr>
-            </a:outerShdw>
-          </a:effectLst>
-        </a:effectStyle>
-        <a:effectStyle>
-          <a:effectLst>
-            <a:outerShdw blurRad="40000" dist="23000" dir="5400000" rotWithShape="0">
-              <a:srgbClr val="000000">
-                <a:alpha val="35000"/>
-              </a:srgbClr>
-            </a:outerShdw>
-          </a:effectLst>
-          <a:scene3d>
-            <a:camera prst="orthographicFront">
-              <a:rot lat="0" lon="0" rev="0"/>
-            </a:camera>
-            <a:lightRig rig="threePt" dir="t">
-              <a:rot lat="0" lon="0" rev="1200000"/>
-            </a:lightRig>
-          </a:scene3d>
-          <a:sp3d>
-            <a:bevelT w="63500" h="25400"/>
-          </a:sp3d>
         </a:effectStyle>
       </a:effectStyleLst>
       <a:bgFillStyleLst>
         <a:solidFill>
           <a:schemeClr val="phClr"/>
         </a:solidFill>
+        <a:solidFill>
+          <a:schemeClr val="phClr">
+            <a:tint val="95000"/>
+            <a:satMod val="170000"/>
+          </a:schemeClr>
+        </a:solidFill>
         <a:gradFill rotWithShape="1">
           <a:gsLst>
             <a:gs pos="0">
               <a:schemeClr val="phClr">
-                <a:tint val="40000"/>
-                <a:satMod val="350000"/>
+                <a:tint val="93000"/>
+                <a:satMod val="150000"/>
+                <a:shade val="98000"/>
+                <a:lumMod val="102000"/>
               </a:schemeClr>
             </a:gs>
-            <a:gs pos="40000">
+            <a:gs pos="50000">
               <a:schemeClr val="phClr">
-                <a:tint val="45000"/>
-                <a:shade val="99000"/>
-                <a:satMod val="350000"/>
+                <a:tint val="98000"/>
+                <a:satMod val="130000"/>
+                <a:shade val="90000"/>
+                <a:lumMod val="103000"/>
               </a:schemeClr>
             </a:gs>
             <a:gs pos="100000">
               <a:schemeClr val="phClr">
-                <a:shade val="20000"/>
-                <a:satMod val="255000"/>
+                <a:shade val="63000"/>
+                <a:satMod val="120000"/>
               </a:schemeClr>
             </a:gs>
           </a:gsLst>
-          <a:path path="circle">
-            <a:fillToRect l="50000" t="-80000" r="50000" b="180000"/>
-          </a:path>
-        </a:gradFill>
-        <a:gradFill rotWithShape="1">
-          <a:gsLst>
-            <a:gs pos="0">
-              <a:schemeClr val="phClr">
-                <a:tint val="80000"/>
-                <a:satMod val="300000"/>
-              </a:schemeClr>
-            </a:gs>
-            <a:gs pos="100000">
-              <a:schemeClr val="phClr">
-                <a:shade val="30000"/>
-                <a:satMod val="200000"/>
-              </a:schemeClr>
-            </a:gs>
-          </a:gsLst>
-          <a:path path="circle">
-            <a:fillToRect l="50000" t="50000" r="50000" b="50000"/>
-          </a:path>
+          <a:lin ang="5400000" scaled="0"/>
         </a:gradFill>
       </a:bgFillStyleLst>
     </a:fmtScheme>
   </a:themeElements>
   <a:objectDefaults>
-    <a:spDef>
-      <a:spPr/>
-      <a:bodyPr/>
-      <a:lstStyle/>
-      <a:style>
-        <a:lnRef idx="1">
-          <a:schemeClr val="accent1"/>
-        </a:lnRef>
-        <a:fillRef idx="3">
-          <a:schemeClr val="accent1"/>
-        </a:fillRef>
-        <a:effectRef idx="2">
-          <a:schemeClr val="accent1"/>
-        </a:effectRef>
-        <a:fontRef idx="minor">
-          <a:schemeClr val="lt1"/>
-        </a:fontRef>
-      </a:style>
-    </a:spDef>
     <a:lnDef>
       <a:spPr/>
       <a:bodyPr/>
@@ -12536,5 +12762,10 @@
     </a:lnDef>
   </a:objectDefaults>
   <a:extraClrSchemeLst/>
+  <a:extLst>
+    <a:ext uri="{05A4C25C-085E-4340-85A3-A5531E510DB2}">
+      <thm15:themeFamily xmlns:thm15="http://schemas.microsoft.com/office/thememl/2012/main" name="Office Theme" id="{2E142A2C-CD16-42D6-873A-C26D2A0506FA}" vid="{1BDDFF52-6CD6-40A5-AB3C-68EB2F1E4D0A}"/>
+    </a:ext>
+  </a:extLst>
 </a:theme>
 </file>